--- a/videoApp/src/assets/pdf/SEGURIDADBANCARIA/SEGURIDADBANCARIA.pptx
+++ b/videoApp/src/assets/pdf/SEGURIDADBANCARIA/SEGURIDADBANCARIA.pptx
@@ -6,25 +6,20 @@
     <p:sldMasterId id="2147483660" r:id="rId2"/>
   </p:sldMasterIdLst>
   <p:notesMasterIdLst>
-    <p:notesMasterId r:id="rId19"/>
+    <p:notesMasterId r:id="rId14"/>
   </p:notesMasterIdLst>
   <p:sldIdLst>
     <p:sldId id="256" r:id="rId3"/>
-    <p:sldId id="260" r:id="rId4"/>
-    <p:sldId id="308" r:id="rId5"/>
-    <p:sldId id="305" r:id="rId6"/>
-    <p:sldId id="306" r:id="rId7"/>
+    <p:sldId id="303" r:id="rId4"/>
+    <p:sldId id="304" r:id="rId5"/>
+    <p:sldId id="260" r:id="rId6"/>
+    <p:sldId id="261" r:id="rId7"/>
     <p:sldId id="300" r:id="rId8"/>
     <p:sldId id="266" r:id="rId9"/>
     <p:sldId id="291" r:id="rId10"/>
-    <p:sldId id="269" r:id="rId11"/>
-    <p:sldId id="290" r:id="rId12"/>
-    <p:sldId id="274" r:id="rId13"/>
-    <p:sldId id="276" r:id="rId14"/>
-    <p:sldId id="281" r:id="rId15"/>
-    <p:sldId id="297" r:id="rId16"/>
-    <p:sldId id="301" r:id="rId17"/>
-    <p:sldId id="302" r:id="rId18"/>
+    <p:sldId id="297" r:id="rId11"/>
+    <p:sldId id="301" r:id="rId12"/>
+    <p:sldId id="302" r:id="rId13"/>
   </p:sldIdLst>
   <p:sldSz cx="9144000" cy="6858000" type="screen4x3"/>
   <p:notesSz cx="7010400" cy="9296400"/>
@@ -208,7 +203,7 @@
           <a:p>
             <a:fld id="{A9E00C12-0005-4300-8C6B-AA7D76520716}" type="datetimeFigureOut">
               <a:rPr lang="es-MX" smtClean="0"/>
-              <a:t>28/11/2018</a:t>
+              <a:t>15/02/2019</a:t>
             </a:fld>
             <a:endParaRPr lang="es-MX" dirty="0"/>
           </a:p>
@@ -708,19 +703,10 @@
           <a:lstStyle/>
           <a:p>
             <a:fld id="{03E16140-F033-41EA-8AB7-C0CDAB0BE649}" type="slidenum">
-              <a:rPr lang="es-MX" smtClean="0">
-                <a:solidFill>
-                  <a:prstClr val="black"/>
-                </a:solidFill>
-              </a:rPr>
-              <a:pPr/>
-              <a:t>6</a:t>
+              <a:rPr lang="es-MX" smtClean="0"/>
+              <a:t>4</a:t>
             </a:fld>
-            <a:endParaRPr lang="es-MX" dirty="0">
-              <a:solidFill>
-                <a:prstClr val="black"/>
-              </a:solidFill>
-            </a:endParaRPr>
+            <a:endParaRPr lang="es-MX" dirty="0"/>
           </a:p>
         </p:txBody>
       </p:sp>
@@ -802,7 +788,7 @@
           <a:p>
             <a:fld id="{03E16140-F033-41EA-8AB7-C0CDAB0BE649}" type="slidenum">
               <a:rPr lang="es-MX" smtClean="0"/>
-              <a:t>7</a:t>
+              <a:t>5</a:t>
             </a:fld>
             <a:endParaRPr lang="es-MX" dirty="0"/>
           </a:p>
@@ -811,7 +797,7 @@
     </p:spTree>
     <p:extLst>
       <p:ext uri="{BB962C8B-B14F-4D97-AF65-F5344CB8AC3E}">
-        <p14:creationId xmlns:p14="http://schemas.microsoft.com/office/powerpoint/2010/main" val="3599049624"/>
+        <p14:creationId xmlns:p14="http://schemas.microsoft.com/office/powerpoint/2010/main" val="3265321838"/>
       </p:ext>
     </p:extLst>
   </p:cSld>
@@ -891,7 +877,7 @@
                 </a:solidFill>
               </a:rPr>
               <a:pPr/>
-              <a:t>10</a:t>
+              <a:t>6</a:t>
             </a:fld>
             <a:endParaRPr lang="es-MX" dirty="0">
               <a:solidFill>
@@ -904,7 +890,91 @@
     </p:spTree>
     <p:extLst>
       <p:ext uri="{BB962C8B-B14F-4D97-AF65-F5344CB8AC3E}">
-        <p14:creationId xmlns:p14="http://schemas.microsoft.com/office/powerpoint/2010/main" val="4027758282"/>
+        <p14:creationId xmlns:p14="http://schemas.microsoft.com/office/powerpoint/2010/main" val="3265321838"/>
+      </p:ext>
+    </p:extLst>
+  </p:cSld>
+  <p:clrMapOvr>
+    <a:masterClrMapping/>
+  </p:clrMapOvr>
+</p:notes>
+</file>
+
+<file path=ppt/notesSlides/notesSlide6.xml><?xml version="1.0" encoding="utf-8"?>
+<p:notes xmlns:a="http://schemas.openxmlformats.org/drawingml/2006/main" xmlns:r="http://schemas.openxmlformats.org/officeDocument/2006/relationships" xmlns:p="http://schemas.openxmlformats.org/presentationml/2006/main">
+  <p:cSld>
+    <p:spTree>
+      <p:nvGrpSpPr>
+        <p:cNvPr id="1" name=""/>
+        <p:cNvGrpSpPr/>
+        <p:nvPr/>
+      </p:nvGrpSpPr>
+      <p:grpSpPr>
+        <a:xfrm>
+          <a:off x="0" y="0"/>
+          <a:ext cx="0" cy="0"/>
+          <a:chOff x="0" y="0"/>
+          <a:chExt cx="0" cy="0"/>
+        </a:xfrm>
+      </p:grpSpPr>
+      <p:sp>
+        <p:nvSpPr>
+          <p:cNvPr id="2" name="1 Marcador de imagen de diapositiva"/>
+          <p:cNvSpPr>
+            <a:spLocks noGrp="1" noRot="1" noChangeAspect="1"/>
+          </p:cNvSpPr>
+          <p:nvPr>
+            <p:ph type="sldImg"/>
+          </p:nvPr>
+        </p:nvSpPr>
+        <p:spPr/>
+      </p:sp>
+      <p:sp>
+        <p:nvSpPr>
+          <p:cNvPr id="3" name="2 Marcador de notas"/>
+          <p:cNvSpPr>
+            <a:spLocks noGrp="1"/>
+          </p:cNvSpPr>
+          <p:nvPr>
+            <p:ph type="body" idx="1"/>
+          </p:nvPr>
+        </p:nvSpPr>
+        <p:spPr/>
+        <p:txBody>
+          <a:bodyPr/>
+          <a:lstStyle/>
+          <a:p>
+            <a:endParaRPr lang="es-MX" dirty="0"/>
+          </a:p>
+        </p:txBody>
+      </p:sp>
+      <p:sp>
+        <p:nvSpPr>
+          <p:cNvPr id="4" name="3 Marcador de número de diapositiva"/>
+          <p:cNvSpPr>
+            <a:spLocks noGrp="1"/>
+          </p:cNvSpPr>
+          <p:nvPr>
+            <p:ph type="sldNum" sz="quarter" idx="10"/>
+          </p:nvPr>
+        </p:nvSpPr>
+        <p:spPr/>
+        <p:txBody>
+          <a:bodyPr/>
+          <a:lstStyle/>
+          <a:p>
+            <a:fld id="{03E16140-F033-41EA-8AB7-C0CDAB0BE649}" type="slidenum">
+              <a:rPr lang="es-MX" smtClean="0"/>
+              <a:t>7</a:t>
+            </a:fld>
+            <a:endParaRPr lang="es-MX" dirty="0"/>
+          </a:p>
+        </p:txBody>
+      </p:sp>
+    </p:spTree>
+    <p:extLst>
+      <p:ext uri="{BB962C8B-B14F-4D97-AF65-F5344CB8AC3E}">
+        <p14:creationId xmlns:p14="http://schemas.microsoft.com/office/powerpoint/2010/main" val="3599049624"/>
       </p:ext>
     </p:extLst>
   </p:cSld>
@@ -1095,7 +1165,7 @@
           <a:p>
             <a:fld id="{5BE7D861-A5F8-49B6-B48E-D9B72584DBDD}" type="datetimeFigureOut">
               <a:rPr lang="es-CO" smtClean="0"/>
-              <a:t>28/11/2018</a:t>
+              <a:t>15/02/2019</a:t>
             </a:fld>
             <a:endParaRPr lang="es-CO" dirty="0"/>
           </a:p>
@@ -1265,7 +1335,7 @@
           <a:p>
             <a:fld id="{5BE7D861-A5F8-49B6-B48E-D9B72584DBDD}" type="datetimeFigureOut">
               <a:rPr lang="es-CO" smtClean="0"/>
-              <a:t>28/11/2018</a:t>
+              <a:t>15/02/2019</a:t>
             </a:fld>
             <a:endParaRPr lang="es-CO" dirty="0"/>
           </a:p>
@@ -1445,7 +1515,7 @@
           <a:p>
             <a:fld id="{5BE7D861-A5F8-49B6-B48E-D9B72584DBDD}" type="datetimeFigureOut">
               <a:rPr lang="es-CO" smtClean="0"/>
-              <a:t>28/11/2018</a:t>
+              <a:t>15/02/2019</a:t>
             </a:fld>
             <a:endParaRPr lang="es-CO" dirty="0"/>
           </a:p>
@@ -1694,7 +1764,7 @@
                 </a:solidFill>
               </a:rPr>
               <a:pPr/>
-              <a:t>28/11/2018</a:t>
+              <a:t>15/02/2019</a:t>
             </a:fld>
             <a:endParaRPr lang="es-CO" dirty="0">
               <a:solidFill>
@@ -1896,7 +1966,7 @@
                 </a:solidFill>
               </a:rPr>
               <a:pPr/>
-              <a:t>28/11/2018</a:t>
+              <a:t>15/02/2019</a:t>
             </a:fld>
             <a:endParaRPr lang="es-CO" dirty="0">
               <a:solidFill>
@@ -2174,7 +2244,7 @@
                 </a:solidFill>
               </a:rPr>
               <a:pPr/>
-              <a:t>28/11/2018</a:t>
+              <a:t>15/02/2019</a:t>
             </a:fld>
             <a:endParaRPr lang="es-CO" dirty="0">
               <a:solidFill>
@@ -2494,7 +2564,7 @@
                 </a:solidFill>
               </a:rPr>
               <a:pPr/>
-              <a:t>28/11/2018</a:t>
+              <a:t>15/02/2019</a:t>
             </a:fld>
             <a:endParaRPr lang="es-CO" dirty="0">
               <a:solidFill>
@@ -2948,7 +3018,7 @@
                 </a:solidFill>
               </a:rPr>
               <a:pPr/>
-              <a:t>28/11/2018</a:t>
+              <a:t>15/02/2019</a:t>
             </a:fld>
             <a:endParaRPr lang="es-CO" dirty="0">
               <a:solidFill>
@@ -3098,7 +3168,7 @@
                 </a:solidFill>
               </a:rPr>
               <a:pPr/>
-              <a:t>28/11/2018</a:t>
+              <a:t>15/02/2019</a:t>
             </a:fld>
             <a:endParaRPr lang="es-CO" dirty="0">
               <a:solidFill>
@@ -3225,7 +3295,7 @@
                 </a:solidFill>
               </a:rPr>
               <a:pPr/>
-              <a:t>28/11/2018</a:t>
+              <a:t>15/02/2019</a:t>
             </a:fld>
             <a:endParaRPr lang="es-CO" dirty="0">
               <a:solidFill>
@@ -3534,7 +3604,7 @@
                 </a:solidFill>
               </a:rPr>
               <a:pPr/>
-              <a:t>28/11/2018</a:t>
+              <a:t>15/02/2019</a:t>
             </a:fld>
             <a:endParaRPr lang="es-CO" dirty="0">
               <a:solidFill>
@@ -3729,7 +3799,7 @@
           <a:p>
             <a:fld id="{5BE7D861-A5F8-49B6-B48E-D9B72584DBDD}" type="datetimeFigureOut">
               <a:rPr lang="es-CO" smtClean="0"/>
-              <a:t>28/11/2018</a:t>
+              <a:t>15/02/2019</a:t>
             </a:fld>
             <a:endParaRPr lang="es-CO" dirty="0"/>
           </a:p>
@@ -3989,7 +4059,7 @@
                 </a:solidFill>
               </a:rPr>
               <a:pPr/>
-              <a:t>28/11/2018</a:t>
+              <a:t>15/02/2019</a:t>
             </a:fld>
             <a:endParaRPr lang="es-CO" dirty="0">
               <a:solidFill>
@@ -4191,7 +4261,7 @@
                 </a:solidFill>
               </a:rPr>
               <a:pPr/>
-              <a:t>28/11/2018</a:t>
+              <a:t>15/02/2019</a:t>
             </a:fld>
             <a:endParaRPr lang="es-CO" dirty="0">
               <a:solidFill>
@@ -4403,7 +4473,7 @@
                 </a:solidFill>
               </a:rPr>
               <a:pPr/>
-              <a:t>28/11/2018</a:t>
+              <a:t>15/02/2019</a:t>
             </a:fld>
             <a:endParaRPr lang="es-CO" dirty="0">
               <a:solidFill>
@@ -4674,7 +4744,7 @@
           <a:p>
             <a:fld id="{5BE7D861-A5F8-49B6-B48E-D9B72584DBDD}" type="datetimeFigureOut">
               <a:rPr lang="es-CO" smtClean="0"/>
-              <a:t>28/11/2018</a:t>
+              <a:t>15/02/2019</a:t>
             </a:fld>
             <a:endParaRPr lang="es-CO" dirty="0"/>
           </a:p>
@@ -4962,7 +5032,7 @@
           <a:p>
             <a:fld id="{5BE7D861-A5F8-49B6-B48E-D9B72584DBDD}" type="datetimeFigureOut">
               <a:rPr lang="es-CO" smtClean="0"/>
-              <a:t>28/11/2018</a:t>
+              <a:t>15/02/2019</a:t>
             </a:fld>
             <a:endParaRPr lang="es-CO" dirty="0"/>
           </a:p>
@@ -5384,7 +5454,7 @@
           <a:p>
             <a:fld id="{5BE7D861-A5F8-49B6-B48E-D9B72584DBDD}" type="datetimeFigureOut">
               <a:rPr lang="es-CO" smtClean="0"/>
-              <a:t>28/11/2018</a:t>
+              <a:t>15/02/2019</a:t>
             </a:fld>
             <a:endParaRPr lang="es-CO" dirty="0"/>
           </a:p>
@@ -5502,7 +5572,7 @@
           <a:p>
             <a:fld id="{5BE7D861-A5F8-49B6-B48E-D9B72584DBDD}" type="datetimeFigureOut">
               <a:rPr lang="es-CO" smtClean="0"/>
-              <a:t>28/11/2018</a:t>
+              <a:t>15/02/2019</a:t>
             </a:fld>
             <a:endParaRPr lang="es-CO" dirty="0"/>
           </a:p>
@@ -5597,7 +5667,7 @@
           <a:p>
             <a:fld id="{5BE7D861-A5F8-49B6-B48E-D9B72584DBDD}" type="datetimeFigureOut">
               <a:rPr lang="es-CO" smtClean="0"/>
-              <a:t>28/11/2018</a:t>
+              <a:t>15/02/2019</a:t>
             </a:fld>
             <a:endParaRPr lang="es-CO" dirty="0"/>
           </a:p>
@@ -5874,7 +5944,7 @@
           <a:p>
             <a:fld id="{5BE7D861-A5F8-49B6-B48E-D9B72584DBDD}" type="datetimeFigureOut">
               <a:rPr lang="es-CO" smtClean="0"/>
-              <a:t>28/11/2018</a:t>
+              <a:t>15/02/2019</a:t>
             </a:fld>
             <a:endParaRPr lang="es-CO" dirty="0"/>
           </a:p>
@@ -6127,7 +6197,7 @@
           <a:p>
             <a:fld id="{5BE7D861-A5F8-49B6-B48E-D9B72584DBDD}" type="datetimeFigureOut">
               <a:rPr lang="es-CO" smtClean="0"/>
-              <a:t>28/11/2018</a:t>
+              <a:t>15/02/2019</a:t>
             </a:fld>
             <a:endParaRPr lang="es-CO" dirty="0"/>
           </a:p>
@@ -6349,7 +6419,7 @@
           <a:p>
             <a:fld id="{5BE7D861-A5F8-49B6-B48E-D9B72584DBDD}" type="datetimeFigureOut">
               <a:rPr lang="es-CO" smtClean="0"/>
-              <a:t>28/11/2018</a:t>
+              <a:t>15/02/2019</a:t>
             </a:fld>
             <a:endParaRPr lang="es-CO" dirty="0"/>
           </a:p>
@@ -6875,7 +6945,7 @@
                 </a:solidFill>
               </a:rPr>
               <a:pPr/>
-              <a:t>28/11/2018</a:t>
+              <a:t>15/02/2019</a:t>
             </a:fld>
             <a:endParaRPr lang="es-CO" dirty="0">
               <a:solidFill>
@@ -7382,2363 +7452,6 @@
         </p:nvSpPr>
         <p:spPr>
           <a:xfrm>
-            <a:off x="251654" y="260648"/>
-            <a:ext cx="2638864" cy="400110"/>
-          </a:xfrm>
-          <a:prstGeom prst="rect">
-            <a:avLst/>
-          </a:prstGeom>
-          <a:noFill/>
-        </p:spPr>
-        <p:txBody>
-          <a:bodyPr wrap="none" rtlCol="0">
-            <a:spAutoFit/>
-          </a:bodyPr>
-          <a:lstStyle/>
-          <a:p>
-            <a:r>
-              <a:rPr lang="es-MX" sz="2000" b="1" dirty="0" smtClean="0">
-                <a:solidFill>
-                  <a:srgbClr val="1F497D"/>
-                </a:solidFill>
-                <a:latin typeface="Arial" panose="020B0604020202020204" pitchFamily="34" charset="0"/>
-                <a:cs typeface="Arial" panose="020B0604020202020204" pitchFamily="34" charset="0"/>
-              </a:rPr>
-              <a:t>SEGURIDAD FISICA</a:t>
-            </a:r>
-            <a:endParaRPr lang="es-MX" sz="2000" b="1" dirty="0">
-              <a:solidFill>
-                <a:srgbClr val="1F497D"/>
-              </a:solidFill>
-              <a:latin typeface="Arial" panose="020B0604020202020204" pitchFamily="34" charset="0"/>
-              <a:cs typeface="Arial" panose="020B0604020202020204" pitchFamily="34" charset="0"/>
-            </a:endParaRPr>
-          </a:p>
-        </p:txBody>
-      </p:sp>
-      <p:sp>
-        <p:nvSpPr>
-          <p:cNvPr id="3" name="2 CuadroTexto"/>
-          <p:cNvSpPr txBox="1"/>
-          <p:nvPr/>
-        </p:nvSpPr>
-        <p:spPr>
-          <a:xfrm>
-            <a:off x="6372200" y="836712"/>
-            <a:ext cx="1280192" cy="369332"/>
-          </a:xfrm>
-          <a:prstGeom prst="rect">
-            <a:avLst/>
-          </a:prstGeom>
-          <a:solidFill>
-            <a:schemeClr val="bg1">
-              <a:lumMod val="95000"/>
-            </a:schemeClr>
-          </a:solidFill>
-        </p:spPr>
-        <p:txBody>
-          <a:bodyPr wrap="square" rtlCol="0">
-            <a:spAutoFit/>
-          </a:bodyPr>
-          <a:lstStyle/>
-          <a:p>
-            <a:endParaRPr lang="es-MX" dirty="0">
-              <a:solidFill>
-                <a:prstClr val="black"/>
-              </a:solidFill>
-            </a:endParaRPr>
-          </a:p>
-        </p:txBody>
-      </p:sp>
-      <p:pic>
-        <p:nvPicPr>
-          <p:cNvPr id="4" name="Picture 2" descr="C:\Users\eroseror\AppData\Local\Microsoft\Windows\Temporary Internet Files\Content.IE5\HDB6ZZLZ\IMG-20141121-WA0002.jpg"/>
-          <p:cNvPicPr/>
-          <p:nvPr/>
-        </p:nvPicPr>
-        <p:blipFill rotWithShape="1">
-          <a:blip r:embed="rId3" cstate="print">
-            <a:extLst>
-              <a:ext uri="{28A0092B-C50C-407E-A947-70E740481C1C}">
-                <a14:useLocalDpi xmlns:a14="http://schemas.microsoft.com/office/drawing/2010/main" val="0"/>
-              </a:ext>
-            </a:extLst>
-          </a:blip>
-          <a:srcRect l="13123" t="12733" r="13603" b="12610"/>
-          <a:stretch/>
-        </p:blipFill>
-        <p:spPr bwMode="auto">
-          <a:xfrm>
-            <a:off x="719790" y="2852936"/>
-            <a:ext cx="1889125" cy="2872105"/>
-          </a:xfrm>
-          <a:prstGeom prst="rect">
-            <a:avLst/>
-          </a:prstGeom>
-          <a:noFill/>
-          <a:ln>
-            <a:noFill/>
-          </a:ln>
-          <a:extLst>
-            <a:ext uri="{53640926-AAD7-44D8-BBD7-CCE9431645EC}">
-              <a14:shadowObscured xmlns:a14="http://schemas.microsoft.com/office/drawing/2010/main"/>
-            </a:ext>
-          </a:extLst>
-        </p:spPr>
-      </p:pic>
-      <p:pic>
-        <p:nvPicPr>
-          <p:cNvPr id="5" name="Picture 2"/>
-          <p:cNvPicPr/>
-          <p:nvPr/>
-        </p:nvPicPr>
-        <p:blipFill rotWithShape="1">
-          <a:blip r:embed="rId4" cstate="print">
-            <a:extLst>
-              <a:ext uri="{BEBA8EAE-BF5A-486C-A8C5-ECC9F3942E4B}">
-                <a14:imgProps xmlns:a14="http://schemas.microsoft.com/office/drawing/2010/main">
-                  <a14:imgLayer r:embed="rId5">
-                    <a14:imgEffect>
-                      <a14:brightnessContrast bright="-17000" contrast="65000"/>
-                    </a14:imgEffect>
-                  </a14:imgLayer>
-                </a14:imgProps>
-              </a:ext>
-              <a:ext uri="{28A0092B-C50C-407E-A947-70E740481C1C}">
-                <a14:useLocalDpi xmlns:a14="http://schemas.microsoft.com/office/drawing/2010/main" val="0"/>
-              </a:ext>
-            </a:extLst>
-          </a:blip>
-          <a:srcRect l="10897"/>
-          <a:stretch/>
-        </p:blipFill>
-        <p:spPr bwMode="auto">
-          <a:xfrm>
-            <a:off x="3571558" y="2852935"/>
-            <a:ext cx="2000885" cy="2872105"/>
-          </a:xfrm>
-          <a:prstGeom prst="rect">
-            <a:avLst/>
-          </a:prstGeom>
-          <a:noFill/>
-          <a:ln>
-            <a:noFill/>
-          </a:ln>
-          <a:extLst/>
-        </p:spPr>
-      </p:pic>
-      <p:pic>
-        <p:nvPicPr>
-          <p:cNvPr id="6" name="Picture 3" descr="C:\Users\eroseror\AppData\Local\Microsoft\Windows\Temporary Internet Files\Content.IE5\LCWS0QXC\IMG_6377.JPG"/>
-          <p:cNvPicPr/>
-          <p:nvPr/>
-        </p:nvPicPr>
-        <p:blipFill rotWithShape="1">
-          <a:blip r:embed="rId6" cstate="print">
-            <a:extLst>
-              <a:ext uri="{28A0092B-C50C-407E-A947-70E740481C1C}">
-                <a14:useLocalDpi xmlns:a14="http://schemas.microsoft.com/office/drawing/2010/main" val="0"/>
-              </a:ext>
-            </a:extLst>
-          </a:blip>
-          <a:srcRect l="4250" r="6000"/>
-          <a:stretch/>
-        </p:blipFill>
-        <p:spPr bwMode="auto">
-          <a:xfrm>
-            <a:off x="5948612" y="2861649"/>
-            <a:ext cx="1293360" cy="1437828"/>
-          </a:xfrm>
-          <a:prstGeom prst="rect">
-            <a:avLst/>
-          </a:prstGeom>
-          <a:noFill/>
-          <a:ln>
-            <a:noFill/>
-          </a:ln>
-          <a:extLst>
-            <a:ext uri="{53640926-AAD7-44D8-BBD7-CCE9431645EC}">
-              <a14:shadowObscured xmlns:a14="http://schemas.microsoft.com/office/drawing/2010/main"/>
-            </a:ext>
-          </a:extLst>
-        </p:spPr>
-      </p:pic>
-      <p:pic>
-        <p:nvPicPr>
-          <p:cNvPr id="7" name="0" descr="Cilindro Europerfil Computado (multipunto)"/>
-          <p:cNvPicPr/>
-          <p:nvPr/>
-        </p:nvPicPr>
-        <p:blipFill>
-          <a:blip r:embed="rId7"/>
-          <a:srcRect/>
-          <a:stretch>
-            <a:fillRect/>
-          </a:stretch>
-        </p:blipFill>
-        <p:spPr bwMode="auto">
-          <a:xfrm>
-            <a:off x="611559" y="1047566"/>
-            <a:ext cx="1115189" cy="1348352"/>
-          </a:xfrm>
-          <a:prstGeom prst="rect">
-            <a:avLst/>
-          </a:prstGeom>
-          <a:noFill/>
-          <a:ln w="9525">
-            <a:noFill/>
-            <a:miter lim="800000"/>
-            <a:headEnd/>
-            <a:tailEnd/>
-          </a:ln>
-        </p:spPr>
-      </p:pic>
-      <p:pic>
-        <p:nvPicPr>
-          <p:cNvPr id="8" name="7 Imagen" descr="C:\Documents and Settings\dastudillo\Mis documentos\Mis imágenes\DSC00285.jpg"/>
-          <p:cNvPicPr/>
-          <p:nvPr/>
-        </p:nvPicPr>
-        <p:blipFill rotWithShape="1">
-          <a:blip r:embed="rId8" cstate="print"/>
-          <a:srcRect r="9956" b="11714"/>
-          <a:stretch/>
-        </p:blipFill>
-        <p:spPr bwMode="auto">
-          <a:xfrm>
-            <a:off x="1857952" y="1230836"/>
-            <a:ext cx="1144299" cy="981813"/>
-          </a:xfrm>
-          <a:prstGeom prst="rect">
-            <a:avLst/>
-          </a:prstGeom>
-          <a:noFill/>
-          <a:ln w="9525">
-            <a:noFill/>
-            <a:miter lim="800000"/>
-            <a:headEnd/>
-            <a:tailEnd/>
-          </a:ln>
-        </p:spPr>
-      </p:pic>
-      <p:pic>
-        <p:nvPicPr>
-          <p:cNvPr id="9" name="8 Imagen" descr="Chapa de doble codificación con escudo protector"/>
-          <p:cNvPicPr/>
-          <p:nvPr/>
-        </p:nvPicPr>
-        <p:blipFill>
-          <a:blip r:embed="rId9">
-            <a:extLst>
-              <a:ext uri="{28A0092B-C50C-407E-A947-70E740481C1C}">
-                <a14:useLocalDpi xmlns:a14="http://schemas.microsoft.com/office/drawing/2010/main" val="0"/>
-              </a:ext>
-            </a:extLst>
-          </a:blip>
-          <a:srcRect/>
-          <a:stretch>
-            <a:fillRect/>
-          </a:stretch>
-        </p:blipFill>
-        <p:spPr bwMode="auto">
-          <a:xfrm>
-            <a:off x="3113260" y="1189733"/>
-            <a:ext cx="1314724" cy="1206186"/>
-          </a:xfrm>
-          <a:prstGeom prst="rect">
-            <a:avLst/>
-          </a:prstGeom>
-          <a:noFill/>
-          <a:ln>
-            <a:noFill/>
-          </a:ln>
-        </p:spPr>
-      </p:pic>
-      <p:pic>
-        <p:nvPicPr>
-          <p:cNvPr id="10" name="product_image_52" descr="Candado Yale 40mm"/>
-          <p:cNvPicPr/>
-          <p:nvPr/>
-        </p:nvPicPr>
-        <p:blipFill>
-          <a:blip r:embed="rId10"/>
-          <a:srcRect/>
-          <a:stretch>
-            <a:fillRect/>
-          </a:stretch>
-        </p:blipFill>
-        <p:spPr bwMode="auto">
-          <a:xfrm>
-            <a:off x="4637019" y="1230836"/>
-            <a:ext cx="877037" cy="851416"/>
-          </a:xfrm>
-          <a:prstGeom prst="rect">
-            <a:avLst/>
-          </a:prstGeom>
-          <a:noFill/>
-          <a:ln w="9525">
-            <a:noFill/>
-            <a:miter lim="800000"/>
-            <a:headEnd/>
-            <a:tailEnd/>
-          </a:ln>
-        </p:spPr>
-      </p:pic>
-      <p:sp>
-        <p:nvSpPr>
-          <p:cNvPr id="11" name="10 CuadroTexto"/>
-          <p:cNvSpPr txBox="1"/>
-          <p:nvPr/>
-        </p:nvSpPr>
-        <p:spPr>
-          <a:xfrm>
-            <a:off x="4757972" y="5373216"/>
-            <a:ext cx="756084" cy="184666"/>
-          </a:xfrm>
-          <a:prstGeom prst="rect">
-            <a:avLst/>
-          </a:prstGeom>
-          <a:solidFill>
-            <a:schemeClr val="bg2">
-              <a:lumMod val="75000"/>
-            </a:schemeClr>
-          </a:solidFill>
-        </p:spPr>
-        <p:txBody>
-          <a:bodyPr wrap="square" rtlCol="0">
-            <a:spAutoFit/>
-          </a:bodyPr>
-          <a:lstStyle/>
-          <a:p>
-            <a:endParaRPr lang="es-MX" dirty="0">
-              <a:solidFill>
-                <a:prstClr val="black"/>
-              </a:solidFill>
-            </a:endParaRPr>
-          </a:p>
-        </p:txBody>
-      </p:sp>
-      <p:cxnSp>
-        <p:nvCxnSpPr>
-          <p:cNvPr id="13" name="12 Conector recto de flecha"/>
-          <p:cNvCxnSpPr/>
-          <p:nvPr/>
-        </p:nvCxnSpPr>
-        <p:spPr>
-          <a:xfrm>
-            <a:off x="4483203" y="3902342"/>
-            <a:ext cx="1944305" cy="0"/>
-          </a:xfrm>
-          <a:prstGeom prst="straightConnector1">
-            <a:avLst/>
-          </a:prstGeom>
-          <a:ln>
-            <a:solidFill>
-              <a:srgbClr val="FF0000"/>
-            </a:solidFill>
-            <a:tailEnd type="arrow"/>
-          </a:ln>
-        </p:spPr>
-        <p:style>
-          <a:lnRef idx="1">
-            <a:schemeClr val="accent1"/>
-          </a:lnRef>
-          <a:fillRef idx="0">
-            <a:schemeClr val="accent1"/>
-          </a:fillRef>
-          <a:effectRef idx="0">
-            <a:schemeClr val="accent1"/>
-          </a:effectRef>
-          <a:fontRef idx="minor">
-            <a:schemeClr val="tx1"/>
-          </a:fontRef>
-        </p:style>
-      </p:cxnSp>
-      <p:sp>
-        <p:nvSpPr>
-          <p:cNvPr id="12" name="11 CuadroTexto"/>
-          <p:cNvSpPr txBox="1"/>
-          <p:nvPr/>
-        </p:nvSpPr>
-        <p:spPr>
-          <a:xfrm>
-            <a:off x="373548" y="820400"/>
-            <a:ext cx="2126416" cy="369332"/>
-          </a:xfrm>
-          <a:prstGeom prst="rect">
-            <a:avLst/>
-          </a:prstGeom>
-          <a:noFill/>
-        </p:spPr>
-        <p:txBody>
-          <a:bodyPr wrap="none" rtlCol="0">
-            <a:spAutoFit/>
-          </a:bodyPr>
-          <a:lstStyle/>
-          <a:p>
-            <a:r>
-              <a:rPr lang="es-MX" dirty="0" smtClean="0">
-                <a:solidFill>
-                  <a:schemeClr val="tx2"/>
-                </a:solidFill>
-              </a:rPr>
-              <a:t>Protección periférica</a:t>
-            </a:r>
-            <a:endParaRPr lang="es-MX" dirty="0">
-              <a:solidFill>
-                <a:schemeClr val="tx2"/>
-              </a:solidFill>
-            </a:endParaRPr>
-          </a:p>
-        </p:txBody>
-      </p:sp>
-      <p:sp>
-        <p:nvSpPr>
-          <p:cNvPr id="14" name="13 CuadroTexto"/>
-          <p:cNvSpPr txBox="1"/>
-          <p:nvPr/>
-        </p:nvSpPr>
-        <p:spPr>
-          <a:xfrm>
-            <a:off x="2586767" y="2539545"/>
-            <a:ext cx="1122936" cy="369332"/>
-          </a:xfrm>
-          <a:prstGeom prst="rect">
-            <a:avLst/>
-          </a:prstGeom>
-          <a:noFill/>
-        </p:spPr>
-        <p:txBody>
-          <a:bodyPr wrap="none" rtlCol="0">
-            <a:spAutoFit/>
-          </a:bodyPr>
-          <a:lstStyle/>
-          <a:p>
-            <a:r>
-              <a:rPr lang="es-MX" b="1" dirty="0" smtClean="0">
-                <a:solidFill>
-                  <a:schemeClr val="tx2"/>
-                </a:solidFill>
-              </a:rPr>
-              <a:t>ESCLUSAS</a:t>
-            </a:r>
-            <a:endParaRPr lang="es-MX" b="1" dirty="0">
-              <a:solidFill>
-                <a:schemeClr val="tx2"/>
-              </a:solidFill>
-            </a:endParaRPr>
-          </a:p>
-        </p:txBody>
-      </p:sp>
-      <p:sp>
-        <p:nvSpPr>
-          <p:cNvPr id="15" name="14 CuadroTexto"/>
-          <p:cNvSpPr txBox="1"/>
-          <p:nvPr/>
-        </p:nvSpPr>
-        <p:spPr>
-          <a:xfrm>
-            <a:off x="6064762" y="2612933"/>
-            <a:ext cx="929742" cy="307777"/>
-          </a:xfrm>
-          <a:prstGeom prst="rect">
-            <a:avLst/>
-          </a:prstGeom>
-          <a:noFill/>
-        </p:spPr>
-        <p:txBody>
-          <a:bodyPr wrap="none" rtlCol="0">
-            <a:spAutoFit/>
-          </a:bodyPr>
-          <a:lstStyle/>
-          <a:p>
-            <a:r>
-              <a:rPr lang="es-MX" sz="1400" b="1" dirty="0" smtClean="0">
-                <a:solidFill>
-                  <a:schemeClr val="tx2"/>
-                </a:solidFill>
-              </a:rPr>
-              <a:t>Pasa tulas</a:t>
-            </a:r>
-            <a:endParaRPr lang="es-MX" sz="1400" b="1" dirty="0">
-              <a:solidFill>
-                <a:schemeClr val="tx2"/>
-              </a:solidFill>
-            </a:endParaRPr>
-          </a:p>
-        </p:txBody>
-      </p:sp>
-    </p:spTree>
-    <p:extLst>
-      <p:ext uri="{BB962C8B-B14F-4D97-AF65-F5344CB8AC3E}">
-        <p14:creationId xmlns:p14="http://schemas.microsoft.com/office/powerpoint/2010/main" val="1892006808"/>
-      </p:ext>
-    </p:extLst>
-  </p:cSld>
-  <p:clrMapOvr>
-    <a:masterClrMapping/>
-  </p:clrMapOvr>
-  <p:timing>
-    <p:tnLst>
-      <p:par>
-        <p:cTn id="1" dur="indefinite" restart="never" nodeType="tmRoot"/>
-      </p:par>
-    </p:tnLst>
-  </p:timing>
-</p:sld>
-</file>
-
-<file path=ppt/slides/slide11.xml><?xml version="1.0" encoding="utf-8"?>
-<p:sld xmlns:a="http://schemas.openxmlformats.org/drawingml/2006/main" xmlns:r="http://schemas.openxmlformats.org/officeDocument/2006/relationships" xmlns:p="http://schemas.openxmlformats.org/presentationml/2006/main">
-  <p:cSld>
-    <p:spTree>
-      <p:nvGrpSpPr>
-        <p:cNvPr id="1" name=""/>
-        <p:cNvGrpSpPr/>
-        <p:nvPr/>
-      </p:nvGrpSpPr>
-      <p:grpSpPr>
-        <a:xfrm>
-          <a:off x="0" y="0"/>
-          <a:ext cx="0" cy="0"/>
-          <a:chOff x="0" y="0"/>
-          <a:chExt cx="0" cy="0"/>
-        </a:xfrm>
-      </p:grpSpPr>
-      <p:sp>
-        <p:nvSpPr>
-          <p:cNvPr id="2" name="1 CuadroTexto"/>
-          <p:cNvSpPr txBox="1"/>
-          <p:nvPr/>
-        </p:nvSpPr>
-        <p:spPr>
-          <a:xfrm>
-            <a:off x="234949" y="162147"/>
-            <a:ext cx="2638864" cy="400110"/>
-          </a:xfrm>
-          <a:prstGeom prst="rect">
-            <a:avLst/>
-          </a:prstGeom>
-          <a:noFill/>
-        </p:spPr>
-        <p:txBody>
-          <a:bodyPr wrap="none" rtlCol="0">
-            <a:spAutoFit/>
-          </a:bodyPr>
-          <a:lstStyle/>
-          <a:p>
-            <a:r>
-              <a:rPr lang="es-MX" sz="2000" b="1" dirty="0" smtClean="0">
-                <a:solidFill>
-                  <a:schemeClr val="tx2"/>
-                </a:solidFill>
-                <a:latin typeface="Arial" panose="020B0604020202020204" pitchFamily="34" charset="0"/>
-                <a:cs typeface="Arial" panose="020B0604020202020204" pitchFamily="34" charset="0"/>
-              </a:rPr>
-              <a:t>SEGURIDAD FISICA</a:t>
-            </a:r>
-            <a:endParaRPr lang="es-MX" sz="2000" b="1" dirty="0">
-              <a:solidFill>
-                <a:schemeClr val="tx2"/>
-              </a:solidFill>
-              <a:latin typeface="Arial" panose="020B0604020202020204" pitchFamily="34" charset="0"/>
-              <a:cs typeface="Arial" panose="020B0604020202020204" pitchFamily="34" charset="0"/>
-            </a:endParaRPr>
-          </a:p>
-        </p:txBody>
-      </p:sp>
-      <p:pic>
-        <p:nvPicPr>
-          <p:cNvPr id="3093" name="Picture 21"/>
-          <p:cNvPicPr>
-            <a:picLocks noChangeAspect="1" noChangeArrowheads="1"/>
-          </p:cNvPicPr>
-          <p:nvPr/>
-        </p:nvPicPr>
-        <p:blipFill>
-          <a:blip r:embed="rId2" cstate="print">
-            <a:extLst>
-              <a:ext uri="{28A0092B-C50C-407E-A947-70E740481C1C}">
-                <a14:useLocalDpi xmlns:a14="http://schemas.microsoft.com/office/drawing/2010/main" val="0"/>
-              </a:ext>
-            </a:extLst>
-          </a:blip>
-          <a:srcRect/>
-          <a:stretch>
-            <a:fillRect/>
-          </a:stretch>
-        </p:blipFill>
-        <p:spPr bwMode="auto">
-          <a:xfrm>
-            <a:off x="539552" y="1176201"/>
-            <a:ext cx="7920880" cy="4979195"/>
-          </a:xfrm>
-          <a:prstGeom prst="rect">
-            <a:avLst/>
-          </a:prstGeom>
-          <a:noFill/>
-          <a:ln>
-            <a:noFill/>
-          </a:ln>
-          <a:effectLst/>
-          <a:extLst>
-            <a:ext uri="{909E8E84-426E-40DD-AFC4-6F175D3DCCD1}">
-              <a14:hiddenFill xmlns:a14="http://schemas.microsoft.com/office/drawing/2010/main">
-                <a:solidFill>
-                  <a:schemeClr val="accent1"/>
-                </a:solidFill>
-              </a14:hiddenFill>
-            </a:ext>
-            <a:ext uri="{91240B29-F687-4F45-9708-019B960494DF}">
-              <a14:hiddenLine xmlns:a14="http://schemas.microsoft.com/office/drawing/2010/main" w="9525">
-                <a:solidFill>
-                  <a:schemeClr val="tx1"/>
-                </a:solidFill>
-                <a:miter lim="800000"/>
-                <a:headEnd/>
-                <a:tailEnd/>
-              </a14:hiddenLine>
-            </a:ext>
-            <a:ext uri="{AF507438-7753-43E0-B8FC-AC1667EBCBE1}">
-              <a14:hiddenEffects xmlns:a14="http://schemas.microsoft.com/office/drawing/2010/main">
-                <a:effectLst>
-                  <a:outerShdw dist="35921" dir="2700000" algn="ctr" rotWithShape="0">
-                    <a:schemeClr val="bg2"/>
-                  </a:outerShdw>
-                </a:effectLst>
-              </a14:hiddenEffects>
-            </a:ext>
-          </a:extLst>
-        </p:spPr>
-      </p:pic>
-      <p:cxnSp>
-        <p:nvCxnSpPr>
-          <p:cNvPr id="14" name="13 Conector recto de flecha"/>
-          <p:cNvCxnSpPr/>
-          <p:nvPr/>
-        </p:nvCxnSpPr>
-        <p:spPr>
-          <a:xfrm>
-            <a:off x="2829533" y="2348880"/>
-            <a:ext cx="0" cy="1728192"/>
-          </a:xfrm>
-          <a:prstGeom prst="straightConnector1">
-            <a:avLst/>
-          </a:prstGeom>
-          <a:ln w="19050">
-            <a:solidFill>
-              <a:schemeClr val="tx1"/>
-            </a:solidFill>
-            <a:prstDash val="dash"/>
-            <a:tailEnd type="arrow"/>
-          </a:ln>
-        </p:spPr>
-        <p:style>
-          <a:lnRef idx="1">
-            <a:schemeClr val="accent1"/>
-          </a:lnRef>
-          <a:fillRef idx="0">
-            <a:schemeClr val="accent1"/>
-          </a:fillRef>
-          <a:effectRef idx="0">
-            <a:schemeClr val="accent1"/>
-          </a:effectRef>
-          <a:fontRef idx="minor">
-            <a:schemeClr val="tx1"/>
-          </a:fontRef>
-        </p:style>
-      </p:cxnSp>
-      <p:cxnSp>
-        <p:nvCxnSpPr>
-          <p:cNvPr id="30" name="29 Conector recto de flecha"/>
-          <p:cNvCxnSpPr/>
-          <p:nvPr/>
-        </p:nvCxnSpPr>
-        <p:spPr>
-          <a:xfrm>
-            <a:off x="1691680" y="3447869"/>
-            <a:ext cx="936104" cy="720080"/>
-          </a:xfrm>
-          <a:prstGeom prst="straightConnector1">
-            <a:avLst/>
-          </a:prstGeom>
-          <a:ln w="19050">
-            <a:solidFill>
-              <a:schemeClr val="tx1"/>
-            </a:solidFill>
-            <a:prstDash val="dash"/>
-            <a:tailEnd type="arrow"/>
-          </a:ln>
-        </p:spPr>
-        <p:style>
-          <a:lnRef idx="1">
-            <a:schemeClr val="accent1"/>
-          </a:lnRef>
-          <a:fillRef idx="0">
-            <a:schemeClr val="accent1"/>
-          </a:fillRef>
-          <a:effectRef idx="0">
-            <a:schemeClr val="accent1"/>
-          </a:effectRef>
-          <a:fontRef idx="minor">
-            <a:schemeClr val="tx1"/>
-          </a:fontRef>
-        </p:style>
-      </p:cxnSp>
-      <p:cxnSp>
-        <p:nvCxnSpPr>
-          <p:cNvPr id="33" name="32 Conector recto de flecha"/>
-          <p:cNvCxnSpPr/>
-          <p:nvPr/>
-        </p:nvCxnSpPr>
-        <p:spPr>
-          <a:xfrm>
-            <a:off x="1259632" y="2212036"/>
-            <a:ext cx="1512168" cy="1955913"/>
-          </a:xfrm>
-          <a:prstGeom prst="straightConnector1">
-            <a:avLst/>
-          </a:prstGeom>
-          <a:ln w="19050">
-            <a:solidFill>
-              <a:schemeClr val="tx1"/>
-            </a:solidFill>
-            <a:prstDash val="dash"/>
-            <a:tailEnd type="arrow"/>
-          </a:ln>
-        </p:spPr>
-        <p:style>
-          <a:lnRef idx="1">
-            <a:schemeClr val="accent1"/>
-          </a:lnRef>
-          <a:fillRef idx="0">
-            <a:schemeClr val="accent1"/>
-          </a:fillRef>
-          <a:effectRef idx="0">
-            <a:schemeClr val="accent1"/>
-          </a:effectRef>
-          <a:fontRef idx="minor">
-            <a:schemeClr val="tx1"/>
-          </a:fontRef>
-        </p:style>
-      </p:cxnSp>
-      <p:pic>
-        <p:nvPicPr>
-          <p:cNvPr id="3096" name="Picture 24"/>
-          <p:cNvPicPr>
-            <a:picLocks noChangeAspect="1" noChangeArrowheads="1"/>
-          </p:cNvPicPr>
-          <p:nvPr/>
-        </p:nvPicPr>
-        <p:blipFill>
-          <a:blip r:embed="rId3">
-            <a:extLst>
-              <a:ext uri="{BEBA8EAE-BF5A-486C-A8C5-ECC9F3942E4B}">
-                <a14:imgProps xmlns:a14="http://schemas.microsoft.com/office/drawing/2010/main">
-                  <a14:imgLayer r:embed="rId4">
-                    <a14:imgEffect>
-                      <a14:brightnessContrast bright="-17000" contrast="62000"/>
-                    </a14:imgEffect>
-                  </a14:imgLayer>
-                </a14:imgProps>
-              </a:ext>
-              <a:ext uri="{28A0092B-C50C-407E-A947-70E740481C1C}">
-                <a14:useLocalDpi xmlns:a14="http://schemas.microsoft.com/office/drawing/2010/main" val="0"/>
-              </a:ext>
-            </a:extLst>
-          </a:blip>
-          <a:srcRect/>
-          <a:stretch>
-            <a:fillRect/>
-          </a:stretch>
-        </p:blipFill>
-        <p:spPr bwMode="auto">
-          <a:xfrm>
-            <a:off x="3625711" y="4869160"/>
-            <a:ext cx="1524000" cy="1524000"/>
-          </a:xfrm>
-          <a:prstGeom prst="rect">
-            <a:avLst/>
-          </a:prstGeom>
-          <a:noFill/>
-          <a:ln>
-            <a:noFill/>
-          </a:ln>
-          <a:extLst>
-            <a:ext uri="{909E8E84-426E-40DD-AFC4-6F175D3DCCD1}">
-              <a14:hiddenFill xmlns:a14="http://schemas.microsoft.com/office/drawing/2010/main">
-                <a:solidFill>
-                  <a:schemeClr val="accent1"/>
-                </a:solidFill>
-              </a14:hiddenFill>
-            </a:ext>
-            <a:ext uri="{91240B29-F687-4F45-9708-019B960494DF}">
-              <a14:hiddenLine xmlns:a14="http://schemas.microsoft.com/office/drawing/2010/main" w="9525">
-                <a:solidFill>
-                  <a:schemeClr val="tx1"/>
-                </a:solidFill>
-                <a:miter lim="800000"/>
-                <a:headEnd/>
-                <a:tailEnd/>
-              </a14:hiddenLine>
-            </a:ext>
-          </a:extLst>
-        </p:spPr>
-      </p:pic>
-      <p:sp>
-        <p:nvSpPr>
-          <p:cNvPr id="23" name="22 CuadroTexto"/>
-          <p:cNvSpPr txBox="1"/>
-          <p:nvPr/>
-        </p:nvSpPr>
-        <p:spPr>
-          <a:xfrm>
-            <a:off x="4049221" y="6373955"/>
-            <a:ext cx="636328" cy="338554"/>
-          </a:xfrm>
-          <a:prstGeom prst="rect">
-            <a:avLst/>
-          </a:prstGeom>
-          <a:noFill/>
-        </p:spPr>
-        <p:txBody>
-          <a:bodyPr wrap="none" rtlCol="0">
-            <a:spAutoFit/>
-          </a:bodyPr>
-          <a:lstStyle/>
-          <a:p>
-            <a:r>
-              <a:rPr lang="es-MX" sz="1600" b="1" dirty="0" smtClean="0"/>
-              <a:t>GPRS</a:t>
-            </a:r>
-            <a:endParaRPr lang="es-MX" sz="1600" b="1" dirty="0"/>
-          </a:p>
-        </p:txBody>
-      </p:sp>
-      <p:cxnSp>
-        <p:nvCxnSpPr>
-          <p:cNvPr id="39" name="38 Conector recto de flecha"/>
-          <p:cNvCxnSpPr/>
-          <p:nvPr/>
-        </p:nvCxnSpPr>
-        <p:spPr>
-          <a:xfrm flipH="1">
-            <a:off x="3148597" y="3189992"/>
-            <a:ext cx="4591755" cy="1103104"/>
-          </a:xfrm>
-          <a:prstGeom prst="straightConnector1">
-            <a:avLst/>
-          </a:prstGeom>
-          <a:ln w="19050">
-            <a:solidFill>
-              <a:schemeClr val="tx1"/>
-            </a:solidFill>
-            <a:prstDash val="dash"/>
-            <a:tailEnd type="arrow"/>
-          </a:ln>
-        </p:spPr>
-        <p:style>
-          <a:lnRef idx="1">
-            <a:schemeClr val="accent1"/>
-          </a:lnRef>
-          <a:fillRef idx="0">
-            <a:schemeClr val="accent1"/>
-          </a:fillRef>
-          <a:effectRef idx="0">
-            <a:schemeClr val="accent1"/>
-          </a:effectRef>
-          <a:fontRef idx="minor">
-            <a:schemeClr val="tx1"/>
-          </a:fontRef>
-        </p:style>
-      </p:cxnSp>
-      <p:cxnSp>
-        <p:nvCxnSpPr>
-          <p:cNvPr id="42" name="41 Conector recto de flecha"/>
-          <p:cNvCxnSpPr/>
-          <p:nvPr/>
-        </p:nvCxnSpPr>
-        <p:spPr>
-          <a:xfrm flipH="1">
-            <a:off x="2987824" y="2158897"/>
-            <a:ext cx="3672408" cy="1937044"/>
-          </a:xfrm>
-          <a:prstGeom prst="straightConnector1">
-            <a:avLst/>
-          </a:prstGeom>
-          <a:ln w="19050">
-            <a:solidFill>
-              <a:schemeClr val="tx1"/>
-            </a:solidFill>
-            <a:prstDash val="dash"/>
-            <a:tailEnd type="arrow"/>
-          </a:ln>
-        </p:spPr>
-        <p:style>
-          <a:lnRef idx="1">
-            <a:schemeClr val="accent1"/>
-          </a:lnRef>
-          <a:fillRef idx="0">
-            <a:schemeClr val="accent1"/>
-          </a:fillRef>
-          <a:effectRef idx="0">
-            <a:schemeClr val="accent1"/>
-          </a:effectRef>
-          <a:fontRef idx="minor">
-            <a:schemeClr val="tx1"/>
-          </a:fontRef>
-        </p:style>
-      </p:cxnSp>
-      <p:cxnSp>
-        <p:nvCxnSpPr>
-          <p:cNvPr id="44" name="43 Conector recto de flecha"/>
-          <p:cNvCxnSpPr/>
-          <p:nvPr/>
-        </p:nvCxnSpPr>
-        <p:spPr>
-          <a:xfrm>
-            <a:off x="3121655" y="4653136"/>
-            <a:ext cx="1008112" cy="978024"/>
-          </a:xfrm>
-          <a:prstGeom prst="straightConnector1">
-            <a:avLst/>
-          </a:prstGeom>
-          <a:ln w="19050">
-            <a:solidFill>
-              <a:schemeClr val="tx1"/>
-            </a:solidFill>
-            <a:prstDash val="dash"/>
-            <a:tailEnd type="arrow"/>
-          </a:ln>
-        </p:spPr>
-        <p:style>
-          <a:lnRef idx="1">
-            <a:schemeClr val="accent1"/>
-          </a:lnRef>
-          <a:fillRef idx="0">
-            <a:schemeClr val="accent1"/>
-          </a:fillRef>
-          <a:effectRef idx="0">
-            <a:schemeClr val="accent1"/>
-          </a:effectRef>
-          <a:fontRef idx="minor">
-            <a:schemeClr val="tx1"/>
-          </a:fontRef>
-        </p:style>
-      </p:cxnSp>
-      <p:cxnSp>
-        <p:nvCxnSpPr>
-          <p:cNvPr id="49" name="48 Conector recto de flecha"/>
-          <p:cNvCxnSpPr/>
-          <p:nvPr/>
-        </p:nvCxnSpPr>
-        <p:spPr>
-          <a:xfrm flipV="1">
-            <a:off x="4499992" y="4969783"/>
-            <a:ext cx="1440160" cy="1"/>
-          </a:xfrm>
-          <a:prstGeom prst="straightConnector1">
-            <a:avLst/>
-          </a:prstGeom>
-          <a:ln w="19050">
-            <a:solidFill>
-              <a:schemeClr val="tx1"/>
-            </a:solidFill>
-            <a:prstDash val="dash"/>
-            <a:tailEnd type="arrow"/>
-          </a:ln>
-        </p:spPr>
-        <p:style>
-          <a:lnRef idx="1">
-            <a:schemeClr val="accent1"/>
-          </a:lnRef>
-          <a:fillRef idx="0">
-            <a:schemeClr val="accent1"/>
-          </a:fillRef>
-          <a:effectRef idx="0">
-            <a:schemeClr val="accent1"/>
-          </a:effectRef>
-          <a:fontRef idx="minor">
-            <a:schemeClr val="tx1"/>
-          </a:fontRef>
-        </p:style>
-      </p:cxnSp>
-      <p:cxnSp>
-        <p:nvCxnSpPr>
-          <p:cNvPr id="55" name="54 Conector recto de flecha"/>
-          <p:cNvCxnSpPr/>
-          <p:nvPr/>
-        </p:nvCxnSpPr>
-        <p:spPr>
-          <a:xfrm flipH="1">
-            <a:off x="2838103" y="2996952"/>
-            <a:ext cx="1731760" cy="1170997"/>
-          </a:xfrm>
-          <a:prstGeom prst="straightConnector1">
-            <a:avLst/>
-          </a:prstGeom>
-          <a:ln w="19050">
-            <a:solidFill>
-              <a:schemeClr val="tx1"/>
-            </a:solidFill>
-            <a:prstDash val="dash"/>
-            <a:tailEnd type="arrow"/>
-          </a:ln>
-        </p:spPr>
-        <p:style>
-          <a:lnRef idx="1">
-            <a:schemeClr val="accent1"/>
-          </a:lnRef>
-          <a:fillRef idx="0">
-            <a:schemeClr val="accent1"/>
-          </a:fillRef>
-          <a:effectRef idx="0">
-            <a:schemeClr val="accent1"/>
-          </a:effectRef>
-          <a:fontRef idx="minor">
-            <a:schemeClr val="tx1"/>
-          </a:fontRef>
-        </p:style>
-      </p:cxnSp>
-      <p:sp>
-        <p:nvSpPr>
-          <p:cNvPr id="48" name="47 CuadroTexto"/>
-          <p:cNvSpPr txBox="1"/>
-          <p:nvPr/>
-        </p:nvSpPr>
-        <p:spPr>
-          <a:xfrm>
-            <a:off x="2759303" y="522632"/>
-            <a:ext cx="3621119" cy="369332"/>
-          </a:xfrm>
-          <a:prstGeom prst="rect">
-            <a:avLst/>
-          </a:prstGeom>
-          <a:noFill/>
-        </p:spPr>
-        <p:txBody>
-          <a:bodyPr wrap="none" rtlCol="0">
-            <a:spAutoFit/>
-          </a:bodyPr>
-          <a:lstStyle/>
-          <a:p>
-            <a:r>
-              <a:rPr lang="es-MX" b="1" dirty="0" smtClean="0">
-                <a:solidFill>
-                  <a:schemeClr val="tx2"/>
-                </a:solidFill>
-              </a:rPr>
-              <a:t>SISTEMA ELECTRONICO DE ALARMA</a:t>
-            </a:r>
-            <a:endParaRPr lang="es-MX" b="1" dirty="0">
-              <a:solidFill>
-                <a:schemeClr val="tx2"/>
-              </a:solidFill>
-            </a:endParaRPr>
-          </a:p>
-        </p:txBody>
-      </p:sp>
-      <p:pic>
-        <p:nvPicPr>
-          <p:cNvPr id="3098" name="Picture 26" descr="Resultado de imagen para imagenes botones de panico"/>
-          <p:cNvPicPr>
-            <a:picLocks noChangeAspect="1" noChangeArrowheads="1"/>
-          </p:cNvPicPr>
-          <p:nvPr/>
-        </p:nvPicPr>
-        <p:blipFill>
-          <a:blip r:embed="rId5" cstate="print">
-            <a:extLst>
-              <a:ext uri="{28A0092B-C50C-407E-A947-70E740481C1C}">
-                <a14:useLocalDpi xmlns:a14="http://schemas.microsoft.com/office/drawing/2010/main" val="0"/>
-              </a:ext>
-            </a:extLst>
-          </a:blip>
-          <a:srcRect/>
-          <a:stretch>
-            <a:fillRect/>
-          </a:stretch>
-        </p:blipFill>
-        <p:spPr bwMode="auto">
-          <a:xfrm>
-            <a:off x="4211960" y="1369580"/>
-            <a:ext cx="864096" cy="649800"/>
-          </a:xfrm>
-          <a:prstGeom prst="rect">
-            <a:avLst/>
-          </a:prstGeom>
-          <a:noFill/>
-          <a:extLst>
-            <a:ext uri="{909E8E84-426E-40DD-AFC4-6F175D3DCCD1}">
-              <a14:hiddenFill xmlns:a14="http://schemas.microsoft.com/office/drawing/2010/main">
-                <a:solidFill>
-                  <a:srgbClr val="FFFFFF"/>
-                </a:solidFill>
-              </a14:hiddenFill>
-            </a:ext>
-          </a:extLst>
-        </p:spPr>
-      </p:pic>
-      <p:cxnSp>
-        <p:nvCxnSpPr>
-          <p:cNvPr id="66" name="65 Conector recto de flecha"/>
-          <p:cNvCxnSpPr/>
-          <p:nvPr/>
-        </p:nvCxnSpPr>
-        <p:spPr>
-          <a:xfrm flipH="1">
-            <a:off x="2838102" y="2019380"/>
-            <a:ext cx="1731761" cy="2057692"/>
-          </a:xfrm>
-          <a:prstGeom prst="straightConnector1">
-            <a:avLst/>
-          </a:prstGeom>
-          <a:ln w="19050">
-            <a:solidFill>
-              <a:schemeClr val="tx1"/>
-            </a:solidFill>
-            <a:prstDash val="dash"/>
-            <a:tailEnd type="arrow"/>
-          </a:ln>
-        </p:spPr>
-        <p:style>
-          <a:lnRef idx="1">
-            <a:schemeClr val="accent1"/>
-          </a:lnRef>
-          <a:fillRef idx="0">
-            <a:schemeClr val="accent1"/>
-          </a:fillRef>
-          <a:effectRef idx="0">
-            <a:schemeClr val="accent1"/>
-          </a:effectRef>
-          <a:fontRef idx="minor">
-            <a:schemeClr val="tx1"/>
-          </a:fontRef>
-        </p:style>
-      </p:cxnSp>
-      <p:sp>
-        <p:nvSpPr>
-          <p:cNvPr id="52" name="51 CuadroTexto"/>
-          <p:cNvSpPr txBox="1"/>
-          <p:nvPr/>
-        </p:nvSpPr>
-        <p:spPr>
-          <a:xfrm>
-            <a:off x="4088759" y="1176201"/>
-            <a:ext cx="1110497" cy="307777"/>
-          </a:xfrm>
-          <a:prstGeom prst="rect">
-            <a:avLst/>
-          </a:prstGeom>
-          <a:noFill/>
-        </p:spPr>
-        <p:txBody>
-          <a:bodyPr wrap="none" rtlCol="0">
-            <a:spAutoFit/>
-          </a:bodyPr>
-          <a:lstStyle/>
-          <a:p>
-            <a:r>
-              <a:rPr lang="es-MX" sz="1400" b="1" dirty="0" smtClean="0"/>
-              <a:t>PANICO FIJO</a:t>
-            </a:r>
-            <a:endParaRPr lang="es-MX" sz="1400" b="1" dirty="0"/>
-          </a:p>
-        </p:txBody>
-      </p:sp>
-      <p:pic>
-        <p:nvPicPr>
-          <p:cNvPr id="3100" name="Picture 28" descr="Resultado de imagen para imagenes DISCRIMINADOR DE AUDIO"/>
-          <p:cNvPicPr>
-            <a:picLocks noChangeAspect="1" noChangeArrowheads="1"/>
-          </p:cNvPicPr>
-          <p:nvPr/>
-        </p:nvPicPr>
-        <p:blipFill>
-          <a:blip r:embed="rId6" cstate="print">
-            <a:extLst>
-              <a:ext uri="{28A0092B-C50C-407E-A947-70E740481C1C}">
-                <a14:useLocalDpi xmlns:a14="http://schemas.microsoft.com/office/drawing/2010/main" val="0"/>
-              </a:ext>
-            </a:extLst>
-          </a:blip>
-          <a:srcRect/>
-          <a:stretch>
-            <a:fillRect/>
-          </a:stretch>
-        </p:blipFill>
-        <p:spPr bwMode="auto">
-          <a:xfrm>
-            <a:off x="8207411" y="2348070"/>
-            <a:ext cx="585616" cy="432974"/>
-          </a:xfrm>
-          <a:prstGeom prst="rect">
-            <a:avLst/>
-          </a:prstGeom>
-          <a:noFill/>
-          <a:extLst>
-            <a:ext uri="{909E8E84-426E-40DD-AFC4-6F175D3DCCD1}">
-              <a14:hiddenFill xmlns:a14="http://schemas.microsoft.com/office/drawing/2010/main">
-                <a:solidFill>
-                  <a:srgbClr val="FFFFFF"/>
-                </a:solidFill>
-              </a14:hiddenFill>
-            </a:ext>
-          </a:extLst>
-        </p:spPr>
-      </p:pic>
-      <p:sp>
-        <p:nvSpPr>
-          <p:cNvPr id="53" name="52 CuadroTexto"/>
-          <p:cNvSpPr txBox="1"/>
-          <p:nvPr/>
-        </p:nvSpPr>
-        <p:spPr>
-          <a:xfrm>
-            <a:off x="7740352" y="1981203"/>
-            <a:ext cx="1313891" cy="461665"/>
-          </a:xfrm>
-          <a:prstGeom prst="rect">
-            <a:avLst/>
-          </a:prstGeom>
-          <a:noFill/>
-        </p:spPr>
-        <p:txBody>
-          <a:bodyPr wrap="square" rtlCol="0">
-            <a:spAutoFit/>
-          </a:bodyPr>
-          <a:lstStyle/>
-          <a:p>
-            <a:pPr algn="ctr"/>
-            <a:r>
-              <a:rPr lang="es-MX" sz="1200" b="1" dirty="0" smtClean="0"/>
-              <a:t>DISCRIMINADOR DE AUDIO</a:t>
-            </a:r>
-            <a:endParaRPr lang="es-MX" sz="1200" b="1" dirty="0"/>
-          </a:p>
-        </p:txBody>
-      </p:sp>
-      <p:cxnSp>
-        <p:nvCxnSpPr>
-          <p:cNvPr id="71" name="70 Conector recto de flecha"/>
-          <p:cNvCxnSpPr/>
-          <p:nvPr/>
-        </p:nvCxnSpPr>
-        <p:spPr>
-          <a:xfrm flipH="1">
-            <a:off x="3148597" y="2704805"/>
-            <a:ext cx="5051563" cy="1463144"/>
-          </a:xfrm>
-          <a:prstGeom prst="straightConnector1">
-            <a:avLst/>
-          </a:prstGeom>
-          <a:ln w="19050">
-            <a:solidFill>
-              <a:schemeClr val="tx1"/>
-            </a:solidFill>
-            <a:prstDash val="dash"/>
-            <a:tailEnd type="arrow"/>
-          </a:ln>
-        </p:spPr>
-        <p:style>
-          <a:lnRef idx="1">
-            <a:schemeClr val="accent1"/>
-          </a:lnRef>
-          <a:fillRef idx="0">
-            <a:schemeClr val="accent1"/>
-          </a:fillRef>
-          <a:effectRef idx="0">
-            <a:schemeClr val="accent1"/>
-          </a:effectRef>
-          <a:fontRef idx="minor">
-            <a:schemeClr val="tx1"/>
-          </a:fontRef>
-        </p:style>
-      </p:cxnSp>
-      <p:sp>
-        <p:nvSpPr>
-          <p:cNvPr id="57" name="56 CuadroTexto"/>
-          <p:cNvSpPr txBox="1"/>
-          <p:nvPr/>
-        </p:nvSpPr>
-        <p:spPr>
-          <a:xfrm>
-            <a:off x="5038003" y="2158897"/>
-            <a:ext cx="654346" cy="276999"/>
-          </a:xfrm>
-          <a:prstGeom prst="rect">
-            <a:avLst/>
-          </a:prstGeom>
-          <a:noFill/>
-        </p:spPr>
-        <p:txBody>
-          <a:bodyPr wrap="none" rtlCol="0">
-            <a:spAutoFit/>
-          </a:bodyPr>
-          <a:lstStyle/>
-          <a:p>
-            <a:r>
-              <a:rPr lang="es-MX" sz="1200" b="1" dirty="0" smtClean="0"/>
-              <a:t>SIRENA</a:t>
-            </a:r>
-            <a:endParaRPr lang="es-MX" sz="1200" b="1" dirty="0"/>
-          </a:p>
-        </p:txBody>
-      </p:sp>
-    </p:spTree>
-    <p:extLst>
-      <p:ext uri="{BB962C8B-B14F-4D97-AF65-F5344CB8AC3E}">
-        <p14:creationId xmlns:p14="http://schemas.microsoft.com/office/powerpoint/2010/main" val="3326480243"/>
-      </p:ext>
-    </p:extLst>
-  </p:cSld>
-  <p:clrMapOvr>
-    <a:masterClrMapping/>
-  </p:clrMapOvr>
-  <p:timing>
-    <p:tnLst>
-      <p:par>
-        <p:cTn id="1" dur="indefinite" restart="never" nodeType="tmRoot"/>
-      </p:par>
-    </p:tnLst>
-  </p:timing>
-</p:sld>
-</file>
-
-<file path=ppt/slides/slide12.xml><?xml version="1.0" encoding="utf-8"?>
-<p:sld xmlns:a="http://schemas.openxmlformats.org/drawingml/2006/main" xmlns:r="http://schemas.openxmlformats.org/officeDocument/2006/relationships" xmlns:p="http://schemas.openxmlformats.org/presentationml/2006/main">
-  <p:cSld>
-    <p:spTree>
-      <p:nvGrpSpPr>
-        <p:cNvPr id="1" name=""/>
-        <p:cNvGrpSpPr/>
-        <p:nvPr/>
-      </p:nvGrpSpPr>
-      <p:grpSpPr>
-        <a:xfrm>
-          <a:off x="0" y="0"/>
-          <a:ext cx="0" cy="0"/>
-          <a:chOff x="0" y="0"/>
-          <a:chExt cx="0" cy="0"/>
-        </a:xfrm>
-      </p:grpSpPr>
-      <p:sp>
-        <p:nvSpPr>
-          <p:cNvPr id="2" name="1 CuadroTexto"/>
-          <p:cNvSpPr txBox="1"/>
-          <p:nvPr/>
-        </p:nvSpPr>
-        <p:spPr>
-          <a:xfrm>
-            <a:off x="539552" y="332656"/>
-            <a:ext cx="2638864" cy="400110"/>
-          </a:xfrm>
-          <a:prstGeom prst="rect">
-            <a:avLst/>
-          </a:prstGeom>
-          <a:noFill/>
-        </p:spPr>
-        <p:txBody>
-          <a:bodyPr wrap="none" rtlCol="0">
-            <a:spAutoFit/>
-          </a:bodyPr>
-          <a:lstStyle/>
-          <a:p>
-            <a:r>
-              <a:rPr lang="es-MX" sz="2000" b="1" dirty="0" smtClean="0">
-                <a:solidFill>
-                  <a:schemeClr val="tx2"/>
-                </a:solidFill>
-                <a:latin typeface="Arial" panose="020B0604020202020204" pitchFamily="34" charset="0"/>
-                <a:cs typeface="Arial" panose="020B0604020202020204" pitchFamily="34" charset="0"/>
-              </a:rPr>
-              <a:t>SEGURIDAD FISICA</a:t>
-            </a:r>
-            <a:endParaRPr lang="es-MX" sz="2000" b="1" dirty="0">
-              <a:solidFill>
-                <a:schemeClr val="tx2"/>
-              </a:solidFill>
-              <a:latin typeface="Arial" panose="020B0604020202020204" pitchFamily="34" charset="0"/>
-              <a:cs typeface="Arial" panose="020B0604020202020204" pitchFamily="34" charset="0"/>
-            </a:endParaRPr>
-          </a:p>
-        </p:txBody>
-      </p:sp>
-      <p:pic>
-        <p:nvPicPr>
-          <p:cNvPr id="3" name="2 Imagen"/>
-          <p:cNvPicPr/>
-          <p:nvPr/>
-        </p:nvPicPr>
-        <p:blipFill>
-          <a:blip r:embed="rId2">
-            <a:extLst>
-              <a:ext uri="{BEBA8EAE-BF5A-486C-A8C5-ECC9F3942E4B}">
-                <a14:imgProps xmlns:a14="http://schemas.microsoft.com/office/drawing/2010/main">
-                  <a14:imgLayer r:embed="rId3">
-                    <a14:imgEffect>
-                      <a14:brightnessContrast contrast="22000"/>
-                    </a14:imgEffect>
-                  </a14:imgLayer>
-                </a14:imgProps>
-              </a:ext>
-              <a:ext uri="{28A0092B-C50C-407E-A947-70E740481C1C}">
-                <a14:useLocalDpi xmlns:a14="http://schemas.microsoft.com/office/drawing/2010/main" val="0"/>
-              </a:ext>
-            </a:extLst>
-          </a:blip>
-          <a:srcRect/>
-          <a:stretch>
-            <a:fillRect/>
-          </a:stretch>
-        </p:blipFill>
-        <p:spPr bwMode="auto">
-          <a:xfrm>
-            <a:off x="443794" y="2334301"/>
-            <a:ext cx="8592701" cy="4320480"/>
-          </a:xfrm>
-          <a:prstGeom prst="rect">
-            <a:avLst/>
-          </a:prstGeom>
-          <a:noFill/>
-          <a:ln>
-            <a:noFill/>
-          </a:ln>
-        </p:spPr>
-      </p:pic>
-      <p:sp>
-        <p:nvSpPr>
-          <p:cNvPr id="5" name="4 CuadroTexto"/>
-          <p:cNvSpPr txBox="1"/>
-          <p:nvPr/>
-        </p:nvSpPr>
-        <p:spPr>
-          <a:xfrm>
-            <a:off x="3131625" y="2420888"/>
-            <a:ext cx="1872208" cy="276999"/>
-          </a:xfrm>
-          <a:prstGeom prst="rect">
-            <a:avLst/>
-          </a:prstGeom>
-          <a:solidFill>
-            <a:schemeClr val="bg1"/>
-          </a:solidFill>
-        </p:spPr>
-        <p:txBody>
-          <a:bodyPr wrap="square" rtlCol="0">
-            <a:spAutoFit/>
-          </a:bodyPr>
-          <a:lstStyle/>
-          <a:p>
-            <a:r>
-              <a:rPr lang="es-MX" sz="1200" b="1" dirty="0" smtClean="0"/>
-              <a:t>SWITCH AGENCIA/PDA</a:t>
-            </a:r>
-            <a:endParaRPr lang="es-MX" sz="1200" b="1" dirty="0"/>
-          </a:p>
-        </p:txBody>
-      </p:sp>
-      <p:sp>
-        <p:nvSpPr>
-          <p:cNvPr id="6" name="5 CuadroTexto"/>
-          <p:cNvSpPr txBox="1"/>
-          <p:nvPr/>
-        </p:nvSpPr>
-        <p:spPr>
-          <a:xfrm>
-            <a:off x="7380311" y="4994625"/>
-            <a:ext cx="1656183" cy="461665"/>
-          </a:xfrm>
-          <a:prstGeom prst="rect">
-            <a:avLst/>
-          </a:prstGeom>
-          <a:solidFill>
-            <a:schemeClr val="bg1"/>
-          </a:solidFill>
-        </p:spPr>
-        <p:txBody>
-          <a:bodyPr wrap="square" rtlCol="0">
-            <a:spAutoFit/>
-          </a:bodyPr>
-          <a:lstStyle/>
-          <a:p>
-            <a:pPr algn="ctr"/>
-            <a:r>
-              <a:rPr lang="es-MX" sz="1200" b="1" dirty="0" smtClean="0"/>
-              <a:t>CENTRAL MONITOREO</a:t>
-            </a:r>
-          </a:p>
-          <a:p>
-            <a:pPr algn="ctr"/>
-            <a:r>
-              <a:rPr lang="es-MX" sz="1200" b="1" dirty="0" smtClean="0"/>
-              <a:t>BMM</a:t>
-            </a:r>
-            <a:endParaRPr lang="es-MX" sz="1200" b="1" dirty="0"/>
-          </a:p>
-        </p:txBody>
-      </p:sp>
-      <p:sp>
-        <p:nvSpPr>
-          <p:cNvPr id="7" name="6 CuadroTexto"/>
-          <p:cNvSpPr txBox="1"/>
-          <p:nvPr/>
-        </p:nvSpPr>
-        <p:spPr>
-          <a:xfrm>
-            <a:off x="3131625" y="701988"/>
-            <a:ext cx="2930610" cy="338554"/>
-          </a:xfrm>
-          <a:prstGeom prst="rect">
-            <a:avLst/>
-          </a:prstGeom>
-          <a:noFill/>
-        </p:spPr>
-        <p:txBody>
-          <a:bodyPr wrap="none" rtlCol="0">
-            <a:spAutoFit/>
-          </a:bodyPr>
-          <a:lstStyle/>
-          <a:p>
-            <a:r>
-              <a:rPr lang="es-MX" sz="1600" b="1" dirty="0" smtClean="0">
-                <a:solidFill>
-                  <a:schemeClr val="tx2"/>
-                </a:solidFill>
-              </a:rPr>
-              <a:t>SISTEMA ELECTRONICO DE CCTV</a:t>
-            </a:r>
-            <a:endParaRPr lang="es-MX" sz="1600" b="1" dirty="0">
-              <a:solidFill>
-                <a:schemeClr val="tx2"/>
-              </a:solidFill>
-            </a:endParaRPr>
-          </a:p>
-        </p:txBody>
-      </p:sp>
-      <p:sp>
-        <p:nvSpPr>
-          <p:cNvPr id="4" name="3 Rectángulo"/>
-          <p:cNvSpPr/>
-          <p:nvPr/>
-        </p:nvSpPr>
-        <p:spPr>
-          <a:xfrm>
-            <a:off x="443795" y="1040542"/>
-            <a:ext cx="8448685" cy="1169551"/>
-          </a:xfrm>
-          <a:prstGeom prst="rect">
-            <a:avLst/>
-          </a:prstGeom>
-        </p:spPr>
-        <p:txBody>
-          <a:bodyPr wrap="square">
-            <a:spAutoFit/>
-          </a:bodyPr>
-          <a:lstStyle/>
-          <a:p>
-            <a:pPr algn="just">
-              <a:spcAft>
-                <a:spcPts val="0"/>
-              </a:spcAft>
-            </a:pPr>
-            <a:r>
-              <a:rPr lang="es-CO" sz="1400" b="1" dirty="0" smtClean="0">
-                <a:solidFill>
-                  <a:schemeClr val="tx2"/>
-                </a:solidFill>
-                <a:latin typeface="Arial"/>
-                <a:ea typeface="MS Gothic"/>
-                <a:cs typeface="Arial"/>
-              </a:rPr>
-              <a:t>Circular externa 008 de 2018 SFC</a:t>
-            </a:r>
-          </a:p>
-          <a:p>
-            <a:pPr algn="just">
-              <a:spcAft>
-                <a:spcPts val="0"/>
-              </a:spcAft>
-            </a:pPr>
-            <a:r>
-              <a:rPr lang="es-CO" sz="1400" b="1" dirty="0" smtClean="0">
-                <a:solidFill>
-                  <a:schemeClr val="tx2"/>
-                </a:solidFill>
-                <a:latin typeface="Arial"/>
-                <a:ea typeface="MS Gothic"/>
-                <a:cs typeface="Arial"/>
-              </a:rPr>
-              <a:t>“2.3.4.1.3</a:t>
-            </a:r>
-            <a:r>
-              <a:rPr lang="es-CO" sz="1400" dirty="0">
-                <a:solidFill>
-                  <a:schemeClr val="tx2"/>
-                </a:solidFill>
-                <a:latin typeface="Arial"/>
-                <a:ea typeface="MS Gothic"/>
-                <a:cs typeface="Arial"/>
-              </a:rPr>
-              <a:t>. Contar con cámaras de video, las cuales deben cubrir al menos el acceso principal y las áreas de atención al público. Las imágenes deben ser conservadas </a:t>
-            </a:r>
-            <a:r>
-              <a:rPr lang="es-CO" sz="1400" b="1" dirty="0">
-                <a:solidFill>
-                  <a:schemeClr val="tx2"/>
-                </a:solidFill>
-                <a:latin typeface="Arial"/>
-                <a:ea typeface="MS Gothic"/>
-                <a:cs typeface="Arial"/>
-              </a:rPr>
-              <a:t>por lo menos 6 meses </a:t>
-            </a:r>
-            <a:r>
-              <a:rPr lang="es-CO" sz="1400" dirty="0">
-                <a:solidFill>
-                  <a:schemeClr val="tx2"/>
-                </a:solidFill>
-                <a:latin typeface="Arial"/>
-                <a:ea typeface="MS Gothic"/>
-                <a:cs typeface="Arial"/>
-              </a:rPr>
-              <a:t>o en el caso en que la imagen respectiva sea objeto o soporte de una reclamación, queja, o cualquier proceso de tipo judicial, hasta el momento en que sea resuelto</a:t>
-            </a:r>
-            <a:r>
-              <a:rPr lang="es-CO" sz="1400" dirty="0" smtClean="0">
-                <a:solidFill>
-                  <a:schemeClr val="tx2"/>
-                </a:solidFill>
-                <a:latin typeface="Arial"/>
-                <a:ea typeface="MS Gothic"/>
-                <a:cs typeface="Arial"/>
-              </a:rPr>
-              <a:t>.”</a:t>
-            </a:r>
-            <a:endParaRPr lang="es-MX" sz="1400" dirty="0">
-              <a:solidFill>
-                <a:schemeClr val="tx2"/>
-              </a:solidFill>
-              <a:effectLst/>
-              <a:latin typeface="Arial"/>
-              <a:ea typeface="MS Gothic"/>
-              <a:cs typeface="Times New Roman"/>
-            </a:endParaRPr>
-          </a:p>
-        </p:txBody>
-      </p:sp>
-      <p:sp>
-        <p:nvSpPr>
-          <p:cNvPr id="8" name="7 CuadroTexto"/>
-          <p:cNvSpPr txBox="1"/>
-          <p:nvPr/>
-        </p:nvSpPr>
-        <p:spPr>
-          <a:xfrm>
-            <a:off x="563096" y="5754838"/>
-            <a:ext cx="1353256" cy="276999"/>
-          </a:xfrm>
-          <a:prstGeom prst="rect">
-            <a:avLst/>
-          </a:prstGeom>
-          <a:solidFill>
-            <a:schemeClr val="bg1"/>
-          </a:solidFill>
-        </p:spPr>
-        <p:txBody>
-          <a:bodyPr wrap="none" rtlCol="0">
-            <a:spAutoFit/>
-          </a:bodyPr>
-          <a:lstStyle/>
-          <a:p>
-            <a:r>
-              <a:rPr lang="es-MX" sz="1200" b="1" dirty="0" smtClean="0"/>
-              <a:t>Acceso a la oficina</a:t>
-            </a:r>
-            <a:endParaRPr lang="es-MX" sz="1200" b="1" dirty="0"/>
-          </a:p>
-        </p:txBody>
-      </p:sp>
-      <p:sp>
-        <p:nvSpPr>
-          <p:cNvPr id="10" name="9 CuadroTexto"/>
-          <p:cNvSpPr txBox="1"/>
-          <p:nvPr/>
-        </p:nvSpPr>
-        <p:spPr>
-          <a:xfrm>
-            <a:off x="185786" y="4978749"/>
-            <a:ext cx="1532407" cy="276999"/>
-          </a:xfrm>
-          <a:prstGeom prst="rect">
-            <a:avLst/>
-          </a:prstGeom>
-          <a:solidFill>
-            <a:schemeClr val="bg1"/>
-          </a:solidFill>
-        </p:spPr>
-        <p:txBody>
-          <a:bodyPr wrap="none" rtlCol="0">
-            <a:spAutoFit/>
-          </a:bodyPr>
-          <a:lstStyle/>
-          <a:p>
-            <a:r>
-              <a:rPr lang="es-MX" sz="1200" b="1" dirty="0" smtClean="0"/>
-              <a:t>Asesores de servicios</a:t>
-            </a:r>
-            <a:endParaRPr lang="es-MX" sz="1200" b="1" dirty="0"/>
-          </a:p>
-        </p:txBody>
-      </p:sp>
-      <p:sp>
-        <p:nvSpPr>
-          <p:cNvPr id="11" name="10 CuadroTexto"/>
-          <p:cNvSpPr txBox="1"/>
-          <p:nvPr/>
-        </p:nvSpPr>
-        <p:spPr>
-          <a:xfrm>
-            <a:off x="611560" y="4251838"/>
-            <a:ext cx="1106633" cy="276999"/>
-          </a:xfrm>
-          <a:prstGeom prst="rect">
-            <a:avLst/>
-          </a:prstGeom>
-          <a:solidFill>
-            <a:schemeClr val="bg1"/>
-          </a:solidFill>
-        </p:spPr>
-        <p:txBody>
-          <a:bodyPr wrap="square" rtlCol="0">
-            <a:spAutoFit/>
-          </a:bodyPr>
-          <a:lstStyle/>
-          <a:p>
-            <a:r>
-              <a:rPr lang="es-MX" sz="1200" b="1" dirty="0" smtClean="0"/>
-              <a:t>Área cajeros</a:t>
-            </a:r>
-            <a:endParaRPr lang="es-MX" sz="1200" b="1" dirty="0"/>
-          </a:p>
-        </p:txBody>
-      </p:sp>
-      <p:sp>
-        <p:nvSpPr>
-          <p:cNvPr id="12" name="11 CuadroTexto"/>
-          <p:cNvSpPr txBox="1"/>
-          <p:nvPr/>
-        </p:nvSpPr>
-        <p:spPr>
-          <a:xfrm>
-            <a:off x="309377" y="3519074"/>
-            <a:ext cx="1285224" cy="276999"/>
-          </a:xfrm>
-          <a:prstGeom prst="rect">
-            <a:avLst/>
-          </a:prstGeom>
-          <a:solidFill>
-            <a:schemeClr val="bg1"/>
-          </a:solidFill>
-        </p:spPr>
-        <p:txBody>
-          <a:bodyPr wrap="none" rtlCol="0">
-            <a:spAutoFit/>
-          </a:bodyPr>
-          <a:lstStyle/>
-          <a:p>
-            <a:r>
-              <a:rPr lang="es-MX" sz="1200" b="1" dirty="0" smtClean="0"/>
-              <a:t>Cuarto de conteo</a:t>
-            </a:r>
-            <a:endParaRPr lang="es-MX" sz="1200" b="1" dirty="0"/>
-          </a:p>
-        </p:txBody>
-      </p:sp>
-    </p:spTree>
-    <p:extLst>
-      <p:ext uri="{BB962C8B-B14F-4D97-AF65-F5344CB8AC3E}">
-        <p14:creationId xmlns:p14="http://schemas.microsoft.com/office/powerpoint/2010/main" val="1244588076"/>
-      </p:ext>
-    </p:extLst>
-  </p:cSld>
-  <p:clrMapOvr>
-    <a:masterClrMapping/>
-  </p:clrMapOvr>
-  <p:timing>
-    <p:tnLst>
-      <p:par>
-        <p:cTn id="1" dur="indefinite" restart="never" nodeType="tmRoot"/>
-      </p:par>
-    </p:tnLst>
-  </p:timing>
-</p:sld>
-</file>
-
-<file path=ppt/slides/slide13.xml><?xml version="1.0" encoding="utf-8"?>
-<p:sld xmlns:a="http://schemas.openxmlformats.org/drawingml/2006/main" xmlns:r="http://schemas.openxmlformats.org/officeDocument/2006/relationships" xmlns:p="http://schemas.openxmlformats.org/presentationml/2006/main">
-  <p:cSld>
-    <p:spTree>
-      <p:nvGrpSpPr>
-        <p:cNvPr id="1" name=""/>
-        <p:cNvGrpSpPr/>
-        <p:nvPr/>
-      </p:nvGrpSpPr>
-      <p:grpSpPr>
-        <a:xfrm>
-          <a:off x="0" y="0"/>
-          <a:ext cx="0" cy="0"/>
-          <a:chOff x="0" y="0"/>
-          <a:chExt cx="0" cy="0"/>
-        </a:xfrm>
-      </p:grpSpPr>
-      <p:sp>
-        <p:nvSpPr>
-          <p:cNvPr id="2" name="1 CuadroTexto"/>
-          <p:cNvSpPr txBox="1"/>
-          <p:nvPr/>
-        </p:nvSpPr>
-        <p:spPr>
-          <a:xfrm>
-            <a:off x="194815" y="136439"/>
-            <a:ext cx="2638864" cy="400110"/>
-          </a:xfrm>
-          <a:prstGeom prst="rect">
-            <a:avLst/>
-          </a:prstGeom>
-          <a:noFill/>
-        </p:spPr>
-        <p:txBody>
-          <a:bodyPr wrap="none" rtlCol="0">
-            <a:spAutoFit/>
-          </a:bodyPr>
-          <a:lstStyle/>
-          <a:p>
-            <a:r>
-              <a:rPr lang="es-MX" sz="2000" b="1" dirty="0" smtClean="0">
-                <a:solidFill>
-                  <a:srgbClr val="1F497D"/>
-                </a:solidFill>
-                <a:latin typeface="Arial" panose="020B0604020202020204" pitchFamily="34" charset="0"/>
-                <a:cs typeface="Arial" panose="020B0604020202020204" pitchFamily="34" charset="0"/>
-              </a:rPr>
-              <a:t>SEGURIDAD FISICA</a:t>
-            </a:r>
-            <a:endParaRPr lang="es-MX" sz="2000" b="1" dirty="0">
-              <a:solidFill>
-                <a:srgbClr val="1F497D"/>
-              </a:solidFill>
-              <a:latin typeface="Arial" panose="020B0604020202020204" pitchFamily="34" charset="0"/>
-              <a:cs typeface="Arial" panose="020B0604020202020204" pitchFamily="34" charset="0"/>
-            </a:endParaRPr>
-          </a:p>
-        </p:txBody>
-      </p:sp>
-      <p:pic>
-        <p:nvPicPr>
-          <p:cNvPr id="3" name="Picture 2"/>
-          <p:cNvPicPr>
-            <a:picLocks noChangeAspect="1" noChangeArrowheads="1"/>
-          </p:cNvPicPr>
-          <p:nvPr/>
-        </p:nvPicPr>
-        <p:blipFill>
-          <a:blip r:embed="rId2" cstate="print">
-            <a:extLst>
-              <a:ext uri="{28A0092B-C50C-407E-A947-70E740481C1C}">
-                <a14:useLocalDpi xmlns:a14="http://schemas.microsoft.com/office/drawing/2010/main" val="0"/>
-              </a:ext>
-            </a:extLst>
-          </a:blip>
-          <a:srcRect/>
-          <a:stretch>
-            <a:fillRect/>
-          </a:stretch>
-        </p:blipFill>
-        <p:spPr bwMode="auto">
-          <a:xfrm>
-            <a:off x="395536" y="1052736"/>
-            <a:ext cx="5688632" cy="3564876"/>
-          </a:xfrm>
-          <a:prstGeom prst="rect">
-            <a:avLst/>
-          </a:prstGeom>
-          <a:noFill/>
-          <a:ln>
-            <a:noFill/>
-          </a:ln>
-          <a:effectLst/>
-          <a:extLst>
-            <a:ext uri="{909E8E84-426E-40DD-AFC4-6F175D3DCCD1}">
-              <a14:hiddenFill xmlns:a14="http://schemas.microsoft.com/office/drawing/2010/main">
-                <a:solidFill>
-                  <a:schemeClr val="accent1"/>
-                </a:solidFill>
-              </a14:hiddenFill>
-            </a:ext>
-            <a:ext uri="{91240B29-F687-4F45-9708-019B960494DF}">
-              <a14:hiddenLine xmlns:a14="http://schemas.microsoft.com/office/drawing/2010/main" w="9525">
-                <a:solidFill>
-                  <a:schemeClr val="tx1"/>
-                </a:solidFill>
-                <a:miter lim="800000"/>
-                <a:headEnd/>
-                <a:tailEnd/>
-              </a14:hiddenLine>
-            </a:ext>
-            <a:ext uri="{AF507438-7753-43E0-B8FC-AC1667EBCBE1}">
-              <a14:hiddenEffects xmlns:a14="http://schemas.microsoft.com/office/drawing/2010/main">
-                <a:effectLst>
-                  <a:outerShdw dist="35921" dir="2700000" algn="ctr" rotWithShape="0">
-                    <a:schemeClr val="bg2"/>
-                  </a:outerShdw>
-                </a:effectLst>
-              </a14:hiddenEffects>
-            </a:ext>
-          </a:extLst>
-        </p:spPr>
-      </p:pic>
-      <p:pic>
-        <p:nvPicPr>
-          <p:cNvPr id="4" name="Picture 2"/>
-          <p:cNvPicPr>
-            <a:picLocks noChangeAspect="1" noChangeArrowheads="1"/>
-          </p:cNvPicPr>
-          <p:nvPr/>
-        </p:nvPicPr>
-        <p:blipFill rotWithShape="1">
-          <a:blip r:embed="rId3" cstate="print">
-            <a:extLst>
-              <a:ext uri="{28A0092B-C50C-407E-A947-70E740481C1C}">
-                <a14:useLocalDpi xmlns:a14="http://schemas.microsoft.com/office/drawing/2010/main" val="0"/>
-              </a:ext>
-            </a:extLst>
-          </a:blip>
-          <a:srcRect r="6117"/>
-          <a:stretch/>
-        </p:blipFill>
-        <p:spPr bwMode="auto">
-          <a:xfrm>
-            <a:off x="5580112" y="4293096"/>
-            <a:ext cx="2987824" cy="1770239"/>
-          </a:xfrm>
-          <a:prstGeom prst="rect">
-            <a:avLst/>
-          </a:prstGeom>
-          <a:noFill/>
-          <a:ln>
-            <a:noFill/>
-          </a:ln>
-          <a:effectLst/>
-          <a:extLst>
-            <a:ext uri="{909E8E84-426E-40DD-AFC4-6F175D3DCCD1}">
-              <a14:hiddenFill xmlns:a14="http://schemas.microsoft.com/office/drawing/2010/main">
-                <a:solidFill>
-                  <a:schemeClr val="accent1"/>
-                </a:solidFill>
-              </a14:hiddenFill>
-            </a:ext>
-            <a:ext uri="{91240B29-F687-4F45-9708-019B960494DF}">
-              <a14:hiddenLine xmlns:a14="http://schemas.microsoft.com/office/drawing/2010/main" w="9525">
-                <a:solidFill>
-                  <a:schemeClr val="tx1"/>
-                </a:solidFill>
-                <a:miter lim="800000"/>
-                <a:headEnd/>
-                <a:tailEnd/>
-              </a14:hiddenLine>
-            </a:ext>
-            <a:ext uri="{AF507438-7753-43E0-B8FC-AC1667EBCBE1}">
-              <a14:hiddenEffects xmlns:a14="http://schemas.microsoft.com/office/drawing/2010/main">
-                <a:effectLst>
-                  <a:outerShdw dist="35921" dir="2700000" algn="ctr" rotWithShape="0">
-                    <a:schemeClr val="bg2"/>
-                  </a:outerShdw>
-                </a:effectLst>
-              </a14:hiddenEffects>
-            </a:ext>
-          </a:extLst>
-        </p:spPr>
-      </p:pic>
-      <p:cxnSp>
-        <p:nvCxnSpPr>
-          <p:cNvPr id="6" name="5 Conector recto de flecha"/>
-          <p:cNvCxnSpPr/>
-          <p:nvPr/>
-        </p:nvCxnSpPr>
-        <p:spPr>
-          <a:xfrm>
-            <a:off x="2915816" y="3717032"/>
-            <a:ext cx="2808312" cy="1850504"/>
-          </a:xfrm>
-          <a:prstGeom prst="straightConnector1">
-            <a:avLst/>
-          </a:prstGeom>
-          <a:ln>
-            <a:solidFill>
-              <a:schemeClr val="tx1"/>
-            </a:solidFill>
-            <a:tailEnd type="arrow"/>
-          </a:ln>
-        </p:spPr>
-        <p:style>
-          <a:lnRef idx="1">
-            <a:schemeClr val="accent1"/>
-          </a:lnRef>
-          <a:fillRef idx="0">
-            <a:schemeClr val="accent1"/>
-          </a:fillRef>
-          <a:effectRef idx="0">
-            <a:schemeClr val="accent1"/>
-          </a:effectRef>
-          <a:fontRef idx="minor">
-            <a:schemeClr val="tx1"/>
-          </a:fontRef>
-        </p:style>
-      </p:cxnSp>
-      <p:sp>
-        <p:nvSpPr>
-          <p:cNvPr id="9" name="8 CuadroTexto"/>
-          <p:cNvSpPr txBox="1"/>
-          <p:nvPr/>
-        </p:nvSpPr>
-        <p:spPr>
-          <a:xfrm>
-            <a:off x="5587120" y="3861048"/>
-            <a:ext cx="1972078" cy="338554"/>
-          </a:xfrm>
-          <a:prstGeom prst="rect">
-            <a:avLst/>
-          </a:prstGeom>
-          <a:noFill/>
-        </p:spPr>
-        <p:txBody>
-          <a:bodyPr wrap="none" rtlCol="0">
-            <a:spAutoFit/>
-          </a:bodyPr>
-          <a:lstStyle/>
-          <a:p>
-            <a:r>
-              <a:rPr lang="es-MX" sz="1600" b="1" dirty="0" smtClean="0">
-                <a:solidFill>
-                  <a:prstClr val="black"/>
-                </a:solidFill>
-              </a:rPr>
-              <a:t>Reloj Bicronométrico</a:t>
-            </a:r>
-            <a:endParaRPr lang="es-MX" sz="1600" b="1" dirty="0">
-              <a:solidFill>
-                <a:prstClr val="black"/>
-              </a:solidFill>
-            </a:endParaRPr>
-          </a:p>
-        </p:txBody>
-      </p:sp>
-      <p:sp>
-        <p:nvSpPr>
-          <p:cNvPr id="11" name="10 CuadroTexto"/>
-          <p:cNvSpPr txBox="1"/>
-          <p:nvPr/>
-        </p:nvSpPr>
-        <p:spPr>
-          <a:xfrm>
-            <a:off x="2632386" y="683404"/>
-            <a:ext cx="3910751" cy="338554"/>
-          </a:xfrm>
-          <a:prstGeom prst="rect">
-            <a:avLst/>
-          </a:prstGeom>
-          <a:noFill/>
-        </p:spPr>
-        <p:txBody>
-          <a:bodyPr wrap="none" rtlCol="0">
-            <a:spAutoFit/>
-          </a:bodyPr>
-          <a:lstStyle/>
-          <a:p>
-            <a:r>
-              <a:rPr lang="es-MX" sz="1600" b="1" dirty="0" smtClean="0">
-                <a:solidFill>
-                  <a:srgbClr val="1F497D"/>
-                </a:solidFill>
-              </a:rPr>
-              <a:t>MEDIO FISICO PARA CUSTODIA DE VALORES</a:t>
-            </a:r>
-            <a:endParaRPr lang="es-MX" sz="1600" b="1" dirty="0">
-              <a:solidFill>
-                <a:srgbClr val="1F497D"/>
-              </a:solidFill>
-            </a:endParaRPr>
-          </a:p>
-        </p:txBody>
-      </p:sp>
-      <p:pic>
-        <p:nvPicPr>
-          <p:cNvPr id="3074" name="Picture 2"/>
-          <p:cNvPicPr>
-            <a:picLocks noChangeAspect="1" noChangeArrowheads="1"/>
-          </p:cNvPicPr>
-          <p:nvPr/>
-        </p:nvPicPr>
-        <p:blipFill>
-          <a:blip r:embed="rId4" cstate="print">
-            <a:extLst>
-              <a:ext uri="{28A0092B-C50C-407E-A947-70E740481C1C}">
-                <a14:useLocalDpi xmlns:a14="http://schemas.microsoft.com/office/drawing/2010/main" val="0"/>
-              </a:ext>
-            </a:extLst>
-          </a:blip>
-          <a:srcRect/>
-          <a:stretch>
-            <a:fillRect/>
-          </a:stretch>
-        </p:blipFill>
-        <p:spPr bwMode="auto">
-          <a:xfrm>
-            <a:off x="6140337" y="1628800"/>
-            <a:ext cx="1867374" cy="1731268"/>
-          </a:xfrm>
-          <a:prstGeom prst="rect">
-            <a:avLst/>
-          </a:prstGeom>
-          <a:solidFill>
-            <a:srgbClr val="FFFFFF"/>
-          </a:solidFill>
-          <a:ln>
-            <a:noFill/>
-          </a:ln>
-          <a:extLst>
-            <a:ext uri="{91240B29-F687-4F45-9708-019B960494DF}">
-              <a14:hiddenLine xmlns:a14="http://schemas.microsoft.com/office/drawing/2010/main" w="9525">
-                <a:solidFill>
-                  <a:srgbClr val="000000"/>
-                </a:solidFill>
-                <a:miter lim="800000"/>
-                <a:headEnd/>
-                <a:tailEnd/>
-              </a14:hiddenLine>
-            </a:ext>
-          </a:extLst>
-        </p:spPr>
-      </p:pic>
-      <p:sp>
-        <p:nvSpPr>
-          <p:cNvPr id="5" name="4 CuadroTexto"/>
-          <p:cNvSpPr txBox="1"/>
-          <p:nvPr/>
-        </p:nvSpPr>
-        <p:spPr>
-          <a:xfrm>
-            <a:off x="6300192" y="1367292"/>
-            <a:ext cx="1163524" cy="276999"/>
-          </a:xfrm>
-          <a:prstGeom prst="rect">
-            <a:avLst/>
-          </a:prstGeom>
-          <a:noFill/>
-        </p:spPr>
-        <p:txBody>
-          <a:bodyPr wrap="none" rtlCol="0">
-            <a:spAutoFit/>
-          </a:bodyPr>
-          <a:lstStyle/>
-          <a:p>
-            <a:r>
-              <a:rPr lang="es-MX" sz="1200" b="1" dirty="0" smtClean="0"/>
-              <a:t>Cofre trampero</a:t>
-            </a:r>
-            <a:endParaRPr lang="es-MX" sz="1200" b="1" dirty="0"/>
-          </a:p>
-        </p:txBody>
-      </p:sp>
-    </p:spTree>
-    <p:extLst>
-      <p:ext uri="{BB962C8B-B14F-4D97-AF65-F5344CB8AC3E}">
-        <p14:creationId xmlns:p14="http://schemas.microsoft.com/office/powerpoint/2010/main" val="2459252612"/>
-      </p:ext>
-    </p:extLst>
-  </p:cSld>
-  <p:clrMapOvr>
-    <a:masterClrMapping/>
-  </p:clrMapOvr>
-  <p:timing>
-    <p:tnLst>
-      <p:par>
-        <p:cTn id="1" dur="indefinite" restart="never" nodeType="tmRoot"/>
-      </p:par>
-    </p:tnLst>
-  </p:timing>
-</p:sld>
-</file>
-
-<file path=ppt/slides/slide14.xml><?xml version="1.0" encoding="utf-8"?>
-<p:sld xmlns:a="http://schemas.openxmlformats.org/drawingml/2006/main" xmlns:r="http://schemas.openxmlformats.org/officeDocument/2006/relationships" xmlns:p="http://schemas.openxmlformats.org/presentationml/2006/main">
-  <p:cSld>
-    <p:spTree>
-      <p:nvGrpSpPr>
-        <p:cNvPr id="1" name=""/>
-        <p:cNvGrpSpPr/>
-        <p:nvPr/>
-      </p:nvGrpSpPr>
-      <p:grpSpPr>
-        <a:xfrm>
-          <a:off x="0" y="0"/>
-          <a:ext cx="0" cy="0"/>
-          <a:chOff x="0" y="0"/>
-          <a:chExt cx="0" cy="0"/>
-        </a:xfrm>
-      </p:grpSpPr>
-      <p:sp>
-        <p:nvSpPr>
-          <p:cNvPr id="2" name="1 CuadroTexto"/>
-          <p:cNvSpPr txBox="1"/>
-          <p:nvPr/>
-        </p:nvSpPr>
-        <p:spPr>
-          <a:xfrm>
-            <a:off x="323528" y="299541"/>
-            <a:ext cx="3169457" cy="400110"/>
-          </a:xfrm>
-          <a:prstGeom prst="rect">
-            <a:avLst/>
-          </a:prstGeom>
-          <a:noFill/>
-        </p:spPr>
-        <p:txBody>
-          <a:bodyPr wrap="none" rtlCol="0">
-            <a:spAutoFit/>
-          </a:bodyPr>
-          <a:lstStyle/>
-          <a:p>
-            <a:r>
-              <a:rPr lang="es-MX" sz="2000" b="1" dirty="0" smtClean="0">
-                <a:solidFill>
-                  <a:schemeClr val="tx2"/>
-                </a:solidFill>
-                <a:latin typeface="Arial" panose="020B0604020202020204" pitchFamily="34" charset="0"/>
-                <a:cs typeface="Arial" panose="020B0604020202020204" pitchFamily="34" charset="0"/>
-              </a:rPr>
-              <a:t>SEGURIDAD BANCARIA</a:t>
-            </a:r>
-            <a:endParaRPr lang="es-MX" sz="2000" b="1" dirty="0">
-              <a:solidFill>
-                <a:schemeClr val="tx2"/>
-              </a:solidFill>
-              <a:latin typeface="Arial" panose="020B0604020202020204" pitchFamily="34" charset="0"/>
-              <a:cs typeface="Arial" panose="020B0604020202020204" pitchFamily="34" charset="0"/>
-            </a:endParaRPr>
-          </a:p>
-        </p:txBody>
-      </p:sp>
-      <p:pic>
-        <p:nvPicPr>
-          <p:cNvPr id="4099" name="Picture 3"/>
-          <p:cNvPicPr>
-            <a:picLocks noChangeAspect="1" noChangeArrowheads="1"/>
-          </p:cNvPicPr>
-          <p:nvPr/>
-        </p:nvPicPr>
-        <p:blipFill>
-          <a:blip r:embed="rId2">
-            <a:extLst>
-              <a:ext uri="{28A0092B-C50C-407E-A947-70E740481C1C}">
-                <a14:useLocalDpi xmlns:a14="http://schemas.microsoft.com/office/drawing/2010/main" val="0"/>
-              </a:ext>
-            </a:extLst>
-          </a:blip>
-          <a:srcRect/>
-          <a:stretch>
-            <a:fillRect/>
-          </a:stretch>
-        </p:blipFill>
-        <p:spPr bwMode="auto">
-          <a:xfrm>
-            <a:off x="179513" y="908720"/>
-            <a:ext cx="8784976" cy="5616624"/>
-          </a:xfrm>
-          <a:prstGeom prst="rect">
-            <a:avLst/>
-          </a:prstGeom>
-          <a:noFill/>
-          <a:ln>
-            <a:noFill/>
-          </a:ln>
-          <a:effectLst/>
-          <a:extLst>
-            <a:ext uri="{909E8E84-426E-40DD-AFC4-6F175D3DCCD1}">
-              <a14:hiddenFill xmlns:a14="http://schemas.microsoft.com/office/drawing/2010/main">
-                <a:solidFill>
-                  <a:schemeClr val="accent1"/>
-                </a:solidFill>
-              </a14:hiddenFill>
-            </a:ext>
-            <a:ext uri="{91240B29-F687-4F45-9708-019B960494DF}">
-              <a14:hiddenLine xmlns:a14="http://schemas.microsoft.com/office/drawing/2010/main" w="9525">
-                <a:solidFill>
-                  <a:schemeClr val="tx1"/>
-                </a:solidFill>
-                <a:miter lim="800000"/>
-                <a:headEnd/>
-                <a:tailEnd/>
-              </a14:hiddenLine>
-            </a:ext>
-            <a:ext uri="{AF507438-7753-43E0-B8FC-AC1667EBCBE1}">
-              <a14:hiddenEffects xmlns:a14="http://schemas.microsoft.com/office/drawing/2010/main">
-                <a:effectLst>
-                  <a:outerShdw dist="35921" dir="2700000" algn="ctr" rotWithShape="0">
-                    <a:schemeClr val="bg2"/>
-                  </a:outerShdw>
-                </a:effectLst>
-              </a14:hiddenEffects>
-            </a:ext>
-          </a:extLst>
-        </p:spPr>
-      </p:pic>
-    </p:spTree>
-    <p:extLst>
-      <p:ext uri="{BB962C8B-B14F-4D97-AF65-F5344CB8AC3E}">
-        <p14:creationId xmlns:p14="http://schemas.microsoft.com/office/powerpoint/2010/main" val="139719149"/>
-      </p:ext>
-    </p:extLst>
-  </p:cSld>
-  <p:clrMapOvr>
-    <a:masterClrMapping/>
-  </p:clrMapOvr>
-  <p:timing>
-    <p:tnLst>
-      <p:par>
-        <p:cTn id="1" dur="indefinite" restart="never" nodeType="tmRoot"/>
-      </p:par>
-    </p:tnLst>
-  </p:timing>
-</p:sld>
-</file>
-
-<file path=ppt/slides/slide15.xml><?xml version="1.0" encoding="utf-8"?>
-<p:sld xmlns:a="http://schemas.openxmlformats.org/drawingml/2006/main" xmlns:r="http://schemas.openxmlformats.org/officeDocument/2006/relationships" xmlns:p="http://schemas.openxmlformats.org/presentationml/2006/main">
-  <p:cSld>
-    <p:spTree>
-      <p:nvGrpSpPr>
-        <p:cNvPr id="1" name=""/>
-        <p:cNvGrpSpPr/>
-        <p:nvPr/>
-      </p:nvGrpSpPr>
-      <p:grpSpPr>
-        <a:xfrm>
-          <a:off x="0" y="0"/>
-          <a:ext cx="0" cy="0"/>
-          <a:chOff x="0" y="0"/>
-          <a:chExt cx="0" cy="0"/>
-        </a:xfrm>
-      </p:grpSpPr>
-      <p:sp>
-        <p:nvSpPr>
-          <p:cNvPr id="2" name="1 CuadroTexto"/>
-          <p:cNvSpPr txBox="1"/>
-          <p:nvPr/>
-        </p:nvSpPr>
-        <p:spPr>
-          <a:xfrm>
             <a:off x="322975" y="361709"/>
             <a:ext cx="3169457" cy="400110"/>
           </a:xfrm>
@@ -10503,7 +8216,7 @@
 </p:sld>
 </file>
 
-<file path=ppt/slides/slide16.xml><?xml version="1.0" encoding="utf-8"?>
+<file path=ppt/slides/slide11.xml><?xml version="1.0" encoding="utf-8"?>
 <p:sld xmlns:a="http://schemas.openxmlformats.org/drawingml/2006/main" xmlns:r="http://schemas.openxmlformats.org/officeDocument/2006/relationships" xmlns:p="http://schemas.openxmlformats.org/presentationml/2006/main">
   <p:cSld>
     <p:spTree>
@@ -10895,239 +8608,522 @@
       </p:grpSpPr>
       <p:sp>
         <p:nvSpPr>
-          <p:cNvPr id="3" name="Title 1"/>
-          <p:cNvSpPr txBox="1">
-            <a:spLocks/>
-          </p:cNvSpPr>
+          <p:cNvPr id="2" name="1 Rectángulo"/>
+          <p:cNvSpPr/>
           <p:nvPr/>
         </p:nvSpPr>
         <p:spPr>
           <a:xfrm>
-            <a:off x="530989" y="688189"/>
-            <a:ext cx="8625748" cy="609600"/>
+            <a:off x="179512" y="116632"/>
+            <a:ext cx="8856984" cy="7201972"/>
           </a:xfrm>
           <a:prstGeom prst="rect">
             <a:avLst/>
           </a:prstGeom>
         </p:spPr>
         <p:txBody>
-          <a:bodyPr vert="horz" lIns="91440" tIns="45720" rIns="91440" bIns="45720" rtlCol="0" anchor="ctr">
-            <a:noAutofit/>
-          </a:bodyPr>
-          <a:lstStyle>
-            <a:lvl1pPr algn="ctr" defTabSz="914400" rtl="0" eaLnBrk="1" latinLnBrk="0" hangingPunct="1">
-              <a:spcBef>
-                <a:spcPct val="0"/>
-              </a:spcBef>
-              <a:buNone/>
-              <a:defRPr sz="4400" kern="1200">
-                <a:solidFill>
-                  <a:schemeClr val="tx1"/>
-                </a:solidFill>
-                <a:latin typeface="+mj-lt"/>
-                <a:ea typeface="+mj-ea"/>
-                <a:cs typeface="+mj-cs"/>
-              </a:defRPr>
-            </a:lvl1pPr>
-          </a:lstStyle>
-          <a:p>
-            <a:endParaRPr lang="es-CO" sz="2000" b="1" dirty="0">
-              <a:solidFill>
-                <a:schemeClr val="tx2"/>
-              </a:solidFill>
-              <a:latin typeface="Arial" charset="0"/>
-              <a:ea typeface="+mn-ea"/>
-              <a:cs typeface="+mn-cs"/>
-            </a:endParaRPr>
-          </a:p>
-        </p:txBody>
-      </p:sp>
-      <p:sp>
-        <p:nvSpPr>
-          <p:cNvPr id="2" name="1 Rectángulo"/>
-          <p:cNvSpPr/>
-          <p:nvPr/>
-        </p:nvSpPr>
-        <p:spPr>
-          <a:xfrm>
-            <a:off x="683568" y="612845"/>
-            <a:ext cx="7992888" cy="5401479"/>
-          </a:xfrm>
-          <a:prstGeom prst="rect">
-            <a:avLst/>
-          </a:prstGeom>
-        </p:spPr>
-        <p:txBody>
           <a:bodyPr wrap="square">
             <a:spAutoFit/>
           </a:bodyPr>
           <a:lstStyle/>
           <a:p>
-            <a:pPr algn="just"/>
-            <a:r>
-              <a:rPr lang="es-CO" sz="2300" dirty="0">
-                <a:solidFill>
-                  <a:schemeClr val="tx2"/>
-                </a:solidFill>
-                <a:latin typeface="Arial" panose="020B0604020202020204" pitchFamily="34" charset="0"/>
-                <a:cs typeface="Arial" panose="020B0604020202020204" pitchFamily="34" charset="0"/>
-              </a:rPr>
-              <a:t>El Área de Seguridad Bancaria está enfocada en mitigar los riesgos y eventos de fraude a que están expuestos los usuarios, clientes, funcionarios e instalaciones del Banco, dando a conocer las instrucciones básicas,  las medidas de s</a:t>
-            </a:r>
-            <a:r>
-              <a:rPr lang="es-CO" sz="2300" dirty="0" smtClean="0">
-                <a:solidFill>
-                  <a:schemeClr val="tx2"/>
-                </a:solidFill>
-                <a:latin typeface="Arial" panose="020B0604020202020204" pitchFamily="34" charset="0"/>
-                <a:cs typeface="Arial" panose="020B0604020202020204" pitchFamily="34" charset="0"/>
-              </a:rPr>
-              <a:t>eguridad </a:t>
-            </a:r>
-            <a:r>
-              <a:rPr lang="es-CO" sz="2300" dirty="0">
-                <a:solidFill>
-                  <a:schemeClr val="tx2"/>
-                </a:solidFill>
-                <a:latin typeface="Arial" panose="020B0604020202020204" pitchFamily="34" charset="0"/>
-                <a:cs typeface="Arial" panose="020B0604020202020204" pitchFamily="34" charset="0"/>
-              </a:rPr>
-              <a:t>y estrategias para disminuir el riesgo y obtener un mayor nivel de s</a:t>
-            </a:r>
-            <a:r>
-              <a:rPr lang="es-CO" sz="2300" dirty="0" smtClean="0">
-                <a:solidFill>
-                  <a:schemeClr val="tx2"/>
-                </a:solidFill>
-                <a:latin typeface="Arial" panose="020B0604020202020204" pitchFamily="34" charset="0"/>
-                <a:cs typeface="Arial" panose="020B0604020202020204" pitchFamily="34" charset="0"/>
-              </a:rPr>
-              <a:t>eguridad</a:t>
-            </a:r>
-            <a:r>
-              <a:rPr lang="es-CO" sz="2300" dirty="0">
-                <a:solidFill>
-                  <a:schemeClr val="tx2"/>
-                </a:solidFill>
-                <a:latin typeface="Arial" panose="020B0604020202020204" pitchFamily="34" charset="0"/>
-                <a:cs typeface="Arial" panose="020B0604020202020204" pitchFamily="34" charset="0"/>
-              </a:rPr>
-              <a:t>, impulsando una cultura de prevención, detección, denuncio y respuesta hacia todos los e</a:t>
-            </a:r>
-            <a:r>
-              <a:rPr lang="es-CO" sz="2300" dirty="0" smtClean="0">
-                <a:solidFill>
-                  <a:schemeClr val="tx2"/>
-                </a:solidFill>
-                <a:latin typeface="Arial" panose="020B0604020202020204" pitchFamily="34" charset="0"/>
-                <a:cs typeface="Arial" panose="020B0604020202020204" pitchFamily="34" charset="0"/>
-              </a:rPr>
-              <a:t>ventos </a:t>
-            </a:r>
-            <a:r>
-              <a:rPr lang="es-CO" sz="2300" dirty="0">
-                <a:solidFill>
-                  <a:schemeClr val="tx2"/>
-                </a:solidFill>
-                <a:latin typeface="Arial" panose="020B0604020202020204" pitchFamily="34" charset="0"/>
-                <a:cs typeface="Arial" panose="020B0604020202020204" pitchFamily="34" charset="0"/>
-              </a:rPr>
-              <a:t>o actos ilícitos y situaciones de fraude enfocando a todos los funcionarios del Banco Mundo Mujer, hacia la aplicación del código de buen gobierno y conducta responsable al igual que a sus </a:t>
-            </a:r>
-            <a:r>
-              <a:rPr lang="es-CO" sz="2300" dirty="0" smtClean="0">
-                <a:solidFill>
-                  <a:schemeClr val="tx2"/>
-                </a:solidFill>
-                <a:latin typeface="Arial" panose="020B0604020202020204" pitchFamily="34" charset="0"/>
-                <a:cs typeface="Arial" panose="020B0604020202020204" pitchFamily="34" charset="0"/>
-              </a:rPr>
-              <a:t>directivos</a:t>
-            </a:r>
-            <a:r>
-              <a:rPr lang="es-CO" sz="2300" dirty="0">
-                <a:solidFill>
-                  <a:schemeClr val="tx2"/>
-                </a:solidFill>
-                <a:latin typeface="Arial" panose="020B0604020202020204" pitchFamily="34" charset="0"/>
-                <a:cs typeface="Arial" panose="020B0604020202020204" pitchFamily="34" charset="0"/>
-              </a:rPr>
-              <a:t>, proveedores, clientes, usuarios o personas que interactúan con el Banco y que puedan causar daño </a:t>
-            </a:r>
-            <a:r>
-              <a:rPr lang="es-CO" sz="2300" dirty="0" smtClean="0">
-                <a:solidFill>
-                  <a:schemeClr val="tx2"/>
-                </a:solidFill>
-                <a:latin typeface="Arial" panose="020B0604020202020204" pitchFamily="34" charset="0"/>
-                <a:cs typeface="Arial" panose="020B0604020202020204" pitchFamily="34" charset="0"/>
-              </a:rPr>
-              <a:t>moral</a:t>
-            </a:r>
-            <a:r>
-              <a:rPr lang="es-CO" sz="2300" dirty="0">
-                <a:solidFill>
-                  <a:schemeClr val="tx2"/>
-                </a:solidFill>
-                <a:latin typeface="Arial" panose="020B0604020202020204" pitchFamily="34" charset="0"/>
-                <a:cs typeface="Arial" panose="020B0604020202020204" pitchFamily="34" charset="0"/>
-              </a:rPr>
-              <a:t>, </a:t>
-            </a:r>
-            <a:r>
-              <a:rPr lang="es-CO" sz="2300" dirty="0" smtClean="0">
-                <a:solidFill>
-                  <a:schemeClr val="tx2"/>
-                </a:solidFill>
-                <a:latin typeface="Arial" panose="020B0604020202020204" pitchFamily="34" charset="0"/>
-                <a:cs typeface="Arial" panose="020B0604020202020204" pitchFamily="34" charset="0"/>
-              </a:rPr>
-              <a:t>financiero </a:t>
-            </a:r>
-            <a:r>
-              <a:rPr lang="es-CO" sz="2300" dirty="0">
-                <a:solidFill>
-                  <a:schemeClr val="tx2"/>
-                </a:solidFill>
-                <a:latin typeface="Arial" panose="020B0604020202020204" pitchFamily="34" charset="0"/>
-                <a:cs typeface="Arial" panose="020B0604020202020204" pitchFamily="34" charset="0"/>
-              </a:rPr>
-              <a:t>o de Imagen </a:t>
-            </a:r>
-            <a:r>
-              <a:rPr lang="es-CO" sz="2300" dirty="0" smtClean="0">
-                <a:solidFill>
-                  <a:schemeClr val="tx2"/>
-                </a:solidFill>
-                <a:latin typeface="Arial" panose="020B0604020202020204" pitchFamily="34" charset="0"/>
-                <a:cs typeface="Arial" panose="020B0604020202020204" pitchFamily="34" charset="0"/>
-              </a:rPr>
-              <a:t>corporativa </a:t>
-            </a:r>
-            <a:r>
-              <a:rPr lang="es-CO" sz="2300" dirty="0">
-                <a:solidFill>
-                  <a:schemeClr val="tx2"/>
-                </a:solidFill>
-                <a:latin typeface="Arial" panose="020B0604020202020204" pitchFamily="34" charset="0"/>
-                <a:cs typeface="Arial" panose="020B0604020202020204" pitchFamily="34" charset="0"/>
-              </a:rPr>
-              <a:t>al mismo a través de conductas delictivas o inapropiadas en su proceder hacia la Entidad.</a:t>
-            </a:r>
-            <a:endParaRPr lang="es-MX" sz="2300" dirty="0">
+            <a:endParaRPr lang="es-CO" sz="900" dirty="0" smtClean="0"/>
+          </a:p>
+          <a:p>
+            <a:endParaRPr lang="es-CO" sz="900" dirty="0"/>
+          </a:p>
+          <a:p>
+            <a:endParaRPr lang="es-CO" sz="900" dirty="0" smtClean="0"/>
+          </a:p>
+          <a:p>
+            <a:r>
+              <a:rPr lang="es-CO" sz="1050" dirty="0" smtClean="0">
+                <a:solidFill>
+                  <a:schemeClr val="tx2">
+                    <a:lumMod val="75000"/>
+                  </a:schemeClr>
+                </a:solidFill>
+              </a:rPr>
+              <a:t>Apertura </a:t>
+            </a:r>
+            <a:r>
+              <a:rPr lang="es-CO" sz="1050" dirty="0">
+                <a:solidFill>
+                  <a:schemeClr val="tx2">
+                    <a:lumMod val="75000"/>
+                  </a:schemeClr>
+                </a:solidFill>
+              </a:rPr>
+              <a:t>dual. Aperturas que se realizan entre dos Funcionarios responsables de las llaves y/o claves.</a:t>
+            </a:r>
+          </a:p>
+          <a:p>
+            <a:endParaRPr lang="es-CO" sz="1050" dirty="0">
               <a:solidFill>
-                <a:schemeClr val="tx2"/>
+                <a:schemeClr val="tx2">
+                  <a:lumMod val="75000"/>
+                </a:schemeClr>
               </a:solidFill>
-              <a:latin typeface="Arial" panose="020B0604020202020204" pitchFamily="34" charset="0"/>
-              <a:cs typeface="Arial" panose="020B0604020202020204" pitchFamily="34" charset="0"/>
             </a:endParaRPr>
+          </a:p>
+          <a:p>
+            <a:r>
+              <a:rPr lang="es-CO" sz="1050" dirty="0" smtClean="0">
+                <a:solidFill>
+                  <a:schemeClr val="tx2">
+                    <a:lumMod val="75000"/>
+                  </a:schemeClr>
+                </a:solidFill>
+              </a:rPr>
+              <a:t>Áreas </a:t>
+            </a:r>
+            <a:r>
+              <a:rPr lang="es-CO" sz="1050" dirty="0">
+                <a:solidFill>
+                  <a:schemeClr val="tx2">
+                    <a:lumMod val="75000"/>
+                  </a:schemeClr>
+                </a:solidFill>
+              </a:rPr>
+              <a:t>al público. Son áreas de acceso y movilidad para nuestros clientes o        usuarios (hall de espera, filas de acceso a cajeros).</a:t>
+            </a:r>
+          </a:p>
+          <a:p>
+            <a:endParaRPr lang="es-CO" sz="1050" dirty="0">
+              <a:solidFill>
+                <a:schemeClr val="tx2">
+                  <a:lumMod val="75000"/>
+                </a:schemeClr>
+              </a:solidFill>
+            </a:endParaRPr>
+          </a:p>
+          <a:p>
+            <a:r>
+              <a:rPr lang="es-CO" sz="1050" dirty="0" smtClean="0">
+                <a:solidFill>
+                  <a:schemeClr val="tx2">
+                    <a:lumMod val="75000"/>
+                  </a:schemeClr>
+                </a:solidFill>
+              </a:rPr>
+              <a:t>Áreas </a:t>
+            </a:r>
+            <a:r>
+              <a:rPr lang="es-CO" sz="1050" dirty="0">
+                <a:solidFill>
+                  <a:schemeClr val="tx2">
+                    <a:lumMod val="75000"/>
+                  </a:schemeClr>
+                </a:solidFill>
+              </a:rPr>
+              <a:t>de máxima restricción. Áreas a las cuales solo pueden ingresar funcionarios autorizados: área de cajas, cuarto de conteo o bóveda, archivo, cuarto de sistemas.</a:t>
+            </a:r>
+          </a:p>
+          <a:p>
+            <a:endParaRPr lang="es-CO" sz="1050" dirty="0">
+              <a:solidFill>
+                <a:schemeClr val="tx2">
+                  <a:lumMod val="75000"/>
+                </a:schemeClr>
+              </a:solidFill>
+            </a:endParaRPr>
+          </a:p>
+          <a:p>
+            <a:r>
+              <a:rPr lang="es-CO" sz="1050" dirty="0" smtClean="0">
+                <a:solidFill>
+                  <a:schemeClr val="tx2">
+                    <a:lumMod val="75000"/>
+                  </a:schemeClr>
+                </a:solidFill>
+              </a:rPr>
+              <a:t>Áreas </a:t>
+            </a:r>
+            <a:r>
+              <a:rPr lang="es-CO" sz="1050" dirty="0">
+                <a:solidFill>
+                  <a:schemeClr val="tx2">
+                    <a:lumMod val="75000"/>
+                  </a:schemeClr>
+                </a:solidFill>
+              </a:rPr>
+              <a:t>mixtas. Son áreas en las cuales interactúan funcionarios y clientes como: asesores de servicios, analistas de crédito.</a:t>
+            </a:r>
+          </a:p>
+          <a:p>
+            <a:endParaRPr lang="es-CO" sz="1050" dirty="0">
+              <a:solidFill>
+                <a:schemeClr val="tx2">
+                  <a:lumMod val="75000"/>
+                </a:schemeClr>
+              </a:solidFill>
+            </a:endParaRPr>
+          </a:p>
+          <a:p>
+            <a:r>
+              <a:rPr lang="es-CO" sz="1050" dirty="0" smtClean="0">
+                <a:solidFill>
+                  <a:schemeClr val="tx2">
+                    <a:lumMod val="75000"/>
+                  </a:schemeClr>
+                </a:solidFill>
+              </a:rPr>
+              <a:t>Áreas </a:t>
+            </a:r>
+            <a:r>
+              <a:rPr lang="es-CO" sz="1050" dirty="0">
+                <a:solidFill>
+                  <a:schemeClr val="tx2">
+                    <a:lumMod val="75000"/>
+                  </a:schemeClr>
+                </a:solidFill>
+              </a:rPr>
+              <a:t>restringidas. Son áreas las cuales están clasificadas de acuerdo a su complejidad, riesgo, nivel de confidencialidad o labores que se ejecuten en el área, limitando el acceso, deben estar debidamente identificadas por los funcionarios y se debe cumplir con la normatividad y protocolos para su ingreso.</a:t>
+            </a:r>
+          </a:p>
+          <a:p>
+            <a:endParaRPr lang="es-CO" sz="1050" dirty="0">
+              <a:solidFill>
+                <a:schemeClr val="tx2">
+                  <a:lumMod val="75000"/>
+                </a:schemeClr>
+              </a:solidFill>
+            </a:endParaRPr>
+          </a:p>
+          <a:p>
+            <a:r>
+              <a:rPr lang="es-CO" sz="1050" dirty="0" smtClean="0">
+                <a:solidFill>
+                  <a:schemeClr val="tx2">
+                    <a:lumMod val="75000"/>
+                  </a:schemeClr>
+                </a:solidFill>
+              </a:rPr>
+              <a:t>Armas </a:t>
+            </a:r>
+            <a:r>
+              <a:rPr lang="es-CO" sz="1050" dirty="0">
+                <a:solidFill>
+                  <a:schemeClr val="tx2">
+                    <a:lumMod val="75000"/>
+                  </a:schemeClr>
+                </a:solidFill>
+              </a:rPr>
+              <a:t>blancas. Objeto punzante, cortante, corto contundente o corto punzante apto para herir, cortar, matar o dañar; que posea bordes filosos o punzantes, tales como navajas, puñales, puñaletas, punzones o cualquier objeto de similares características.</a:t>
+            </a:r>
+          </a:p>
+          <a:p>
+            <a:endParaRPr lang="es-CO" sz="1050" dirty="0">
+              <a:solidFill>
+                <a:schemeClr val="tx2">
+                  <a:lumMod val="75000"/>
+                </a:schemeClr>
+              </a:solidFill>
+            </a:endParaRPr>
+          </a:p>
+          <a:p>
+            <a:r>
+              <a:rPr lang="es-CO" sz="1050" dirty="0" smtClean="0">
+                <a:solidFill>
+                  <a:schemeClr val="tx2">
+                    <a:lumMod val="75000"/>
+                  </a:schemeClr>
+                </a:solidFill>
+              </a:rPr>
+              <a:t>Armas </a:t>
+            </a:r>
+            <a:r>
+              <a:rPr lang="es-CO" sz="1050" dirty="0">
+                <a:solidFill>
+                  <a:schemeClr val="tx2">
+                    <a:lumMod val="75000"/>
+                  </a:schemeClr>
+                </a:solidFill>
+              </a:rPr>
+              <a:t>contundentes. Todo elemento o arma que obre por golpe o contusión (varillas, barras metálicas, martillos, etc.)</a:t>
+            </a:r>
+          </a:p>
+          <a:p>
+            <a:endParaRPr lang="es-CO" sz="1050" dirty="0">
+              <a:solidFill>
+                <a:schemeClr val="tx2">
+                  <a:lumMod val="75000"/>
+                </a:schemeClr>
+              </a:solidFill>
+            </a:endParaRPr>
+          </a:p>
+          <a:p>
+            <a:r>
+              <a:rPr lang="es-CO" sz="1050" dirty="0" smtClean="0">
+                <a:solidFill>
+                  <a:schemeClr val="tx2">
+                    <a:lumMod val="75000"/>
+                  </a:schemeClr>
+                </a:solidFill>
+              </a:rPr>
+              <a:t>Armas </a:t>
+            </a:r>
+            <a:r>
+              <a:rPr lang="es-CO" sz="1050" dirty="0">
+                <a:solidFill>
+                  <a:schemeClr val="tx2">
+                    <a:lumMod val="75000"/>
+                  </a:schemeClr>
+                </a:solidFill>
+              </a:rPr>
+              <a:t>de fuego. Armas como revólveres, pistolas, fusiles, escopetas, las cuales disparan proyectiles al ser activadas.</a:t>
+            </a:r>
+          </a:p>
+          <a:p>
+            <a:endParaRPr lang="es-CO" sz="1050" dirty="0">
+              <a:solidFill>
+                <a:schemeClr val="tx2">
+                  <a:lumMod val="75000"/>
+                </a:schemeClr>
+              </a:solidFill>
+            </a:endParaRPr>
+          </a:p>
+          <a:p>
+            <a:r>
+              <a:rPr lang="es-CO" sz="1050" dirty="0" smtClean="0">
+                <a:solidFill>
+                  <a:schemeClr val="tx2">
+                    <a:lumMod val="75000"/>
+                  </a:schemeClr>
+                </a:solidFill>
+              </a:rPr>
+              <a:t>Asalto</a:t>
+            </a:r>
+            <a:r>
+              <a:rPr lang="es-CO" sz="1050" dirty="0">
+                <a:solidFill>
+                  <a:schemeClr val="tx2">
+                    <a:lumMod val="75000"/>
+                  </a:schemeClr>
+                </a:solidFill>
+              </a:rPr>
+              <a:t>. Robo, ya sea con violencia física, verbal o psicológica cometido en contra de las Oficinas o Módulos Financieros.</a:t>
+            </a:r>
+          </a:p>
+          <a:p>
+            <a:endParaRPr lang="es-CO" sz="1050" dirty="0">
+              <a:solidFill>
+                <a:schemeClr val="tx2">
+                  <a:lumMod val="75000"/>
+                </a:schemeClr>
+              </a:solidFill>
+            </a:endParaRPr>
+          </a:p>
+          <a:p>
+            <a:endParaRPr lang="es-CO" sz="1050" dirty="0">
+              <a:solidFill>
+                <a:schemeClr val="tx2">
+                  <a:lumMod val="75000"/>
+                </a:schemeClr>
+              </a:solidFill>
+            </a:endParaRPr>
+          </a:p>
+          <a:p>
+            <a:r>
+              <a:rPr lang="es-CO" sz="1050" dirty="0" smtClean="0">
+                <a:solidFill>
+                  <a:schemeClr val="tx2">
+                    <a:lumMod val="75000"/>
+                  </a:schemeClr>
+                </a:solidFill>
+              </a:rPr>
+              <a:t>Bóveda</a:t>
+            </a:r>
+            <a:r>
+              <a:rPr lang="es-CO" sz="1050" dirty="0">
+                <a:solidFill>
+                  <a:schemeClr val="tx2">
+                    <a:lumMod val="75000"/>
+                  </a:schemeClr>
+                </a:solidFill>
+              </a:rPr>
+              <a:t>. Estructura física fija de alta resistencia, generalmente blindada por sus distintas caras, en cuyo interior se resguardan efectivo y/o valores que cuenta con chapas de combinación.</a:t>
+            </a:r>
+          </a:p>
+          <a:p>
+            <a:endParaRPr lang="es-CO" sz="1050" dirty="0">
+              <a:solidFill>
+                <a:schemeClr val="tx2">
+                  <a:lumMod val="75000"/>
+                </a:schemeClr>
+              </a:solidFill>
+            </a:endParaRPr>
+          </a:p>
+          <a:p>
+            <a:r>
+              <a:rPr lang="es-CO" sz="1050" dirty="0" smtClean="0">
+                <a:solidFill>
+                  <a:schemeClr val="tx2">
+                    <a:lumMod val="75000"/>
+                  </a:schemeClr>
+                </a:solidFill>
+              </a:rPr>
+              <a:t>Caja </a:t>
+            </a:r>
+            <a:r>
+              <a:rPr lang="es-CO" sz="1050" dirty="0">
+                <a:solidFill>
+                  <a:schemeClr val="tx2">
+                    <a:lumMod val="75000"/>
+                  </a:schemeClr>
+                </a:solidFill>
+              </a:rPr>
+              <a:t>fuerte. Mueble de alta resistencia física, generalmente de acero de gran espesor, en cuyo interior se resguarda efectivo y valores, que cuentan con chapas de combinación.</a:t>
+            </a:r>
+          </a:p>
+          <a:p>
+            <a:endParaRPr lang="es-CO" sz="1050" dirty="0">
+              <a:solidFill>
+                <a:schemeClr val="tx2">
+                  <a:lumMod val="75000"/>
+                </a:schemeClr>
+              </a:solidFill>
+            </a:endParaRPr>
+          </a:p>
+          <a:p>
+            <a:endParaRPr lang="es-CO" sz="1050" dirty="0">
+              <a:solidFill>
+                <a:schemeClr val="tx2">
+                  <a:lumMod val="75000"/>
+                </a:schemeClr>
+              </a:solidFill>
+            </a:endParaRPr>
+          </a:p>
+          <a:p>
+            <a:r>
+              <a:rPr lang="es-CO" sz="1050" dirty="0" smtClean="0">
+                <a:solidFill>
+                  <a:schemeClr val="tx2">
+                    <a:lumMod val="75000"/>
+                  </a:schemeClr>
+                </a:solidFill>
+              </a:rPr>
+              <a:t>CCTV</a:t>
+            </a:r>
+            <a:r>
+              <a:rPr lang="es-CO" sz="1050" dirty="0">
+                <a:solidFill>
+                  <a:schemeClr val="tx2">
+                    <a:lumMod val="75000"/>
+                  </a:schemeClr>
+                </a:solidFill>
+              </a:rPr>
+              <a:t>. Circuito Cerrado de Televisión para video vigilancia, el cual es instalado de acuerdo a la Circular 042 de la Superintendencia Financiera de Colombia.</a:t>
+            </a:r>
+          </a:p>
+          <a:p>
+            <a:endParaRPr lang="es-CO" sz="1050" dirty="0">
+              <a:solidFill>
+                <a:schemeClr val="tx2">
+                  <a:lumMod val="75000"/>
+                </a:schemeClr>
+              </a:solidFill>
+            </a:endParaRPr>
+          </a:p>
+          <a:p>
+            <a:r>
+              <a:rPr lang="es-CO" sz="1050" dirty="0" smtClean="0">
+                <a:solidFill>
+                  <a:schemeClr val="tx2">
+                    <a:lumMod val="75000"/>
+                  </a:schemeClr>
+                </a:solidFill>
+              </a:rPr>
+              <a:t>Central </a:t>
+            </a:r>
+            <a:r>
+              <a:rPr lang="es-CO" sz="1050" dirty="0">
+                <a:solidFill>
+                  <a:schemeClr val="tx2">
+                    <a:lumMod val="75000"/>
+                  </a:schemeClr>
+                </a:solidFill>
+              </a:rPr>
+              <a:t>de Monitoreo. Dependencia donde se reciben las señales de alarma efectivamente enviadas, atendidas por operadores de medios tecnológicos, así como de transmisión de imágenes que se generan en cada una de las Oficinas.</a:t>
+            </a:r>
+          </a:p>
+          <a:p>
+            <a:endParaRPr lang="es-CO" sz="1050" dirty="0">
+              <a:solidFill>
+                <a:schemeClr val="tx2">
+                  <a:lumMod val="75000"/>
+                </a:schemeClr>
+              </a:solidFill>
+            </a:endParaRPr>
+          </a:p>
+          <a:p>
+            <a:r>
+              <a:rPr lang="es-CO" sz="1050" dirty="0" smtClean="0">
+                <a:solidFill>
+                  <a:schemeClr val="tx2">
+                    <a:lumMod val="75000"/>
+                  </a:schemeClr>
+                </a:solidFill>
+              </a:rPr>
+              <a:t>Cerradura </a:t>
+            </a:r>
+            <a:r>
+              <a:rPr lang="es-CO" sz="1050" dirty="0">
+                <a:solidFill>
+                  <a:schemeClr val="tx2">
+                    <a:lumMod val="75000"/>
+                  </a:schemeClr>
+                </a:solidFill>
+              </a:rPr>
+              <a:t>digital de caja fuerte. Sistema compuesto por dial digital y mecanismos electromecánicos, permite accionamiento dual.</a:t>
+            </a:r>
+          </a:p>
+          <a:p>
+            <a:endParaRPr lang="es-CO" sz="1050" dirty="0">
+              <a:solidFill>
+                <a:schemeClr val="tx2">
+                  <a:lumMod val="75000"/>
+                </a:schemeClr>
+              </a:solidFill>
+            </a:endParaRPr>
+          </a:p>
+          <a:p>
+            <a:r>
+              <a:rPr lang="es-CO" sz="1050" dirty="0" smtClean="0">
+                <a:solidFill>
+                  <a:schemeClr val="tx2">
+                    <a:lumMod val="75000"/>
+                  </a:schemeClr>
+                </a:solidFill>
+              </a:rPr>
+              <a:t>Cerradura </a:t>
+            </a:r>
+            <a:r>
+              <a:rPr lang="es-CO" sz="1050" dirty="0">
+                <a:solidFill>
+                  <a:schemeClr val="tx2">
+                    <a:lumMod val="75000"/>
+                  </a:schemeClr>
+                </a:solidFill>
+              </a:rPr>
+              <a:t>mecánica de caja fuerte. Sistema de dial manual con accionamientos mecánicos.</a:t>
+            </a:r>
+          </a:p>
+          <a:p>
+            <a:endParaRPr lang="es-CO" sz="1050" dirty="0"/>
+          </a:p>
+          <a:p>
+            <a:endParaRPr lang="es-CO" dirty="0"/>
+          </a:p>
+          <a:p>
+            <a:endParaRPr lang="es-CO" dirty="0"/>
           </a:p>
         </p:txBody>
       </p:sp>
     </p:spTree>
     <p:extLst>
       <p:ext uri="{BB962C8B-B14F-4D97-AF65-F5344CB8AC3E}">
-        <p14:creationId xmlns:p14="http://schemas.microsoft.com/office/powerpoint/2010/main" val="2253794230"/>
+        <p14:creationId xmlns:p14="http://schemas.microsoft.com/office/powerpoint/2010/main" val="374563893"/>
       </p:ext>
     </p:extLst>
   </p:cSld>
@@ -11177,6 +9173,641 @@
       </p:grpSpPr>
       <p:sp>
         <p:nvSpPr>
+          <p:cNvPr id="2" name="1 Rectángulo"/>
+          <p:cNvSpPr/>
+          <p:nvPr/>
+        </p:nvSpPr>
+        <p:spPr>
+          <a:xfrm>
+            <a:off x="83695" y="151575"/>
+            <a:ext cx="9036496" cy="6678751"/>
+          </a:xfrm>
+          <a:prstGeom prst="rect">
+            <a:avLst/>
+          </a:prstGeom>
+        </p:spPr>
+        <p:txBody>
+          <a:bodyPr wrap="square">
+            <a:spAutoFit/>
+          </a:bodyPr>
+          <a:lstStyle/>
+          <a:p>
+            <a:r>
+              <a:rPr lang="es-CO" sz="1000" dirty="0">
+                <a:solidFill>
+                  <a:schemeClr val="tx2">
+                    <a:lumMod val="75000"/>
+                  </a:schemeClr>
+                </a:solidFill>
+              </a:rPr>
+              <a:t>	</a:t>
+            </a:r>
+          </a:p>
+          <a:p>
+            <a:r>
+              <a:rPr lang="es-CO" sz="1000" dirty="0" smtClean="0">
+                <a:solidFill>
+                  <a:schemeClr val="tx2">
+                    <a:lumMod val="75000"/>
+                  </a:schemeClr>
+                </a:solidFill>
+              </a:rPr>
+              <a:t>Fleteo</a:t>
+            </a:r>
+            <a:r>
+              <a:rPr lang="es-CO" sz="1000" dirty="0">
+                <a:solidFill>
+                  <a:schemeClr val="tx2">
+                    <a:lumMod val="75000"/>
+                  </a:schemeClr>
+                </a:solidFill>
+              </a:rPr>
+              <a:t>. Modalidad delictiva en la cual los delincuentes hacen seguimiento a los clientes que retiran efectivo de las oficinas bancarias y luego los interceptan hurtándoles el dinero retirado.</a:t>
+            </a:r>
+          </a:p>
+          <a:p>
+            <a:endParaRPr lang="es-CO" sz="1000" dirty="0">
+              <a:solidFill>
+                <a:schemeClr val="tx2">
+                  <a:lumMod val="75000"/>
+                </a:schemeClr>
+              </a:solidFill>
+            </a:endParaRPr>
+          </a:p>
+          <a:p>
+            <a:r>
+              <a:rPr lang="es-CO" sz="1000" dirty="0" smtClean="0">
+                <a:solidFill>
+                  <a:schemeClr val="tx2">
+                    <a:lumMod val="75000"/>
+                  </a:schemeClr>
+                </a:solidFill>
+              </a:rPr>
+              <a:t>Hurto</a:t>
+            </a:r>
+            <a:r>
+              <a:rPr lang="es-CO" sz="1000" dirty="0">
+                <a:solidFill>
+                  <a:schemeClr val="tx2">
+                    <a:lumMod val="75000"/>
+                  </a:schemeClr>
+                </a:solidFill>
+              </a:rPr>
+              <a:t>. (Artículo 349 código penal). El que se apodere de una cosa mueble ajena, con el propósito de obtener provecho para sí o para otro.</a:t>
+            </a:r>
+          </a:p>
+          <a:p>
+            <a:endParaRPr lang="es-CO" sz="1000" dirty="0">
+              <a:solidFill>
+                <a:schemeClr val="tx2">
+                  <a:lumMod val="75000"/>
+                </a:schemeClr>
+              </a:solidFill>
+            </a:endParaRPr>
+          </a:p>
+          <a:p>
+            <a:endParaRPr lang="es-CO" sz="1000" dirty="0" smtClean="0">
+              <a:solidFill>
+                <a:schemeClr val="tx2">
+                  <a:lumMod val="75000"/>
+                </a:schemeClr>
+              </a:solidFill>
+            </a:endParaRPr>
+          </a:p>
+          <a:p>
+            <a:r>
+              <a:rPr lang="es-CO" sz="1000" dirty="0" smtClean="0">
+                <a:solidFill>
+                  <a:schemeClr val="tx2">
+                    <a:lumMod val="75000"/>
+                  </a:schemeClr>
+                </a:solidFill>
+              </a:rPr>
+              <a:t>Llaves </a:t>
+            </a:r>
+            <a:r>
+              <a:rPr lang="es-CO" sz="1000" dirty="0">
+                <a:solidFill>
+                  <a:schemeClr val="tx2">
+                    <a:lumMod val="75000"/>
+                  </a:schemeClr>
+                </a:solidFill>
+              </a:rPr>
+              <a:t>Administrativas. Son aquellas llaves no pertenecientes a áreas restringidas como: llaves de escritorios, cocina, baños.</a:t>
+            </a:r>
+          </a:p>
+          <a:p>
+            <a:endParaRPr lang="es-CO" sz="1000" dirty="0">
+              <a:solidFill>
+                <a:schemeClr val="tx2">
+                  <a:lumMod val="75000"/>
+                </a:schemeClr>
+              </a:solidFill>
+            </a:endParaRPr>
+          </a:p>
+          <a:p>
+            <a:r>
+              <a:rPr lang="es-CO" sz="1000" dirty="0" smtClean="0">
+                <a:solidFill>
+                  <a:schemeClr val="tx2">
+                    <a:lumMod val="75000"/>
+                  </a:schemeClr>
+                </a:solidFill>
+              </a:rPr>
+              <a:t>Locker</a:t>
+            </a:r>
+            <a:r>
+              <a:rPr lang="es-CO" sz="1000" dirty="0">
+                <a:solidFill>
+                  <a:schemeClr val="tx2">
+                    <a:lumMod val="75000"/>
+                  </a:schemeClr>
+                </a:solidFill>
+              </a:rPr>
+              <a:t>. Casillero o cajonero para guardar objetos personales. </a:t>
+            </a:r>
+          </a:p>
+          <a:p>
+            <a:endParaRPr lang="es-CO" sz="1000" dirty="0">
+              <a:solidFill>
+                <a:schemeClr val="tx2">
+                  <a:lumMod val="75000"/>
+                </a:schemeClr>
+              </a:solidFill>
+            </a:endParaRPr>
+          </a:p>
+          <a:p>
+            <a:r>
+              <a:rPr lang="es-CO" sz="1000" dirty="0" smtClean="0">
+                <a:solidFill>
+                  <a:schemeClr val="tx2">
+                    <a:lumMod val="75000"/>
+                  </a:schemeClr>
+                </a:solidFill>
+              </a:rPr>
+              <a:t>Monitoreo </a:t>
+            </a:r>
+            <a:r>
+              <a:rPr lang="es-CO" sz="1000" dirty="0">
+                <a:solidFill>
+                  <a:schemeClr val="tx2">
+                    <a:lumMod val="75000"/>
+                  </a:schemeClr>
+                </a:solidFill>
+              </a:rPr>
+              <a:t>Transaccional. Análisis y identificación transaccional de cada uno de los hábitos transaccionales de los clientes del Banco Mundo Mujer, sus costumbres y hábitos transaccionales para la confirmación de operaciones inusuales y en los casos que amerite adelantar gestiones de bloqueo.</a:t>
+            </a:r>
+          </a:p>
+          <a:p>
+            <a:endParaRPr lang="es-CO" sz="1000" dirty="0">
+              <a:solidFill>
+                <a:schemeClr val="tx2">
+                  <a:lumMod val="75000"/>
+                </a:schemeClr>
+              </a:solidFill>
+            </a:endParaRPr>
+          </a:p>
+          <a:p>
+            <a:r>
+              <a:rPr lang="es-CO" sz="1000" dirty="0" smtClean="0">
+                <a:solidFill>
+                  <a:schemeClr val="tx2">
+                    <a:lumMod val="75000"/>
+                  </a:schemeClr>
+                </a:solidFill>
+              </a:rPr>
+              <a:t>Operación </a:t>
+            </a:r>
+            <a:r>
+              <a:rPr lang="es-CO" sz="1000" dirty="0">
+                <a:solidFill>
+                  <a:schemeClr val="tx2">
+                    <a:lumMod val="75000"/>
+                  </a:schemeClr>
+                </a:solidFill>
+              </a:rPr>
+              <a:t>inusual. Es aquella operación transaccional realizada en los anales dispuestos por la entidad cuya cuantía y periodicidad no responden a las transacciones habituales dentro de las que el cliente tranza.</a:t>
+            </a:r>
+          </a:p>
+          <a:p>
+            <a:endParaRPr lang="es-CO" sz="1000" dirty="0">
+              <a:solidFill>
+                <a:schemeClr val="tx2">
+                  <a:lumMod val="75000"/>
+                </a:schemeClr>
+              </a:solidFill>
+            </a:endParaRPr>
+          </a:p>
+          <a:p>
+            <a:r>
+              <a:rPr lang="es-CO" sz="1000" dirty="0" smtClean="0">
+                <a:solidFill>
+                  <a:schemeClr val="tx2">
+                    <a:lumMod val="75000"/>
+                  </a:schemeClr>
+                </a:solidFill>
+              </a:rPr>
+              <a:t>Partición </a:t>
+            </a:r>
+            <a:r>
+              <a:rPr lang="es-CO" sz="1000" dirty="0">
+                <a:solidFill>
+                  <a:schemeClr val="tx2">
+                    <a:lumMod val="75000"/>
+                  </a:schemeClr>
+                </a:solidFill>
+              </a:rPr>
+              <a:t>de alarma. Separación de zonas o áreas por partes, con el fin de activar o desactivar solo las partes que necesita.</a:t>
+            </a:r>
+          </a:p>
+          <a:p>
+            <a:endParaRPr lang="es-CO" sz="1000" dirty="0">
+              <a:solidFill>
+                <a:schemeClr val="tx2">
+                  <a:lumMod val="75000"/>
+                </a:schemeClr>
+              </a:solidFill>
+            </a:endParaRPr>
+          </a:p>
+          <a:p>
+            <a:r>
+              <a:rPr lang="es-CO" sz="1000" dirty="0" smtClean="0">
+                <a:solidFill>
+                  <a:schemeClr val="tx2">
+                    <a:lumMod val="75000"/>
+                  </a:schemeClr>
+                </a:solidFill>
+              </a:rPr>
+              <a:t>Protocolo</a:t>
+            </a:r>
+            <a:r>
+              <a:rPr lang="es-CO" sz="1000" dirty="0">
+                <a:solidFill>
+                  <a:schemeClr val="tx2">
+                    <a:lumMod val="75000"/>
+                  </a:schemeClr>
+                </a:solidFill>
+              </a:rPr>
+              <a:t>. Reglas, al conjunto de acciones o procedimientos establecidos para optimizar la seguridad en nuestras oficinas.</a:t>
+            </a:r>
+          </a:p>
+          <a:p>
+            <a:endParaRPr lang="es-CO" sz="1000" dirty="0">
+              <a:solidFill>
+                <a:schemeClr val="tx2">
+                  <a:lumMod val="75000"/>
+                </a:schemeClr>
+              </a:solidFill>
+            </a:endParaRPr>
+          </a:p>
+          <a:p>
+            <a:r>
+              <a:rPr lang="es-CO" sz="1000" dirty="0" smtClean="0">
+                <a:solidFill>
+                  <a:schemeClr val="tx2">
+                    <a:lumMod val="75000"/>
+                  </a:schemeClr>
+                </a:solidFill>
+              </a:rPr>
+              <a:t>Puerta </a:t>
+            </a:r>
+            <a:r>
+              <a:rPr lang="es-CO" sz="1000" dirty="0">
+                <a:solidFill>
+                  <a:schemeClr val="tx2">
+                    <a:lumMod val="75000"/>
+                  </a:schemeClr>
+                </a:solidFill>
+              </a:rPr>
+              <a:t>esclusa. Es un compartimiento con doble puerta de entrada y salida, cuyo objetivo es controlar y asegurar áreas restringidas.</a:t>
+            </a:r>
+          </a:p>
+          <a:p>
+            <a:endParaRPr lang="es-CO" sz="1000" dirty="0">
+              <a:solidFill>
+                <a:schemeClr val="tx2">
+                  <a:lumMod val="75000"/>
+                </a:schemeClr>
+              </a:solidFill>
+            </a:endParaRPr>
+          </a:p>
+          <a:p>
+            <a:r>
+              <a:rPr lang="es-CO" sz="1000" dirty="0" smtClean="0">
+                <a:solidFill>
+                  <a:schemeClr val="tx2">
+                    <a:lumMod val="75000"/>
+                  </a:schemeClr>
+                </a:solidFill>
+              </a:rPr>
+              <a:t>Reloj </a:t>
+            </a:r>
+            <a:r>
+              <a:rPr lang="es-CO" sz="1000" dirty="0">
+                <a:solidFill>
+                  <a:schemeClr val="tx2">
+                    <a:lumMod val="75000"/>
+                  </a:schemeClr>
+                </a:solidFill>
+              </a:rPr>
+              <a:t>bicronométrico. Sistema de dos relojes con mecanismos que permiten el bloqueo temporizado para las cajas fuertes.</a:t>
+            </a:r>
+          </a:p>
+          <a:p>
+            <a:endParaRPr lang="es-CO" sz="1000" dirty="0">
+              <a:solidFill>
+                <a:schemeClr val="tx2">
+                  <a:lumMod val="75000"/>
+                </a:schemeClr>
+              </a:solidFill>
+            </a:endParaRPr>
+          </a:p>
+          <a:p>
+            <a:r>
+              <a:rPr lang="es-CO" sz="1000" dirty="0" smtClean="0">
+                <a:solidFill>
+                  <a:schemeClr val="tx2">
+                    <a:lumMod val="75000"/>
+                  </a:schemeClr>
+                </a:solidFill>
+              </a:rPr>
+              <a:t>Seguridad </a:t>
+            </a:r>
+            <a:r>
+              <a:rPr lang="es-CO" sz="1000" dirty="0">
+                <a:solidFill>
+                  <a:schemeClr val="tx2">
+                    <a:lumMod val="75000"/>
+                  </a:schemeClr>
+                </a:solidFill>
+              </a:rPr>
+              <a:t>electrónica. Conjunto de elementos técnicos destinados a advertir localmente y/o a distancia de cualquier incidencia que pueda representar un Riesgo.</a:t>
+            </a:r>
+          </a:p>
+          <a:p>
+            <a:endParaRPr lang="es-CO" sz="1000" dirty="0">
+              <a:solidFill>
+                <a:schemeClr val="tx2">
+                  <a:lumMod val="75000"/>
+                </a:schemeClr>
+              </a:solidFill>
+            </a:endParaRPr>
+          </a:p>
+          <a:p>
+            <a:r>
+              <a:rPr lang="es-CO" sz="1000" dirty="0" smtClean="0">
+                <a:solidFill>
+                  <a:schemeClr val="tx2">
+                    <a:lumMod val="75000"/>
+                  </a:schemeClr>
+                </a:solidFill>
+              </a:rPr>
+              <a:t>Seguridad </a:t>
+            </a:r>
+            <a:r>
+              <a:rPr lang="es-CO" sz="1000" dirty="0">
+                <a:solidFill>
+                  <a:schemeClr val="tx2">
+                    <a:lumMod val="75000"/>
+                  </a:schemeClr>
+                </a:solidFill>
+              </a:rPr>
+              <a:t>física. Conjunto de elementos materiales destinados a prevenir Conductas ilícitas o siniestros y que sirven de soporte a los sistemas de seguridad electrónica.</a:t>
+            </a:r>
+          </a:p>
+          <a:p>
+            <a:endParaRPr lang="es-CO" sz="1000" dirty="0">
+              <a:solidFill>
+                <a:schemeClr val="tx2">
+                  <a:lumMod val="75000"/>
+                </a:schemeClr>
+              </a:solidFill>
+            </a:endParaRPr>
+          </a:p>
+          <a:p>
+            <a:r>
+              <a:rPr lang="es-CO" sz="1000" dirty="0" smtClean="0">
+                <a:solidFill>
+                  <a:schemeClr val="tx2">
+                    <a:lumMod val="75000"/>
+                  </a:schemeClr>
+                </a:solidFill>
+              </a:rPr>
+              <a:t>Sensores </a:t>
+            </a:r>
+            <a:r>
+              <a:rPr lang="es-CO" sz="1000" dirty="0">
+                <a:solidFill>
+                  <a:schemeClr val="tx2">
+                    <a:lumMod val="75000"/>
+                  </a:schemeClr>
+                </a:solidFill>
+              </a:rPr>
+              <a:t>de alarma. Dispositivos electrónicos y/o mecánicos que detectan un cambio de condición en forma automática o manual y generan una señal al Sistema Local de Alarmas</a:t>
+            </a:r>
+          </a:p>
+          <a:p>
+            <a:endParaRPr lang="es-CO" sz="1000" dirty="0">
+              <a:solidFill>
+                <a:schemeClr val="tx2">
+                  <a:lumMod val="75000"/>
+                </a:schemeClr>
+              </a:solidFill>
+            </a:endParaRPr>
+          </a:p>
+          <a:p>
+            <a:r>
+              <a:rPr lang="es-CO" sz="1000" dirty="0" smtClean="0">
+                <a:solidFill>
+                  <a:schemeClr val="tx2">
+                    <a:lumMod val="75000"/>
+                  </a:schemeClr>
+                </a:solidFill>
+              </a:rPr>
+              <a:t>Siniestro</a:t>
+            </a:r>
+            <a:r>
+              <a:rPr lang="es-CO" sz="1000" dirty="0">
+                <a:solidFill>
+                  <a:schemeClr val="tx2">
+                    <a:lumMod val="75000"/>
+                  </a:schemeClr>
+                </a:solidFill>
+              </a:rPr>
+              <a:t>. Daño o pérdida que sufren las Instituciones, en particular sus Oficinas Financieras u Oficinas Administrativas, Módulos Financieros, sus empleados o su patrimonio, el Público Usuario, por actos del hombre o hechos de la naturaleza.</a:t>
+            </a:r>
+          </a:p>
+          <a:p>
+            <a:endParaRPr lang="es-CO" sz="1000" dirty="0">
+              <a:solidFill>
+                <a:schemeClr val="tx2">
+                  <a:lumMod val="75000"/>
+                </a:schemeClr>
+              </a:solidFill>
+            </a:endParaRPr>
+          </a:p>
+          <a:p>
+            <a:r>
+              <a:rPr lang="es-CO" sz="1000" dirty="0" smtClean="0">
+                <a:solidFill>
+                  <a:schemeClr val="tx2">
+                    <a:lumMod val="75000"/>
+                  </a:schemeClr>
+                </a:solidFill>
+              </a:rPr>
+              <a:t>de </a:t>
+            </a:r>
+            <a:r>
+              <a:rPr lang="es-CO" sz="1000" dirty="0">
+                <a:solidFill>
+                  <a:schemeClr val="tx2">
+                    <a:lumMod val="75000"/>
+                  </a:schemeClr>
+                </a:solidFill>
+              </a:rPr>
+              <a:t>alarma. Sistema de seguridad electrónico el cual sirve para informar o advertir de una intrusión a  las oficinas o áreas específicas, como también reportar un conato de incendio</a:t>
+            </a:r>
+            <a:r>
+              <a:rPr lang="es-CO" sz="1000" dirty="0" smtClean="0">
+                <a:solidFill>
+                  <a:schemeClr val="tx2">
+                    <a:lumMod val="75000"/>
+                  </a:schemeClr>
+                </a:solidFill>
+              </a:rPr>
+              <a:t>.</a:t>
+            </a:r>
+          </a:p>
+          <a:p>
+            <a:endParaRPr lang="es-CO" sz="1000" dirty="0">
+              <a:solidFill>
+                <a:schemeClr val="tx2">
+                  <a:lumMod val="75000"/>
+                </a:schemeClr>
+              </a:solidFill>
+            </a:endParaRPr>
+          </a:p>
+          <a:p>
+            <a:r>
+              <a:rPr lang="es-CO" sz="1000" dirty="0" smtClean="0">
+                <a:solidFill>
+                  <a:schemeClr val="tx2">
+                    <a:lumMod val="75000"/>
+                  </a:schemeClr>
+                </a:solidFill>
+              </a:rPr>
+              <a:t>Situación </a:t>
+            </a:r>
+            <a:r>
+              <a:rPr lang="es-CO" sz="1000" dirty="0">
+                <a:solidFill>
+                  <a:schemeClr val="tx2">
+                    <a:lumMod val="75000"/>
+                  </a:schemeClr>
+                </a:solidFill>
+              </a:rPr>
+              <a:t>crítica. Contingencia temporal que ubica en un nivel de peligro, fuera de control, al público usuario, a la Institución, en particular a sus oficinas financieras o sus empleados</a:t>
+            </a:r>
+            <a:r>
+              <a:rPr lang="es-CO" sz="1000" dirty="0" smtClean="0">
+                <a:solidFill>
+                  <a:schemeClr val="tx2">
+                    <a:lumMod val="75000"/>
+                  </a:schemeClr>
+                </a:solidFill>
+              </a:rPr>
+              <a:t>.</a:t>
+            </a:r>
+          </a:p>
+          <a:p>
+            <a:endParaRPr lang="es-CO" sz="1000" dirty="0">
+              <a:solidFill>
+                <a:schemeClr val="tx2">
+                  <a:lumMod val="75000"/>
+                </a:schemeClr>
+              </a:solidFill>
+            </a:endParaRPr>
+          </a:p>
+          <a:p>
+            <a:r>
+              <a:rPr lang="es-CO" sz="1000" dirty="0" smtClean="0">
+                <a:solidFill>
+                  <a:schemeClr val="tx2">
+                    <a:lumMod val="75000"/>
+                  </a:schemeClr>
+                </a:solidFill>
+              </a:rPr>
+              <a:t>Taquillazo</a:t>
+            </a:r>
+            <a:r>
+              <a:rPr lang="es-CO" sz="1000" dirty="0">
+                <a:solidFill>
+                  <a:schemeClr val="tx2">
+                    <a:lumMod val="75000"/>
+                  </a:schemeClr>
+                </a:solidFill>
+              </a:rPr>
+              <a:t>. Modalidad delictiva en la cual por medio de intimidación roban el efectivo que se encuentra en la taquilla o billeteros de los cajeros.</a:t>
+            </a:r>
+          </a:p>
+          <a:p>
+            <a:endParaRPr lang="es-CO" sz="800" dirty="0"/>
+          </a:p>
+        </p:txBody>
+      </p:sp>
+    </p:spTree>
+    <p:extLst>
+      <p:ext uri="{BB962C8B-B14F-4D97-AF65-F5344CB8AC3E}">
+        <p14:creationId xmlns:p14="http://schemas.microsoft.com/office/powerpoint/2010/main" val="2324685543"/>
+      </p:ext>
+    </p:extLst>
+  </p:cSld>
+  <p:clrMapOvr>
+    <a:masterClrMapping/>
+  </p:clrMapOvr>
+  <p:timing>
+    <p:tnLst>
+      <p:par>
+        <p:cTn id="1" dur="indefinite" restart="never" nodeType="tmRoot"/>
+      </p:par>
+    </p:tnLst>
+  </p:timing>
+</p:sld>
+</file>
+
+<file path=ppt/slides/slide4.xml><?xml version="1.0" encoding="utf-8"?>
+<p:sld xmlns:a="http://schemas.openxmlformats.org/drawingml/2006/main" xmlns:r="http://schemas.openxmlformats.org/officeDocument/2006/relationships" xmlns:p="http://schemas.openxmlformats.org/presentationml/2006/main">
+  <p:cSld>
+    <p:bg>
+      <p:bgPr>
+        <a:blipFill dpi="0" rotWithShape="1">
+          <a:blip r:embed="rId3">
+            <a:lum/>
+          </a:blip>
+          <a:srcRect/>
+          <a:stretch>
+            <a:fillRect t="-1000" b="-1000"/>
+          </a:stretch>
+        </a:blipFill>
+        <a:effectLst/>
+      </p:bgPr>
+    </p:bg>
+    <p:spTree>
+      <p:nvGrpSpPr>
+        <p:cNvPr id="1" name=""/>
+        <p:cNvGrpSpPr/>
+        <p:nvPr/>
+      </p:nvGrpSpPr>
+      <p:grpSpPr>
+        <a:xfrm>
+          <a:off x="0" y="0"/>
+          <a:ext cx="0" cy="0"/>
+          <a:chOff x="0" y="0"/>
+          <a:chExt cx="0" cy="0"/>
+        </a:xfrm>
+      </p:grpSpPr>
+      <p:sp>
+        <p:nvSpPr>
           <p:cNvPr id="3" name="Title 1"/>
           <p:cNvSpPr txBox="1">
             <a:spLocks/>
@@ -11185,8 +9816,8 @@
         </p:nvSpPr>
         <p:spPr>
           <a:xfrm>
-            <a:off x="530989" y="476672"/>
-            <a:ext cx="8625748" cy="821117"/>
+            <a:off x="530989" y="688189"/>
+            <a:ext cx="8625748" cy="609600"/>
           </a:xfrm>
           <a:prstGeom prst="rect">
             <a:avLst/>
@@ -11214,7 +9845,7 @@
           </a:lstStyle>
           <a:p>
             <a:r>
-              <a:rPr lang="es-CO" sz="2400" b="1" dirty="0" smtClean="0">
+              <a:rPr lang="es-CO" sz="2000" b="1" dirty="0" smtClean="0">
                 <a:solidFill>
                   <a:schemeClr val="tx2"/>
                 </a:solidFill>
@@ -11222,9 +9853,9 @@
                 <a:ea typeface="+mn-ea"/>
                 <a:cs typeface="+mn-cs"/>
               </a:rPr>
-              <a:t>OBJETIVO GENERAL </a:t>
-            </a:r>
-            <a:endParaRPr lang="es-CO" sz="2400" b="1" dirty="0">
+              <a:t>Objetivo General</a:t>
+            </a:r>
+            <a:endParaRPr lang="es-CO" sz="2000" b="1" dirty="0">
               <a:solidFill>
                 <a:schemeClr val="tx2"/>
               </a:solidFill>
@@ -11243,8 +9874,8 @@
         </p:nvSpPr>
         <p:spPr>
           <a:xfrm>
-            <a:off x="2267745" y="1297790"/>
-            <a:ext cx="6624736" cy="3416320"/>
+            <a:off x="2553687" y="1412776"/>
+            <a:ext cx="6494868" cy="2800767"/>
           </a:xfrm>
           <a:prstGeom prst="rect">
             <a:avLst/>
@@ -11263,7 +9894,7 @@
               </a:spcBef>
             </a:pPr>
             <a:r>
-              <a:rPr lang="es-CO" dirty="0" smtClean="0">
+              <a:rPr lang="es-CO" sz="1600" dirty="0" smtClean="0">
                 <a:solidFill>
                   <a:schemeClr val="accent1">
                     <a:lumMod val="75000"/>
@@ -11275,7 +9906,7 @@
               <a:t>Atender </a:t>
             </a:r>
             <a:r>
-              <a:rPr lang="es-CO" dirty="0">
+              <a:rPr lang="es-CO" sz="1600" dirty="0">
                 <a:solidFill>
                   <a:schemeClr val="accent1">
                     <a:lumMod val="75000"/>
@@ -11287,7 +9918,7 @@
               <a:t>las diferentes necesidades de seguridad que tiene el Banco frente a los requerimientos normativos, los indicadores de riesgos internos y externos </a:t>
             </a:r>
             <a:r>
-              <a:rPr lang="es-CO" dirty="0" smtClean="0">
+              <a:rPr lang="es-CO" sz="1600" dirty="0" smtClean="0">
                 <a:solidFill>
                   <a:schemeClr val="accent1">
                     <a:lumMod val="75000"/>
@@ -11299,7 +9930,7 @@
               <a:t>Vs. </a:t>
             </a:r>
             <a:r>
-              <a:rPr lang="es-CO" dirty="0">
+              <a:rPr lang="es-CO" sz="1600" dirty="0">
                 <a:solidFill>
                   <a:schemeClr val="accent1">
                     <a:lumMod val="75000"/>
@@ -11311,7 +9942,7 @@
               <a:t>los indicadores de la operación bancaria para poder diseñar y ejecutar una estrategia de seguridad integral que proteja </a:t>
             </a:r>
             <a:r>
-              <a:rPr lang="es-CO" dirty="0" smtClean="0">
+              <a:rPr lang="es-CO" sz="1600" dirty="0" smtClean="0">
                 <a:solidFill>
                   <a:schemeClr val="accent1">
                     <a:lumMod val="75000"/>
@@ -11323,7 +9954,7 @@
               <a:t>al ser Humano, clientes</a:t>
             </a:r>
             <a:r>
-              <a:rPr lang="es-CO" dirty="0">
+              <a:rPr lang="es-CO" sz="1600" dirty="0">
                 <a:solidFill>
                   <a:schemeClr val="accent1">
                     <a:lumMod val="75000"/>
@@ -11335,7 +9966,7 @@
               <a:t>, </a:t>
             </a:r>
             <a:r>
-              <a:rPr lang="es-CO" dirty="0" smtClean="0">
+              <a:rPr lang="es-CO" sz="1600" dirty="0" smtClean="0">
                 <a:solidFill>
                   <a:schemeClr val="accent1">
                     <a:lumMod val="75000"/>
@@ -11347,7 +9978,7 @@
               <a:t>Funcionarios </a:t>
             </a:r>
             <a:r>
-              <a:rPr lang="es-CO" dirty="0">
+              <a:rPr lang="es-CO" sz="1600" dirty="0">
                 <a:solidFill>
                   <a:schemeClr val="accent1">
                     <a:lumMod val="75000"/>
@@ -11359,7 +9990,7 @@
               <a:t>y proveedores del </a:t>
             </a:r>
             <a:r>
-              <a:rPr lang="es-CO" dirty="0" smtClean="0">
+              <a:rPr lang="es-CO" sz="1600" dirty="0" smtClean="0">
                 <a:solidFill>
                   <a:schemeClr val="accent1">
                     <a:lumMod val="75000"/>
@@ -11371,7 +10002,7 @@
               <a:t>Banco Mundo Mujer a través de una adecuada Planeación, Coordinación </a:t>
             </a:r>
             <a:r>
-              <a:rPr lang="es-CO" dirty="0">
+              <a:rPr lang="es-CO" sz="1600" dirty="0">
                 <a:solidFill>
                   <a:schemeClr val="accent1">
                     <a:lumMod val="75000"/>
@@ -11383,7 +10014,7 @@
               <a:t>y </a:t>
             </a:r>
             <a:r>
-              <a:rPr lang="es-CO" dirty="0" smtClean="0">
+              <a:rPr lang="es-CO" sz="1600" dirty="0" smtClean="0">
                 <a:solidFill>
                   <a:schemeClr val="accent1">
                     <a:lumMod val="75000"/>
@@ -11395,7 +10026,7 @@
               <a:t>Administración de </a:t>
             </a:r>
             <a:r>
-              <a:rPr lang="es-CO" dirty="0">
+              <a:rPr lang="es-CO" sz="1600" dirty="0">
                 <a:solidFill>
                   <a:schemeClr val="accent1">
                     <a:lumMod val="75000"/>
@@ -11407,7 +10038,7 @@
               <a:t>los </a:t>
             </a:r>
             <a:r>
-              <a:rPr lang="es-CO" dirty="0" smtClean="0">
+              <a:rPr lang="es-CO" sz="1600" dirty="0" smtClean="0">
                 <a:solidFill>
                   <a:schemeClr val="accent1">
                     <a:lumMod val="75000"/>
@@ -11419,7 +10050,7 @@
               <a:t>recursos y procesos </a:t>
             </a:r>
             <a:r>
-              <a:rPr lang="es-CO" dirty="0">
+              <a:rPr lang="es-CO" sz="1600" dirty="0">
                 <a:solidFill>
                   <a:schemeClr val="accent1">
                     <a:lumMod val="75000"/>
@@ -11431,7 +10062,7 @@
               <a:t>de Seguridad Física, Operativa, de Monitoreo y  Control Transaccional generando un ambiente de </a:t>
             </a:r>
             <a:r>
-              <a:rPr lang="es-CO" dirty="0" smtClean="0">
+              <a:rPr lang="es-CO" sz="1600" dirty="0" smtClean="0">
                 <a:solidFill>
                   <a:schemeClr val="accent1">
                     <a:lumMod val="75000"/>
@@ -11443,7 +10074,7 @@
               <a:t>seguridad Bancaria al interior de la Entidad en busca de mitigar y disuadir todos </a:t>
             </a:r>
             <a:r>
-              <a:rPr lang="es-CO" dirty="0">
+              <a:rPr lang="es-CO" sz="1600" dirty="0">
                 <a:solidFill>
                   <a:schemeClr val="accent1">
                     <a:lumMod val="75000"/>
@@ -11455,7 +10086,7 @@
               <a:t>los </a:t>
             </a:r>
             <a:r>
-              <a:rPr lang="es-CO" dirty="0" smtClean="0">
+              <a:rPr lang="es-CO" sz="1600" dirty="0" smtClean="0">
                 <a:solidFill>
                   <a:schemeClr val="accent1">
                     <a:lumMod val="75000"/>
@@ -11467,7 +10098,7 @@
               <a:t>Eventos, actos </a:t>
             </a:r>
             <a:r>
-              <a:rPr lang="es-CO" dirty="0">
+              <a:rPr lang="es-CO" sz="1600" dirty="0">
                 <a:solidFill>
                   <a:schemeClr val="accent1">
                     <a:lumMod val="75000"/>
@@ -11479,7 +10110,7 @@
               <a:t>ilícitos </a:t>
             </a:r>
             <a:r>
-              <a:rPr lang="es-CO" dirty="0" smtClean="0">
+              <a:rPr lang="es-CO" sz="1600" dirty="0" smtClean="0">
                 <a:solidFill>
                   <a:schemeClr val="accent1">
                     <a:lumMod val="75000"/>
@@ -11491,7 +10122,7 @@
               <a:t>o </a:t>
             </a:r>
             <a:r>
-              <a:rPr lang="es-CO" dirty="0">
+              <a:rPr lang="es-CO" sz="1600" dirty="0">
                 <a:solidFill>
                   <a:schemeClr val="accent1">
                     <a:lumMod val="75000"/>
@@ -11503,7 +10134,7 @@
               <a:t>situaciones de fraude </a:t>
             </a:r>
             <a:r>
-              <a:rPr lang="es-CO" dirty="0" smtClean="0">
+              <a:rPr lang="es-CO" sz="1600" dirty="0" smtClean="0">
                 <a:solidFill>
                   <a:schemeClr val="accent1">
                     <a:lumMod val="75000"/>
@@ -11541,7 +10172,7 @@
         <p:spPr bwMode="auto">
           <a:xfrm>
             <a:off x="161517" y="476672"/>
-            <a:ext cx="1890203" cy="1368152"/>
+            <a:ext cx="2355219" cy="1559982"/>
           </a:xfrm>
           <a:prstGeom prst="rect">
             <a:avLst/>
@@ -11579,7 +10210,7 @@
         </p:nvCxnSpPr>
         <p:spPr>
           <a:xfrm>
-            <a:off x="1106618" y="2348879"/>
+            <a:off x="1270466" y="2348880"/>
             <a:ext cx="0" cy="1723619"/>
           </a:xfrm>
           <a:prstGeom prst="straightConnector1">
@@ -11615,7 +10246,7 @@
         </p:nvCxnSpPr>
         <p:spPr>
           <a:xfrm>
-            <a:off x="3563888" y="5733256"/>
+            <a:off x="3419872" y="5327023"/>
             <a:ext cx="1542410" cy="0"/>
           </a:xfrm>
           <a:prstGeom prst="straightConnector1">
@@ -11666,8 +10297,8 @@
         </p:blipFill>
         <p:spPr bwMode="auto">
           <a:xfrm>
-            <a:off x="5801120" y="5013176"/>
-            <a:ext cx="2875335" cy="1584176"/>
+            <a:off x="4962282" y="4332150"/>
+            <a:ext cx="3714174" cy="2265202"/>
           </a:xfrm>
           <a:prstGeom prst="rect">
             <a:avLst/>
@@ -11720,8 +10351,8 @@
         </p:blipFill>
         <p:spPr bwMode="auto">
           <a:xfrm>
-            <a:off x="119481" y="5085184"/>
-            <a:ext cx="3181350" cy="1296144"/>
+            <a:off x="119481" y="4509120"/>
+            <a:ext cx="3181350" cy="1438275"/>
           </a:xfrm>
           <a:prstGeom prst="rect">
             <a:avLst/>
@@ -11754,272 +10385,7 @@
     </p:spTree>
     <p:extLst>
       <p:ext uri="{BB962C8B-B14F-4D97-AF65-F5344CB8AC3E}">
-        <p14:creationId xmlns:p14="http://schemas.microsoft.com/office/powerpoint/2010/main" val="723477846"/>
-      </p:ext>
-    </p:extLst>
-  </p:cSld>
-  <p:clrMapOvr>
-    <a:masterClrMapping/>
-  </p:clrMapOvr>
-  <p:timing>
-    <p:tnLst>
-      <p:par>
-        <p:cTn id="1" dur="indefinite" restart="never" nodeType="tmRoot"/>
-      </p:par>
-    </p:tnLst>
-  </p:timing>
-</p:sld>
-</file>
-
-<file path=ppt/slides/slide4.xml><?xml version="1.0" encoding="utf-8"?>
-<p:sld xmlns:a="http://schemas.openxmlformats.org/drawingml/2006/main" xmlns:r="http://schemas.openxmlformats.org/officeDocument/2006/relationships" xmlns:p="http://schemas.openxmlformats.org/presentationml/2006/main">
-  <p:cSld>
-    <p:spTree>
-      <p:nvGrpSpPr>
-        <p:cNvPr id="1" name=""/>
-        <p:cNvGrpSpPr/>
-        <p:nvPr/>
-      </p:nvGrpSpPr>
-      <p:grpSpPr>
-        <a:xfrm>
-          <a:off x="0" y="0"/>
-          <a:ext cx="0" cy="0"/>
-          <a:chOff x="0" y="0"/>
-          <a:chExt cx="0" cy="0"/>
-        </a:xfrm>
-      </p:grpSpPr>
-      <p:sp>
-        <p:nvSpPr>
-          <p:cNvPr id="2" name="1 Título"/>
-          <p:cNvSpPr>
-            <a:spLocks noGrp="1"/>
-          </p:cNvSpPr>
-          <p:nvPr>
-            <p:ph type="title"/>
-          </p:nvPr>
-        </p:nvSpPr>
-        <p:spPr>
-          <a:xfrm>
-            <a:off x="539552" y="908720"/>
-            <a:ext cx="8229600" cy="504056"/>
-          </a:xfrm>
-        </p:spPr>
-        <p:txBody>
-          <a:bodyPr>
-            <a:normAutofit fontScale="90000"/>
-          </a:bodyPr>
-          <a:lstStyle/>
-          <a:p>
-            <a:r>
-              <a:rPr lang="es-CO" b="1" dirty="0" smtClean="0">
-                <a:solidFill>
-                  <a:schemeClr val="accent1">
-                    <a:lumMod val="75000"/>
-                  </a:schemeClr>
-                </a:solidFill>
-                <a:latin typeface="Arial" panose="020B0604020202020204" pitchFamily="34" charset="0"/>
-                <a:cs typeface="Arial" panose="020B0604020202020204" pitchFamily="34" charset="0"/>
-              </a:rPr>
-              <a:t/>
-            </a:r>
-            <a:br>
-              <a:rPr lang="es-CO" b="1" dirty="0" smtClean="0">
-                <a:solidFill>
-                  <a:schemeClr val="accent1">
-                    <a:lumMod val="75000"/>
-                  </a:schemeClr>
-                </a:solidFill>
-                <a:latin typeface="Arial" panose="020B0604020202020204" pitchFamily="34" charset="0"/>
-                <a:cs typeface="Arial" panose="020B0604020202020204" pitchFamily="34" charset="0"/>
-              </a:rPr>
-            </a:br>
-            <a:r>
-              <a:rPr lang="es-CO" sz="2800" b="1" dirty="0" smtClean="0">
-                <a:solidFill>
-                  <a:schemeClr val="accent1">
-                    <a:lumMod val="75000"/>
-                  </a:schemeClr>
-                </a:solidFill>
-                <a:latin typeface="Arial" panose="020B0604020202020204" pitchFamily="34" charset="0"/>
-                <a:cs typeface="Arial" panose="020B0604020202020204" pitchFamily="34" charset="0"/>
-              </a:rPr>
-              <a:t>OBJETIVOS ESPECIFICOS</a:t>
-            </a:r>
-            <a:r>
-              <a:rPr lang="es-CO" sz="2800" dirty="0">
-                <a:solidFill>
-                  <a:schemeClr val="accent1">
-                    <a:lumMod val="75000"/>
-                  </a:schemeClr>
-                </a:solidFill>
-                <a:latin typeface="Arial" panose="020B0604020202020204" pitchFamily="34" charset="0"/>
-                <a:cs typeface="Arial" panose="020B0604020202020204" pitchFamily="34" charset="0"/>
-              </a:rPr>
-              <a:t/>
-            </a:r>
-            <a:br>
-              <a:rPr lang="es-CO" sz="2800" dirty="0">
-                <a:solidFill>
-                  <a:schemeClr val="accent1">
-                    <a:lumMod val="75000"/>
-                  </a:schemeClr>
-                </a:solidFill>
-                <a:latin typeface="Arial" panose="020B0604020202020204" pitchFamily="34" charset="0"/>
-                <a:cs typeface="Arial" panose="020B0604020202020204" pitchFamily="34" charset="0"/>
-              </a:rPr>
-            </a:br>
-            <a:endParaRPr lang="es-MX" sz="2800" dirty="0"/>
-          </a:p>
-        </p:txBody>
-      </p:sp>
-      <p:sp>
-        <p:nvSpPr>
-          <p:cNvPr id="3" name="2 Marcador de contenido"/>
-          <p:cNvSpPr>
-            <a:spLocks noGrp="1"/>
-          </p:cNvSpPr>
-          <p:nvPr>
-            <p:ph idx="1"/>
-          </p:nvPr>
-        </p:nvSpPr>
-        <p:spPr>
-          <a:xfrm>
-            <a:off x="457200" y="1628800"/>
-            <a:ext cx="8229600" cy="4392488"/>
-          </a:xfrm>
-        </p:spPr>
-        <p:txBody>
-          <a:bodyPr>
-            <a:noAutofit/>
-          </a:bodyPr>
-          <a:lstStyle/>
-          <a:p>
-            <a:pPr marL="0" indent="0" algn="just">
-              <a:spcBef>
-                <a:spcPct val="0"/>
-              </a:spcBef>
-              <a:buNone/>
-            </a:pPr>
-            <a:endParaRPr lang="es-CO" sz="2300" dirty="0">
-              <a:solidFill>
-                <a:schemeClr val="tx2"/>
-              </a:solidFill>
-              <a:latin typeface="Arial" panose="020B0604020202020204" pitchFamily="34" charset="0"/>
-              <a:cs typeface="Arial" panose="020B0604020202020204" pitchFamily="34" charset="0"/>
-            </a:endParaRPr>
-          </a:p>
-          <a:p>
-            <a:pPr algn="just">
-              <a:lnSpc>
-                <a:spcPct val="80000"/>
-              </a:lnSpc>
-              <a:spcBef>
-                <a:spcPct val="0"/>
-              </a:spcBef>
-              <a:buFont typeface="Wingdings" panose="05000000000000000000" pitchFamily="2" charset="2"/>
-              <a:buChar char="Ø"/>
-            </a:pPr>
-            <a:r>
-              <a:rPr lang="es-CO" sz="2300" dirty="0">
-                <a:solidFill>
-                  <a:schemeClr val="tx2"/>
-                </a:solidFill>
-                <a:latin typeface="Arial" panose="020B0604020202020204" pitchFamily="34" charset="0"/>
-                <a:cs typeface="Arial" panose="020B0604020202020204" pitchFamily="34" charset="0"/>
-              </a:rPr>
-              <a:t>Proteger la vida humana,  las operaciones, la imagen Corporativa, la información y el patrimonio de la Entidad.</a:t>
-            </a:r>
-          </a:p>
-          <a:p>
-            <a:pPr algn="just">
-              <a:lnSpc>
-                <a:spcPct val="80000"/>
-              </a:lnSpc>
-              <a:spcBef>
-                <a:spcPct val="0"/>
-              </a:spcBef>
-              <a:buFont typeface="Wingdings" panose="05000000000000000000" pitchFamily="2" charset="2"/>
-              <a:buChar char="Ø"/>
-            </a:pPr>
-            <a:endParaRPr lang="es-CO" sz="2300" dirty="0">
-              <a:solidFill>
-                <a:schemeClr val="tx2"/>
-              </a:solidFill>
-              <a:latin typeface="Arial" panose="020B0604020202020204" pitchFamily="34" charset="0"/>
-              <a:cs typeface="Arial" panose="020B0604020202020204" pitchFamily="34" charset="0"/>
-            </a:endParaRPr>
-          </a:p>
-          <a:p>
-            <a:pPr algn="just">
-              <a:lnSpc>
-                <a:spcPct val="80000"/>
-              </a:lnSpc>
-              <a:spcBef>
-                <a:spcPct val="0"/>
-              </a:spcBef>
-              <a:buFont typeface="Wingdings" panose="05000000000000000000" pitchFamily="2" charset="2"/>
-              <a:buChar char="Ø"/>
-            </a:pPr>
-            <a:r>
-              <a:rPr lang="es-CO" sz="2300" dirty="0">
-                <a:solidFill>
-                  <a:schemeClr val="tx2"/>
-                </a:solidFill>
-                <a:latin typeface="Arial" panose="020B0604020202020204" pitchFamily="34" charset="0"/>
-                <a:cs typeface="Arial" panose="020B0604020202020204" pitchFamily="34" charset="0"/>
-              </a:rPr>
-              <a:t>Gestionar que los miembros de la entidad cumplan con los procesos de Seguridad Física, Operativa, Electrónica, de Monitoreo transaccional en las operaciones, en cumplimiento de la normatividad vigente.</a:t>
-            </a:r>
-          </a:p>
-          <a:p>
-            <a:pPr marL="0" indent="0" algn="just">
-              <a:lnSpc>
-                <a:spcPct val="80000"/>
-              </a:lnSpc>
-              <a:spcBef>
-                <a:spcPct val="0"/>
-              </a:spcBef>
-              <a:buNone/>
-            </a:pPr>
-            <a:endParaRPr lang="es-CO" sz="2300" dirty="0">
-              <a:solidFill>
-                <a:schemeClr val="tx2"/>
-              </a:solidFill>
-              <a:latin typeface="Arial" panose="020B0604020202020204" pitchFamily="34" charset="0"/>
-              <a:cs typeface="Arial" panose="020B0604020202020204" pitchFamily="34" charset="0"/>
-            </a:endParaRPr>
-          </a:p>
-          <a:p>
-            <a:pPr algn="just">
-              <a:lnSpc>
-                <a:spcPct val="80000"/>
-              </a:lnSpc>
-              <a:spcBef>
-                <a:spcPct val="0"/>
-              </a:spcBef>
-              <a:buFont typeface="Wingdings" panose="05000000000000000000" pitchFamily="2" charset="2"/>
-              <a:buChar char="Ø"/>
-            </a:pPr>
-            <a:r>
-              <a:rPr lang="es-CO" sz="2300" dirty="0">
-                <a:solidFill>
-                  <a:schemeClr val="tx2"/>
-                </a:solidFill>
-                <a:latin typeface="Arial" panose="020B0604020202020204" pitchFamily="34" charset="0"/>
-                <a:cs typeface="Arial" panose="020B0604020202020204" pitchFamily="34" charset="0"/>
-              </a:rPr>
-              <a:t>Diseñar, planear e implementar recursos de seguridad (Seguridad operativa, Seguridad Física, Monitoreo y Control de operaciones de los clientes, empleados y proveedores), alineados a los requerimientos normativos, indicadores de riesgos, indicadores de operaciones y mejoras de seguridad bancaria para mitigar el fraude.</a:t>
-            </a:r>
-          </a:p>
-          <a:p>
-            <a:endParaRPr lang="es-MX" sz="2300" dirty="0"/>
-          </a:p>
-        </p:txBody>
-      </p:sp>
-    </p:spTree>
-    <p:extLst>
-      <p:ext uri="{BB962C8B-B14F-4D97-AF65-F5344CB8AC3E}">
-        <p14:creationId xmlns:p14="http://schemas.microsoft.com/office/powerpoint/2010/main" val="3748518467"/>
+        <p14:creationId xmlns:p14="http://schemas.microsoft.com/office/powerpoint/2010/main" val="2253794230"/>
       </p:ext>
     </p:extLst>
   </p:cSld>
@@ -12039,6 +10405,20 @@
 <file path=ppt/slides/slide5.xml><?xml version="1.0" encoding="utf-8"?>
 <p:sld xmlns:a="http://schemas.openxmlformats.org/drawingml/2006/main" xmlns:r="http://schemas.openxmlformats.org/officeDocument/2006/relationships" xmlns:p="http://schemas.openxmlformats.org/presentationml/2006/main">
   <p:cSld>
+    <p:bg>
+      <p:bgPr>
+        <a:blipFill dpi="0" rotWithShape="1">
+          <a:blip r:embed="rId3">
+            <a:lum/>
+          </a:blip>
+          <a:srcRect/>
+          <a:stretch>
+            <a:fillRect t="-1000" b="-1000"/>
+          </a:stretch>
+        </a:blipFill>
+        <a:effectLst/>
+      </p:bgPr>
+    </p:bg>
     <p:spTree>
       <p:nvGrpSpPr>
         <p:cNvPr id="1" name=""/>
@@ -12055,130 +10435,196 @@
       </p:grpSpPr>
       <p:sp>
         <p:nvSpPr>
-          <p:cNvPr id="2" name="1 Título"/>
-          <p:cNvSpPr>
-            <a:spLocks noGrp="1"/>
-          </p:cNvSpPr>
-          <p:nvPr>
-            <p:ph type="title"/>
-          </p:nvPr>
-        </p:nvSpPr>
-        <p:spPr/>
-        <p:txBody>
-          <a:bodyPr>
-            <a:normAutofit fontScale="90000"/>
+          <p:cNvPr id="2" name="1 Rectángulo"/>
+          <p:cNvSpPr/>
+          <p:nvPr/>
+        </p:nvSpPr>
+        <p:spPr>
+          <a:xfrm>
+            <a:off x="0" y="-2434143"/>
+            <a:ext cx="9144000" cy="9417963"/>
+          </a:xfrm>
+          <a:prstGeom prst="rect">
+            <a:avLst/>
+          </a:prstGeom>
+        </p:spPr>
+        <p:txBody>
+          <a:bodyPr wrap="square">
+            <a:spAutoFit/>
           </a:bodyPr>
           <a:lstStyle/>
           <a:p>
-            <a:r>
-              <a:rPr lang="es-CO" b="1" dirty="0" smtClean="0">
-                <a:solidFill>
-                  <a:schemeClr val="accent1">
-                    <a:lumMod val="75000"/>
-                  </a:schemeClr>
-                </a:solidFill>
-                <a:latin typeface="Arial" panose="020B0604020202020204" pitchFamily="34" charset="0"/>
-                <a:cs typeface="Arial" panose="020B0604020202020204" pitchFamily="34" charset="0"/>
-              </a:rPr>
-              <a:t/>
-            </a:r>
-            <a:br>
-              <a:rPr lang="es-CO" b="1" dirty="0" smtClean="0">
-                <a:solidFill>
-                  <a:schemeClr val="accent1">
-                    <a:lumMod val="75000"/>
-                  </a:schemeClr>
-                </a:solidFill>
-                <a:latin typeface="Arial" panose="020B0604020202020204" pitchFamily="34" charset="0"/>
-                <a:cs typeface="Arial" panose="020B0604020202020204" pitchFamily="34" charset="0"/>
-              </a:rPr>
-            </a:br>
-            <a:r>
-              <a:rPr lang="es-CO" b="1" dirty="0" smtClean="0">
-                <a:solidFill>
-                  <a:schemeClr val="accent1">
-                    <a:lumMod val="75000"/>
-                  </a:schemeClr>
-                </a:solidFill>
-                <a:latin typeface="Arial" panose="020B0604020202020204" pitchFamily="34" charset="0"/>
-                <a:cs typeface="Arial" panose="020B0604020202020204" pitchFamily="34" charset="0"/>
-              </a:rPr>
-              <a:t/>
-            </a:r>
-            <a:br>
-              <a:rPr lang="es-CO" b="1" dirty="0" smtClean="0">
-                <a:solidFill>
-                  <a:schemeClr val="accent1">
-                    <a:lumMod val="75000"/>
-                  </a:schemeClr>
-                </a:solidFill>
-                <a:latin typeface="Arial" panose="020B0604020202020204" pitchFamily="34" charset="0"/>
-                <a:cs typeface="Arial" panose="020B0604020202020204" pitchFamily="34" charset="0"/>
-              </a:rPr>
-            </a:br>
-            <a:r>
-              <a:rPr lang="es-CO" sz="2800" b="1" dirty="0" smtClean="0">
-                <a:solidFill>
-                  <a:schemeClr val="accent1">
-                    <a:lumMod val="75000"/>
-                  </a:schemeClr>
-                </a:solidFill>
-                <a:latin typeface="Arial" panose="020B0604020202020204" pitchFamily="34" charset="0"/>
-                <a:cs typeface="Arial" panose="020B0604020202020204" pitchFamily="34" charset="0"/>
-              </a:rPr>
-              <a:t>OBJETIVOS ESPECIFICOS</a:t>
-            </a:r>
-            <a:r>
-              <a:rPr lang="es-CO" dirty="0">
-                <a:solidFill>
-                  <a:schemeClr val="accent1">
-                    <a:lumMod val="75000"/>
-                  </a:schemeClr>
-                </a:solidFill>
-                <a:latin typeface="Arial" panose="020B0604020202020204" pitchFamily="34" charset="0"/>
-                <a:cs typeface="Arial" panose="020B0604020202020204" pitchFamily="34" charset="0"/>
-              </a:rPr>
-              <a:t/>
-            </a:r>
-            <a:br>
-              <a:rPr lang="es-CO" dirty="0">
-                <a:solidFill>
-                  <a:schemeClr val="accent1">
-                    <a:lumMod val="75000"/>
-                  </a:schemeClr>
-                </a:solidFill>
-                <a:latin typeface="Arial" panose="020B0604020202020204" pitchFamily="34" charset="0"/>
-                <a:cs typeface="Arial" panose="020B0604020202020204" pitchFamily="34" charset="0"/>
-              </a:rPr>
-            </a:br>
-            <a:endParaRPr lang="es-MX" dirty="0"/>
-          </a:p>
-        </p:txBody>
-      </p:sp>
-      <p:sp>
-        <p:nvSpPr>
-          <p:cNvPr id="3" name="2 Marcador de contenido"/>
-          <p:cNvSpPr>
-            <a:spLocks noGrp="1"/>
-          </p:cNvSpPr>
-          <p:nvPr>
-            <p:ph idx="1"/>
-          </p:nvPr>
-        </p:nvSpPr>
-        <p:spPr/>
-        <p:txBody>
-          <a:bodyPr>
-            <a:normAutofit fontScale="70000" lnSpcReduction="20000"/>
-          </a:bodyPr>
-          <a:lstStyle/>
-          <a:p>
-            <a:pPr marL="0" indent="0" algn="just">
+            <a:pPr marL="342900" indent="-342900" algn="just">
               <a:spcBef>
                 <a:spcPct val="0"/>
               </a:spcBef>
-              <a:buNone/>
+              <a:buFont typeface="+mj-lt"/>
+              <a:buAutoNum type="arabicPeriod"/>
+            </a:pPr>
+            <a:endParaRPr lang="es-CO" dirty="0" smtClean="0">
+              <a:solidFill>
+                <a:schemeClr val="tx2"/>
+              </a:solidFill>
+              <a:latin typeface="Arial" charset="0"/>
+            </a:endParaRPr>
+          </a:p>
+          <a:p>
+            <a:pPr marL="342900" indent="-342900" algn="just">
+              <a:spcBef>
+                <a:spcPct val="0"/>
+              </a:spcBef>
+              <a:buFont typeface="+mj-lt"/>
+              <a:buAutoNum type="arabicPeriod"/>
             </a:pPr>
             <a:endParaRPr lang="es-CO" dirty="0">
+              <a:solidFill>
+                <a:schemeClr val="tx2"/>
+              </a:solidFill>
+              <a:latin typeface="Arial" charset="0"/>
+            </a:endParaRPr>
+          </a:p>
+          <a:p>
+            <a:pPr marL="342900" indent="-342900" algn="just">
+              <a:spcBef>
+                <a:spcPct val="0"/>
+              </a:spcBef>
+              <a:buFont typeface="+mj-lt"/>
+              <a:buAutoNum type="arabicPeriod"/>
+            </a:pPr>
+            <a:endParaRPr lang="es-CO" dirty="0" smtClean="0">
+              <a:solidFill>
+                <a:schemeClr val="tx2"/>
+              </a:solidFill>
+              <a:latin typeface="Arial" charset="0"/>
+            </a:endParaRPr>
+          </a:p>
+          <a:p>
+            <a:pPr marL="342900" indent="-342900" algn="just">
+              <a:spcBef>
+                <a:spcPct val="0"/>
+              </a:spcBef>
+              <a:buFont typeface="+mj-lt"/>
+              <a:buAutoNum type="arabicPeriod"/>
+            </a:pPr>
+            <a:endParaRPr lang="es-CO" dirty="0">
+              <a:solidFill>
+                <a:schemeClr val="tx2"/>
+              </a:solidFill>
+              <a:latin typeface="Arial" charset="0"/>
+            </a:endParaRPr>
+          </a:p>
+          <a:p>
+            <a:pPr marL="342900" indent="-342900" algn="just">
+              <a:spcBef>
+                <a:spcPct val="0"/>
+              </a:spcBef>
+              <a:buFont typeface="+mj-lt"/>
+              <a:buAutoNum type="arabicPeriod"/>
+            </a:pPr>
+            <a:endParaRPr lang="es-CO" dirty="0" smtClean="0">
+              <a:solidFill>
+                <a:schemeClr val="tx2"/>
+              </a:solidFill>
+              <a:latin typeface="Arial" charset="0"/>
+            </a:endParaRPr>
+          </a:p>
+          <a:p>
+            <a:pPr marL="342900" indent="-342900" algn="just">
+              <a:spcBef>
+                <a:spcPct val="0"/>
+              </a:spcBef>
+              <a:buFont typeface="+mj-lt"/>
+              <a:buAutoNum type="arabicPeriod"/>
+            </a:pPr>
+            <a:endParaRPr lang="es-CO" dirty="0">
+              <a:solidFill>
+                <a:schemeClr val="tx2"/>
+              </a:solidFill>
+              <a:latin typeface="Arial" charset="0"/>
+            </a:endParaRPr>
+          </a:p>
+          <a:p>
+            <a:pPr marL="342900" indent="-342900" algn="just">
+              <a:spcBef>
+                <a:spcPct val="0"/>
+              </a:spcBef>
+              <a:buFont typeface="+mj-lt"/>
+              <a:buAutoNum type="arabicPeriod"/>
+            </a:pPr>
+            <a:endParaRPr lang="es-CO" dirty="0" smtClean="0">
+              <a:solidFill>
+                <a:schemeClr val="tx2"/>
+              </a:solidFill>
+              <a:latin typeface="Arial" charset="0"/>
+            </a:endParaRPr>
+          </a:p>
+          <a:p>
+            <a:pPr marL="342900" indent="-342900" algn="just">
+              <a:spcBef>
+                <a:spcPct val="0"/>
+              </a:spcBef>
+              <a:buFont typeface="+mj-lt"/>
+              <a:buAutoNum type="arabicPeriod"/>
+            </a:pPr>
+            <a:endParaRPr lang="es-CO" dirty="0">
+              <a:solidFill>
+                <a:schemeClr val="tx2"/>
+              </a:solidFill>
+              <a:latin typeface="Arial" charset="0"/>
+            </a:endParaRPr>
+          </a:p>
+          <a:p>
+            <a:pPr marL="342900" indent="-342900" algn="just">
+              <a:spcBef>
+                <a:spcPct val="0"/>
+              </a:spcBef>
+              <a:buFont typeface="+mj-lt"/>
+              <a:buAutoNum type="arabicPeriod"/>
+            </a:pPr>
+            <a:endParaRPr lang="es-CO" dirty="0" smtClean="0">
+              <a:solidFill>
+                <a:schemeClr val="tx2"/>
+              </a:solidFill>
+              <a:latin typeface="Arial" charset="0"/>
+            </a:endParaRPr>
+          </a:p>
+          <a:p>
+            <a:pPr marL="342900" indent="-342900" algn="just">
+              <a:spcBef>
+                <a:spcPct val="0"/>
+              </a:spcBef>
+              <a:buFont typeface="+mj-lt"/>
+              <a:buAutoNum type="arabicPeriod"/>
+            </a:pPr>
+            <a:endParaRPr lang="es-CO" dirty="0">
+              <a:solidFill>
+                <a:schemeClr val="tx2"/>
+              </a:solidFill>
+              <a:latin typeface="Arial" charset="0"/>
+            </a:endParaRPr>
+          </a:p>
+          <a:p>
+            <a:pPr algn="just">
+              <a:spcBef>
+                <a:spcPct val="0"/>
+              </a:spcBef>
+            </a:pPr>
+            <a:endParaRPr lang="es-CO" sz="1400" dirty="0" smtClean="0">
+              <a:solidFill>
+                <a:schemeClr val="tx2"/>
+              </a:solidFill>
+              <a:latin typeface="Arial" charset="0"/>
+            </a:endParaRPr>
+          </a:p>
+          <a:p>
+            <a:pPr marL="342900" indent="-342900" algn="just">
+              <a:spcBef>
+                <a:spcPct val="0"/>
+              </a:spcBef>
+              <a:buFont typeface="+mj-lt"/>
+              <a:buAutoNum type="arabicPeriod"/>
+            </a:pPr>
+            <a:endParaRPr lang="es-CO" sz="1400" dirty="0">
               <a:solidFill>
                 <a:schemeClr val="tx2"/>
               </a:solidFill>
@@ -12187,33 +10633,80 @@
             </a:endParaRPr>
           </a:p>
           <a:p>
-            <a:pPr algn="just">
+            <a:pPr algn="ctr">
+              <a:spcBef>
+                <a:spcPct val="0"/>
+              </a:spcBef>
+            </a:pPr>
+            <a:r>
+              <a:rPr lang="es-CO" sz="1400" dirty="0">
+                <a:solidFill>
+                  <a:schemeClr val="tx2"/>
+                </a:solidFill>
+                <a:latin typeface="Arial" panose="020B0604020202020204" pitchFamily="34" charset="0"/>
+                <a:cs typeface="Arial" panose="020B0604020202020204" pitchFamily="34" charset="0"/>
+              </a:rPr>
+              <a:t> </a:t>
+            </a:r>
+            <a:r>
+              <a:rPr lang="es-CO" sz="1400" dirty="0" smtClean="0">
+                <a:solidFill>
+                  <a:schemeClr val="tx2"/>
+                </a:solidFill>
+                <a:latin typeface="Arial" panose="020B0604020202020204" pitchFamily="34" charset="0"/>
+                <a:cs typeface="Arial" panose="020B0604020202020204" pitchFamily="34" charset="0"/>
+              </a:rPr>
+              <a:t>     </a:t>
+            </a:r>
+            <a:r>
+              <a:rPr lang="es-CO" sz="2000" b="1" dirty="0" smtClean="0">
+                <a:solidFill>
+                  <a:schemeClr val="accent1">
+                    <a:lumMod val="75000"/>
+                  </a:schemeClr>
+                </a:solidFill>
+                <a:latin typeface="Arial" panose="020B0604020202020204" pitchFamily="34" charset="0"/>
+                <a:cs typeface="Arial" panose="020B0604020202020204" pitchFamily="34" charset="0"/>
+              </a:rPr>
+              <a:t>Objetivos específicos del área</a:t>
+            </a:r>
+            <a:endParaRPr lang="es-CO" sz="2000" dirty="0" smtClean="0">
+              <a:solidFill>
+                <a:schemeClr val="accent1">
+                  <a:lumMod val="75000"/>
+                </a:schemeClr>
+              </a:solidFill>
+              <a:latin typeface="Arial" panose="020B0604020202020204" pitchFamily="34" charset="0"/>
+              <a:cs typeface="Arial" panose="020B0604020202020204" pitchFamily="34" charset="0"/>
+            </a:endParaRPr>
+          </a:p>
+          <a:p>
+            <a:pPr marL="342900" indent="-342900" algn="just">
               <a:spcBef>
                 <a:spcPct val="0"/>
               </a:spcBef>
               <a:buFont typeface="Wingdings" panose="05000000000000000000" pitchFamily="2" charset="2"/>
               <a:buChar char="Ø"/>
             </a:pPr>
-            <a:r>
-              <a:rPr lang="es-CO" sz="3300" dirty="0">
-                <a:solidFill>
-                  <a:schemeClr val="tx2"/>
-                </a:solidFill>
-                <a:latin typeface="Arial" panose="020B0604020202020204" pitchFamily="34" charset="0"/>
-                <a:cs typeface="Arial" panose="020B0604020202020204" pitchFamily="34" charset="0"/>
-              </a:rPr>
-              <a:t>Efectuar labores de investigación interna, frente a situaciones derivadas de fraudes internos o externos.</a:t>
-            </a:r>
-          </a:p>
-          <a:p>
-            <a:pPr algn="just">
+            <a:endParaRPr lang="es-CO" sz="1400" dirty="0" smtClean="0">
+              <a:solidFill>
+                <a:schemeClr val="accent1">
+                  <a:lumMod val="75000"/>
+                </a:schemeClr>
+              </a:solidFill>
+              <a:latin typeface="Arial" panose="020B0604020202020204" pitchFamily="34" charset="0"/>
+              <a:cs typeface="Arial" panose="020B0604020202020204" pitchFamily="34" charset="0"/>
+            </a:endParaRPr>
+          </a:p>
+          <a:p>
+            <a:pPr marL="342900" indent="-342900" algn="just">
               <a:spcBef>
                 <a:spcPct val="0"/>
               </a:spcBef>
               <a:buFont typeface="Wingdings" panose="05000000000000000000" pitchFamily="2" charset="2"/>
               <a:buChar char="Ø"/>
             </a:pPr>
-            <a:endParaRPr lang="es-CO" sz="3300" dirty="0">
+            <a:endParaRPr lang="es-CO" sz="1400" dirty="0">
               <a:solidFill>
                 <a:schemeClr val="tx2"/>
               </a:solidFill>
@@ -12222,7 +10715,7 @@
             </a:endParaRPr>
           </a:p>
           <a:p>
-            <a:pPr algn="just">
+            <a:pPr marL="342900" indent="-342900" algn="just">
               <a:spcBef>
                 <a:spcPct val="0"/>
               </a:spcBef>
@@ -12230,25 +10723,106 @@
               <a:buChar char="Ø"/>
             </a:pPr>
             <a:r>
-              <a:rPr lang="es-CO" sz="3300" dirty="0">
+              <a:rPr lang="es-CO" sz="1400" dirty="0" smtClean="0">
                 <a:solidFill>
                   <a:schemeClr val="tx2"/>
                 </a:solidFill>
                 <a:latin typeface="Arial" panose="020B0604020202020204" pitchFamily="34" charset="0"/>
                 <a:cs typeface="Arial" panose="020B0604020202020204" pitchFamily="34" charset="0"/>
               </a:rPr>
-              <a:t>Instaurar las denuncias penales y realizar seguimiento a los procesos. </a:t>
+              <a:t>Proteger la </a:t>
+            </a:r>
+            <a:r>
+              <a:rPr lang="es-CO" sz="1400" dirty="0">
+                <a:solidFill>
+                  <a:schemeClr val="tx2"/>
+                </a:solidFill>
+                <a:latin typeface="Arial" panose="020B0604020202020204" pitchFamily="34" charset="0"/>
+                <a:cs typeface="Arial" panose="020B0604020202020204" pitchFamily="34" charset="0"/>
+              </a:rPr>
+              <a:t>vida humana,  las operaciones, la imagen Corporativa, la información y el patrimonio de la Entidad</a:t>
+            </a:r>
+            <a:r>
+              <a:rPr lang="es-CO" sz="1400" dirty="0" smtClean="0">
+                <a:solidFill>
+                  <a:schemeClr val="tx2"/>
+                </a:solidFill>
+                <a:latin typeface="Arial" panose="020B0604020202020204" pitchFamily="34" charset="0"/>
+                <a:cs typeface="Arial" panose="020B0604020202020204" pitchFamily="34" charset="0"/>
+              </a:rPr>
+              <a:t>.</a:t>
             </a:r>
           </a:p>
           <a:p>
             <a:pPr algn="just">
+              <a:spcBef>
+                <a:spcPct val="0"/>
+              </a:spcBef>
+            </a:pPr>
+            <a:endParaRPr lang="es-CO" sz="1400" dirty="0" smtClean="0">
+              <a:solidFill>
+                <a:schemeClr val="tx2"/>
+              </a:solidFill>
+              <a:latin typeface="Arial" panose="020B0604020202020204" pitchFamily="34" charset="0"/>
+              <a:cs typeface="Arial" panose="020B0604020202020204" pitchFamily="34" charset="0"/>
+            </a:endParaRPr>
+          </a:p>
+          <a:p>
+            <a:pPr marL="342900" indent="-342900" algn="just">
               <a:spcBef>
                 <a:spcPct val="0"/>
               </a:spcBef>
               <a:buFont typeface="Wingdings" panose="05000000000000000000" pitchFamily="2" charset="2"/>
               <a:buChar char="Ø"/>
             </a:pPr>
-            <a:endParaRPr lang="es-CO" sz="3300" dirty="0">
+            <a:r>
+              <a:rPr lang="es-CO" sz="1400" dirty="0" smtClean="0">
+                <a:solidFill>
+                  <a:schemeClr val="tx2"/>
+                </a:solidFill>
+                <a:latin typeface="Arial" panose="020B0604020202020204" pitchFamily="34" charset="0"/>
+                <a:cs typeface="Arial" panose="020B0604020202020204" pitchFamily="34" charset="0"/>
+              </a:rPr>
+              <a:t>Gestionar </a:t>
+            </a:r>
+            <a:r>
+              <a:rPr lang="es-CO" sz="1400" dirty="0">
+                <a:solidFill>
+                  <a:schemeClr val="tx2"/>
+                </a:solidFill>
+                <a:latin typeface="Arial" panose="020B0604020202020204" pitchFamily="34" charset="0"/>
+                <a:cs typeface="Arial" panose="020B0604020202020204" pitchFamily="34" charset="0"/>
+              </a:rPr>
+              <a:t>que los miembros de la entidad cumplan con los procesos de Seguridad </a:t>
+            </a:r>
+            <a:r>
+              <a:rPr lang="es-CO" sz="1400" dirty="0" smtClean="0">
+                <a:solidFill>
+                  <a:schemeClr val="tx2"/>
+                </a:solidFill>
+                <a:latin typeface="Arial" panose="020B0604020202020204" pitchFamily="34" charset="0"/>
+                <a:cs typeface="Arial" panose="020B0604020202020204" pitchFamily="34" charset="0"/>
+              </a:rPr>
+              <a:t>Física, Operativa, Electrónica, de </a:t>
+            </a:r>
+            <a:r>
+              <a:rPr lang="es-CO" sz="1400" dirty="0">
+                <a:solidFill>
+                  <a:schemeClr val="tx2"/>
+                </a:solidFill>
+                <a:latin typeface="Arial" panose="020B0604020202020204" pitchFamily="34" charset="0"/>
+                <a:cs typeface="Arial" panose="020B0604020202020204" pitchFamily="34" charset="0"/>
+              </a:rPr>
+              <a:t>Monitoreo transaccional en las operaciones, en cumplimiento de la normatividad vigente.</a:t>
+            </a:r>
+          </a:p>
+          <a:p>
+            <a:pPr algn="just">
+              <a:spcBef>
+                <a:spcPct val="0"/>
+              </a:spcBef>
+            </a:pPr>
+            <a:endParaRPr lang="es-CO" sz="1400" dirty="0">
               <a:solidFill>
                 <a:schemeClr val="tx2"/>
               </a:solidFill>
@@ -12257,7 +10831,7 @@
             </a:endParaRPr>
           </a:p>
           <a:p>
-            <a:pPr algn="just">
+            <a:pPr marL="342900" indent="-342900" algn="just">
               <a:spcBef>
                 <a:spcPct val="0"/>
               </a:spcBef>
@@ -12265,25 +10839,102 @@
               <a:buChar char="Ø"/>
             </a:pPr>
             <a:r>
-              <a:rPr lang="es-CO" sz="3300" dirty="0">
+              <a:rPr lang="es-CO" sz="1400" dirty="0">
                 <a:solidFill>
                   <a:schemeClr val="tx2"/>
                 </a:solidFill>
                 <a:latin typeface="Arial" panose="020B0604020202020204" pitchFamily="34" charset="0"/>
                 <a:cs typeface="Arial" panose="020B0604020202020204" pitchFamily="34" charset="0"/>
               </a:rPr>
-              <a:t>Evaluar, diseñar, coordinar e implementar  los protocolos y procesos de seguridad Bancaria que garanticen un alto nivel de seguridad al interior  de la Entidad.</a:t>
-            </a:r>
-          </a:p>
-          <a:p>
-            <a:pPr algn="just">
+              <a:t>Diseñar, planear e implementar recursos de seguridad (Seguridad operativa, Seguridad Física, Monitoreo y Control de operaciones de los clientes, empleados y proveedores), </a:t>
+            </a:r>
+            <a:r>
+              <a:rPr lang="es-CO" sz="1400" dirty="0" smtClean="0">
+                <a:solidFill>
+                  <a:schemeClr val="tx2"/>
+                </a:solidFill>
+                <a:latin typeface="Arial" panose="020B0604020202020204" pitchFamily="34" charset="0"/>
+                <a:cs typeface="Arial" panose="020B0604020202020204" pitchFamily="34" charset="0"/>
+              </a:rPr>
+              <a:t>alineados </a:t>
+            </a:r>
+            <a:r>
+              <a:rPr lang="es-CO" sz="1400" dirty="0">
+                <a:solidFill>
+                  <a:schemeClr val="tx2"/>
+                </a:solidFill>
+                <a:latin typeface="Arial" panose="020B0604020202020204" pitchFamily="34" charset="0"/>
+                <a:cs typeface="Arial" panose="020B0604020202020204" pitchFamily="34" charset="0"/>
+              </a:rPr>
+              <a:t>a los requerimientos normativos, indicadores de riesgos, indicadores de operaciones y </a:t>
+            </a:r>
+            <a:r>
+              <a:rPr lang="es-CO" sz="1400" dirty="0" smtClean="0">
+                <a:solidFill>
+                  <a:schemeClr val="tx2"/>
+                </a:solidFill>
+                <a:latin typeface="Arial" panose="020B0604020202020204" pitchFamily="34" charset="0"/>
+                <a:cs typeface="Arial" panose="020B0604020202020204" pitchFamily="34" charset="0"/>
+              </a:rPr>
+              <a:t>mejoras </a:t>
+            </a:r>
+            <a:r>
+              <a:rPr lang="es-CO" sz="1400" dirty="0">
+                <a:solidFill>
+                  <a:schemeClr val="tx2"/>
+                </a:solidFill>
+                <a:latin typeface="Arial" panose="020B0604020202020204" pitchFamily="34" charset="0"/>
+                <a:cs typeface="Arial" panose="020B0604020202020204" pitchFamily="34" charset="0"/>
+              </a:rPr>
+              <a:t>de seguridad </a:t>
+            </a:r>
+            <a:r>
+              <a:rPr lang="es-CO" sz="1400" dirty="0" smtClean="0">
+                <a:solidFill>
+                  <a:schemeClr val="tx2"/>
+                </a:solidFill>
+                <a:latin typeface="Arial" panose="020B0604020202020204" pitchFamily="34" charset="0"/>
+                <a:cs typeface="Arial" panose="020B0604020202020204" pitchFamily="34" charset="0"/>
+              </a:rPr>
+              <a:t>bancaria</a:t>
+            </a:r>
+            <a:r>
+              <a:rPr lang="es-CO" sz="1400" dirty="0">
+                <a:solidFill>
+                  <a:schemeClr val="tx2"/>
+                </a:solidFill>
+                <a:latin typeface="Arial" panose="020B0604020202020204" pitchFamily="34" charset="0"/>
+                <a:cs typeface="Arial" panose="020B0604020202020204" pitchFamily="34" charset="0"/>
+              </a:rPr>
+              <a:t> </a:t>
+            </a:r>
+            <a:r>
+              <a:rPr lang="es-CO" sz="1400" dirty="0" smtClean="0">
+                <a:solidFill>
+                  <a:schemeClr val="tx2"/>
+                </a:solidFill>
+                <a:latin typeface="Arial" panose="020B0604020202020204" pitchFamily="34" charset="0"/>
+                <a:cs typeface="Arial" panose="020B0604020202020204" pitchFamily="34" charset="0"/>
+              </a:rPr>
+              <a:t>para mitigar el fraude.</a:t>
+            </a:r>
+            <a:endParaRPr lang="es-CO" sz="1400" dirty="0">
+              <a:solidFill>
+                <a:schemeClr val="tx2"/>
+              </a:solidFill>
+              <a:latin typeface="Arial" panose="020B0604020202020204" pitchFamily="34" charset="0"/>
+              <a:cs typeface="Arial" panose="020B0604020202020204" pitchFamily="34" charset="0"/>
+            </a:endParaRPr>
+          </a:p>
+          <a:p>
+            <a:pPr marL="342900" indent="-342900" algn="just">
               <a:spcBef>
                 <a:spcPct val="0"/>
               </a:spcBef>
               <a:buFont typeface="Wingdings" panose="05000000000000000000" pitchFamily="2" charset="2"/>
               <a:buChar char="Ø"/>
             </a:pPr>
-            <a:endParaRPr lang="es-CO" sz="3300" dirty="0">
+            <a:endParaRPr lang="es-CO" sz="1400" dirty="0">
               <a:solidFill>
                 <a:schemeClr val="tx2"/>
               </a:solidFill>
@@ -12292,7 +10943,7 @@
             </a:endParaRPr>
           </a:p>
           <a:p>
-            <a:pPr algn="just">
+            <a:pPr marL="342900" indent="-342900" algn="just">
               <a:spcBef>
                 <a:spcPct val="0"/>
               </a:spcBef>
@@ -12300,25 +10951,284 @@
               <a:buChar char="Ø"/>
             </a:pPr>
             <a:r>
-              <a:rPr lang="es-CO" sz="3300" dirty="0">
+              <a:rPr lang="es-CO" sz="1400" dirty="0">
                 <a:solidFill>
                   <a:schemeClr val="tx2"/>
                 </a:solidFill>
                 <a:latin typeface="Arial" panose="020B0604020202020204" pitchFamily="34" charset="0"/>
                 <a:cs typeface="Arial" panose="020B0604020202020204" pitchFamily="34" charset="0"/>
               </a:rPr>
-              <a:t>Generar continuamente programas de capacitación en Seguridad Bancaria  hacia los funcionarios con el fin de mantener una cultura financiera y preventiva hacia el fraude en la Entidad.</a:t>
-            </a:r>
-          </a:p>
-          <a:p>
-            <a:endParaRPr lang="es-MX" dirty="0"/>
+              <a:t>Efectuar labores de </a:t>
+            </a:r>
+            <a:r>
+              <a:rPr lang="es-CO" sz="1400" dirty="0" smtClean="0">
+                <a:solidFill>
+                  <a:schemeClr val="tx2"/>
+                </a:solidFill>
+                <a:latin typeface="Arial" panose="020B0604020202020204" pitchFamily="34" charset="0"/>
+                <a:cs typeface="Arial" panose="020B0604020202020204" pitchFamily="34" charset="0"/>
+              </a:rPr>
+              <a:t>Detección, prevención y mitigación del </a:t>
+            </a:r>
+            <a:r>
+              <a:rPr lang="es-CO" sz="1400" dirty="0">
+                <a:solidFill>
+                  <a:schemeClr val="tx2"/>
+                </a:solidFill>
+                <a:latin typeface="Arial" panose="020B0604020202020204" pitchFamily="34" charset="0"/>
+                <a:cs typeface="Arial" panose="020B0604020202020204" pitchFamily="34" charset="0"/>
+              </a:rPr>
+              <a:t>riesgo de fraude </a:t>
+            </a:r>
+            <a:r>
+              <a:rPr lang="es-CO" sz="1400" dirty="0" smtClean="0">
+                <a:solidFill>
+                  <a:schemeClr val="tx2"/>
+                </a:solidFill>
+                <a:latin typeface="Arial" panose="020B0604020202020204" pitchFamily="34" charset="0"/>
+                <a:cs typeface="Arial" panose="020B0604020202020204" pitchFamily="34" charset="0"/>
+              </a:rPr>
+              <a:t>interno y externo en y hacia </a:t>
+            </a:r>
+            <a:r>
+              <a:rPr lang="es-CO" sz="1400" dirty="0">
+                <a:solidFill>
+                  <a:schemeClr val="tx2"/>
+                </a:solidFill>
+                <a:latin typeface="Arial" panose="020B0604020202020204" pitchFamily="34" charset="0"/>
+                <a:cs typeface="Arial" panose="020B0604020202020204" pitchFamily="34" charset="0"/>
+              </a:rPr>
+              <a:t>la entidad (programa antifraude- Comité Antifraude</a:t>
+            </a:r>
+            <a:r>
+              <a:rPr lang="es-CO" sz="1400" dirty="0" smtClean="0">
+                <a:solidFill>
+                  <a:schemeClr val="tx2"/>
+                </a:solidFill>
+                <a:latin typeface="Arial" panose="020B0604020202020204" pitchFamily="34" charset="0"/>
+                <a:cs typeface="Arial" panose="020B0604020202020204" pitchFamily="34" charset="0"/>
+              </a:rPr>
+              <a:t>)</a:t>
+            </a:r>
+          </a:p>
+          <a:p>
+            <a:pPr algn="just">
+              <a:spcBef>
+                <a:spcPct val="0"/>
+              </a:spcBef>
+            </a:pPr>
+            <a:endParaRPr lang="es-CO" sz="1400" dirty="0">
+              <a:solidFill>
+                <a:schemeClr val="tx2"/>
+              </a:solidFill>
+              <a:latin typeface="Arial" panose="020B0604020202020204" pitchFamily="34" charset="0"/>
+              <a:cs typeface="Arial" panose="020B0604020202020204" pitchFamily="34" charset="0"/>
+            </a:endParaRPr>
+          </a:p>
+          <a:p>
+            <a:pPr marL="342900" indent="-342900" algn="just">
+              <a:spcBef>
+                <a:spcPct val="0"/>
+              </a:spcBef>
+              <a:buFont typeface="Wingdings" panose="05000000000000000000" pitchFamily="2" charset="2"/>
+              <a:buChar char="Ø"/>
+            </a:pPr>
+            <a:r>
+              <a:rPr lang="es-CO" sz="1400" dirty="0">
+                <a:solidFill>
+                  <a:schemeClr val="tx2"/>
+                </a:solidFill>
+                <a:latin typeface="Arial" panose="020B0604020202020204" pitchFamily="34" charset="0"/>
+                <a:cs typeface="Arial" panose="020B0604020202020204" pitchFamily="34" charset="0"/>
+              </a:rPr>
+              <a:t>Efectuar labores de investigación interna, frente a situaciones derivadas de fraudes internos o externos.</a:t>
+            </a:r>
+          </a:p>
+          <a:p>
+            <a:pPr marL="342900" indent="-342900" algn="just">
+              <a:spcBef>
+                <a:spcPct val="0"/>
+              </a:spcBef>
+              <a:buFont typeface="Wingdings" panose="05000000000000000000" pitchFamily="2" charset="2"/>
+              <a:buChar char="Ø"/>
+            </a:pPr>
+            <a:endParaRPr lang="es-CO" sz="1400" dirty="0">
+              <a:solidFill>
+                <a:schemeClr val="tx2"/>
+              </a:solidFill>
+              <a:latin typeface="Arial" panose="020B0604020202020204" pitchFamily="34" charset="0"/>
+              <a:cs typeface="Arial" panose="020B0604020202020204" pitchFamily="34" charset="0"/>
+            </a:endParaRPr>
+          </a:p>
+          <a:p>
+            <a:pPr marL="342900" indent="-342900" algn="just">
+              <a:spcBef>
+                <a:spcPct val="0"/>
+              </a:spcBef>
+              <a:buFont typeface="Wingdings" panose="05000000000000000000" pitchFamily="2" charset="2"/>
+              <a:buChar char="Ø"/>
+            </a:pPr>
+            <a:r>
+              <a:rPr lang="es-CO" sz="1400" dirty="0">
+                <a:solidFill>
+                  <a:schemeClr val="tx2"/>
+                </a:solidFill>
+                <a:latin typeface="Arial" panose="020B0604020202020204" pitchFamily="34" charset="0"/>
+                <a:cs typeface="Arial" panose="020B0604020202020204" pitchFamily="34" charset="0"/>
+              </a:rPr>
+              <a:t>Instaurar las denuncias penales y realizar seguimiento a los procesos</a:t>
+            </a:r>
+            <a:r>
+              <a:rPr lang="es-CO" sz="1400" dirty="0">
+                <a:solidFill>
+                  <a:schemeClr val="tx2"/>
+                </a:solidFill>
+                <a:latin typeface="Arial" charset="0"/>
+              </a:rPr>
+              <a:t>. </a:t>
+            </a:r>
+            <a:endParaRPr lang="es-CO" sz="1400" dirty="0" smtClean="0">
+              <a:solidFill>
+                <a:schemeClr val="tx2"/>
+              </a:solidFill>
+              <a:latin typeface="Arial" charset="0"/>
+            </a:endParaRPr>
+          </a:p>
+          <a:p>
+            <a:pPr marL="342900" indent="-342900" algn="just">
+              <a:spcBef>
+                <a:spcPct val="0"/>
+              </a:spcBef>
+              <a:buFont typeface="Wingdings" panose="05000000000000000000" pitchFamily="2" charset="2"/>
+              <a:buChar char="Ø"/>
+            </a:pPr>
+            <a:endParaRPr lang="es-CO" sz="1400" dirty="0">
+              <a:solidFill>
+                <a:schemeClr val="tx2"/>
+              </a:solidFill>
+              <a:latin typeface="Arial" panose="020B0604020202020204" pitchFamily="34" charset="0"/>
+              <a:cs typeface="Arial" panose="020B0604020202020204" pitchFamily="34" charset="0"/>
+            </a:endParaRPr>
+          </a:p>
+          <a:p>
+            <a:pPr marL="342900" indent="-342900" algn="just">
+              <a:spcBef>
+                <a:spcPct val="0"/>
+              </a:spcBef>
+              <a:buFont typeface="Wingdings" panose="05000000000000000000" pitchFamily="2" charset="2"/>
+              <a:buChar char="Ø"/>
+            </a:pPr>
+            <a:r>
+              <a:rPr lang="es-CO" sz="1400" dirty="0">
+                <a:solidFill>
+                  <a:schemeClr val="tx2"/>
+                </a:solidFill>
+                <a:latin typeface="Arial" panose="020B0604020202020204" pitchFamily="34" charset="0"/>
+                <a:cs typeface="Arial" panose="020B0604020202020204" pitchFamily="34" charset="0"/>
+              </a:rPr>
+              <a:t>Evaluar, diseñar, coordinar e implementar  los protocolos y procesos de seguridad Bancaria que garanticen un alto nivel de seguridad al interior  de la Entidad</a:t>
+            </a:r>
+            <a:r>
+              <a:rPr lang="es-CO" sz="1400" dirty="0" smtClean="0">
+                <a:solidFill>
+                  <a:schemeClr val="tx2"/>
+                </a:solidFill>
+                <a:latin typeface="Arial" panose="020B0604020202020204" pitchFamily="34" charset="0"/>
+                <a:cs typeface="Arial" panose="020B0604020202020204" pitchFamily="34" charset="0"/>
+              </a:rPr>
+              <a:t>.</a:t>
+            </a:r>
+            <a:endParaRPr lang="es-CO" sz="1400" dirty="0" smtClean="0">
+              <a:solidFill>
+                <a:schemeClr val="tx2"/>
+              </a:solidFill>
+              <a:latin typeface="Arial" charset="0"/>
+            </a:endParaRPr>
+          </a:p>
+          <a:p>
+            <a:pPr marL="342900" indent="-342900" algn="just">
+              <a:spcBef>
+                <a:spcPct val="0"/>
+              </a:spcBef>
+              <a:buFont typeface="Wingdings" panose="05000000000000000000" pitchFamily="2" charset="2"/>
+              <a:buChar char="Ø"/>
+            </a:pPr>
+            <a:endParaRPr lang="es-CO" sz="1400" dirty="0">
+              <a:solidFill>
+                <a:schemeClr val="tx2"/>
+              </a:solidFill>
+              <a:latin typeface="Arial" charset="0"/>
+            </a:endParaRPr>
+          </a:p>
+          <a:p>
+            <a:pPr marL="342900" indent="-342900" algn="just">
+              <a:spcBef>
+                <a:spcPct val="0"/>
+              </a:spcBef>
+              <a:buFont typeface="Wingdings" panose="05000000000000000000" pitchFamily="2" charset="2"/>
+              <a:buChar char="Ø"/>
+            </a:pPr>
+            <a:r>
+              <a:rPr lang="es-CO" sz="1400" dirty="0" smtClean="0">
+                <a:solidFill>
+                  <a:schemeClr val="tx2"/>
+                </a:solidFill>
+                <a:latin typeface="Arial" charset="0"/>
+              </a:rPr>
+              <a:t>Generar continuamente programas de capacitación en Seguridad Bancaria  hacia los funcionarios con el fin de mantener una cultura financiera y preventiva hacia el fraude en la Entidad</a:t>
+            </a:r>
+            <a:r>
+              <a:rPr lang="es-CO" sz="1400" dirty="0" smtClean="0">
+                <a:solidFill>
+                  <a:schemeClr val="accent1">
+                    <a:lumMod val="75000"/>
+                  </a:schemeClr>
+                </a:solidFill>
+                <a:latin typeface="Arial" charset="0"/>
+              </a:rPr>
+              <a:t>.</a:t>
+            </a:r>
+          </a:p>
+          <a:p>
+            <a:pPr marL="342900" indent="-342900" algn="just">
+              <a:spcBef>
+                <a:spcPct val="0"/>
+              </a:spcBef>
+              <a:buFont typeface="Wingdings" panose="05000000000000000000" pitchFamily="2" charset="2"/>
+              <a:buChar char="Ø"/>
+            </a:pPr>
+            <a:endParaRPr lang="es-CO" sz="1400" dirty="0">
+              <a:solidFill>
+                <a:schemeClr val="accent1">
+                  <a:lumMod val="75000"/>
+                </a:schemeClr>
+              </a:solidFill>
+              <a:latin typeface="Arial" charset="0"/>
+            </a:endParaRPr>
+          </a:p>
+          <a:p>
+            <a:pPr marL="342900" indent="-342900" algn="just">
+              <a:spcBef>
+                <a:spcPct val="0"/>
+              </a:spcBef>
+              <a:buFont typeface="Wingdings" panose="05000000000000000000" pitchFamily="2" charset="2"/>
+              <a:buChar char="Ø"/>
+            </a:pPr>
+            <a:endParaRPr lang="es-CO" sz="1400" dirty="0" smtClean="0">
+              <a:solidFill>
+                <a:schemeClr val="accent1">
+                  <a:lumMod val="75000"/>
+                </a:schemeClr>
+              </a:solidFill>
+              <a:latin typeface="Arial" charset="0"/>
+            </a:endParaRPr>
           </a:p>
         </p:txBody>
       </p:sp>
     </p:spTree>
     <p:extLst>
       <p:ext uri="{BB962C8B-B14F-4D97-AF65-F5344CB8AC3E}">
-        <p14:creationId xmlns:p14="http://schemas.microsoft.com/office/powerpoint/2010/main" val="551948733"/>
+        <p14:creationId xmlns:p14="http://schemas.microsoft.com/office/powerpoint/2010/main" val="860882166"/>
       </p:ext>
     </p:extLst>
   </p:cSld>
@@ -12797,7 +11707,7 @@
         <p:spPr>
           <a:xfrm>
             <a:off x="313665" y="836712"/>
-            <a:ext cx="8589445" cy="4616648"/>
+            <a:ext cx="8589445" cy="3952364"/>
           </a:xfrm>
           <a:prstGeom prst="rect">
             <a:avLst/>
@@ -12813,30 +11723,370 @@
           </a:bodyPr>
           <a:lstStyle/>
           <a:p>
-            <a:pPr marL="342900" lvl="1" indent="-342900" algn="just">
+            <a:pPr lvl="1" algn="just">
               <a:lnSpc>
-                <a:spcPct val="80000"/>
+                <a:spcPts val="1350"/>
               </a:lnSpc>
               <a:spcBef>
-                <a:spcPct val="0"/>
+                <a:spcPts val="675"/>
               </a:spcBef>
               <a:spcAft>
                 <a:spcPts val="675"/>
               </a:spcAft>
-              <a:buFont typeface="Wingdings" panose="05000000000000000000" pitchFamily="2" charset="2"/>
-              <a:buChar char="Ø"/>
             </a:pPr>
             <a:r>
-              <a:rPr lang="es-CO" sz="2000" dirty="0" smtClean="0">
+              <a:rPr lang="es-CO" sz="1400" b="1" dirty="0" smtClean="0">
+                <a:solidFill>
+                  <a:schemeClr val="tx2"/>
+                </a:solidFill>
+                <a:latin typeface="Arial" panose="020B0604020202020204" pitchFamily="34" charset="0"/>
+                <a:ea typeface="Times New Roman"/>
+                <a:cs typeface="Arial" panose="020B0604020202020204" pitchFamily="34" charset="0"/>
+              </a:rPr>
+              <a:t>Seguridad</a:t>
+            </a:r>
+          </a:p>
+          <a:p>
+            <a:pPr lvl="1" algn="just">
+              <a:lnSpc>
+                <a:spcPts val="1350"/>
+              </a:lnSpc>
+              <a:spcBef>
+                <a:spcPts val="675"/>
+              </a:spcBef>
+              <a:spcAft>
+                <a:spcPts val="675"/>
+              </a:spcAft>
+            </a:pPr>
+            <a:r>
+              <a:rPr lang="es-CO" sz="1400" dirty="0" smtClean="0">
+                <a:solidFill>
+                  <a:schemeClr val="tx2"/>
+                </a:solidFill>
+                <a:latin typeface="Arial" panose="020B0604020202020204" pitchFamily="34" charset="0"/>
+                <a:ea typeface="Times New Roman"/>
+                <a:cs typeface="Arial" panose="020B0604020202020204" pitchFamily="34" charset="0"/>
+              </a:rPr>
+              <a:t>Es la sensación </a:t>
+            </a:r>
+            <a:r>
+              <a:rPr lang="es-CO" sz="1400" dirty="0">
+                <a:solidFill>
+                  <a:schemeClr val="tx2"/>
+                </a:solidFill>
+                <a:latin typeface="Arial" panose="020B0604020202020204" pitchFamily="34" charset="0"/>
+                <a:ea typeface="Times New Roman"/>
+                <a:cs typeface="Arial" panose="020B0604020202020204" pitchFamily="34" charset="0"/>
+              </a:rPr>
+              <a:t>de </a:t>
+            </a:r>
+            <a:r>
+              <a:rPr lang="es-CO" sz="1400" dirty="0" smtClean="0">
+                <a:solidFill>
+                  <a:schemeClr val="tx2"/>
+                </a:solidFill>
+                <a:latin typeface="Arial" panose="020B0604020202020204" pitchFamily="34" charset="0"/>
+                <a:ea typeface="Times New Roman"/>
+                <a:cs typeface="Arial" panose="020B0604020202020204" pitchFamily="34" charset="0"/>
+              </a:rPr>
+              <a:t>confianza, la ausencia de peligro, daño o riesgo ante cualquier circunstancia. (seguridad informática, seguridad jurídica, seguridad industrial, seguridad Operativa, seguridad física).</a:t>
+            </a:r>
+          </a:p>
+          <a:p>
+            <a:pPr lvl="1" algn="just">
+              <a:lnSpc>
+                <a:spcPts val="1350"/>
+              </a:lnSpc>
+              <a:spcBef>
+                <a:spcPts val="675"/>
+              </a:spcBef>
+              <a:spcAft>
+                <a:spcPts val="675"/>
+              </a:spcAft>
+            </a:pPr>
+            <a:r>
+              <a:rPr lang="es-CO" sz="1400" b="1" dirty="0" smtClean="0">
+                <a:solidFill>
+                  <a:schemeClr val="tx2"/>
+                </a:solidFill>
+                <a:latin typeface="Arial" panose="020B0604020202020204" pitchFamily="34" charset="0"/>
+                <a:ea typeface="Times New Roman"/>
+                <a:cs typeface="Arial" panose="020B0604020202020204" pitchFamily="34" charset="0"/>
+              </a:rPr>
+              <a:t>Seguridad </a:t>
+            </a:r>
+            <a:r>
+              <a:rPr lang="es-CO" sz="1400" b="1" dirty="0">
+                <a:solidFill>
+                  <a:schemeClr val="tx2"/>
+                </a:solidFill>
+                <a:latin typeface="Arial" panose="020B0604020202020204" pitchFamily="34" charset="0"/>
+                <a:ea typeface="Times New Roman"/>
+                <a:cs typeface="Arial" panose="020B0604020202020204" pitchFamily="34" charset="0"/>
+              </a:rPr>
+              <a:t>Física</a:t>
+            </a:r>
+            <a:r>
+              <a:rPr lang="es-CO" sz="1400" b="1" dirty="0" smtClean="0">
+                <a:solidFill>
+                  <a:schemeClr val="tx2"/>
+                </a:solidFill>
+                <a:latin typeface="Arial" panose="020B0604020202020204" pitchFamily="34" charset="0"/>
+                <a:ea typeface="Times New Roman"/>
+                <a:cs typeface="Arial" panose="020B0604020202020204" pitchFamily="34" charset="0"/>
+              </a:rPr>
+              <a:t>.</a:t>
+            </a:r>
+          </a:p>
+          <a:p>
+            <a:pPr lvl="1" algn="just">
+              <a:lnSpc>
+                <a:spcPts val="1350"/>
+              </a:lnSpc>
+              <a:spcBef>
+                <a:spcPts val="675"/>
+              </a:spcBef>
+              <a:spcAft>
+                <a:spcPts val="675"/>
+              </a:spcAft>
+            </a:pPr>
+            <a:r>
+              <a:rPr lang="es-CO" sz="1400" dirty="0" smtClean="0">
                 <a:solidFill>
                   <a:schemeClr val="tx2"/>
                 </a:solidFill>
                 <a:latin typeface="Arial" panose="020B0604020202020204" pitchFamily="34" charset="0"/>
                 <a:cs typeface="Arial" panose="020B0604020202020204" pitchFamily="34" charset="0"/>
               </a:rPr>
-              <a:t>  Seguridad</a:t>
-            </a:r>
-            <a:endParaRPr lang="es-CO" sz="2000" dirty="0">
+              <a:t>Es la identificación, análisis </a:t>
+            </a:r>
+            <a:r>
+              <a:rPr lang="es-CO" sz="1400" dirty="0">
+                <a:solidFill>
+                  <a:schemeClr val="tx2"/>
+                </a:solidFill>
+                <a:latin typeface="Arial" panose="020B0604020202020204" pitchFamily="34" charset="0"/>
+                <a:cs typeface="Arial" panose="020B0604020202020204" pitchFamily="34" charset="0"/>
+              </a:rPr>
+              <a:t>de las amenazas y riesgos que enfrentan o </a:t>
+            </a:r>
+            <a:r>
+              <a:rPr lang="es-CO" sz="1400" dirty="0" smtClean="0">
+                <a:solidFill>
+                  <a:schemeClr val="tx2"/>
+                </a:solidFill>
+                <a:latin typeface="Arial" panose="020B0604020202020204" pitchFamily="34" charset="0"/>
+                <a:cs typeface="Arial" panose="020B0604020202020204" pitchFamily="34" charset="0"/>
+              </a:rPr>
+              <a:t>puedan </a:t>
+            </a:r>
+            <a:r>
+              <a:rPr lang="es-CO" sz="1400" dirty="0">
+                <a:solidFill>
+                  <a:schemeClr val="tx2"/>
+                </a:solidFill>
+                <a:latin typeface="Arial" panose="020B0604020202020204" pitchFamily="34" charset="0"/>
+                <a:cs typeface="Arial" panose="020B0604020202020204" pitchFamily="34" charset="0"/>
+              </a:rPr>
+              <a:t>llegar a </a:t>
+            </a:r>
+            <a:r>
+              <a:rPr lang="es-CO" sz="1400" dirty="0" smtClean="0">
+                <a:solidFill>
+                  <a:schemeClr val="tx2"/>
+                </a:solidFill>
+                <a:latin typeface="Arial" panose="020B0604020202020204" pitchFamily="34" charset="0"/>
+                <a:cs typeface="Arial" panose="020B0604020202020204" pitchFamily="34" charset="0"/>
+              </a:rPr>
+              <a:t>enfrentar las </a:t>
+            </a:r>
+            <a:r>
+              <a:rPr lang="es-CO" sz="1400" b="1" dirty="0" smtClean="0">
+                <a:solidFill>
+                  <a:schemeClr val="tx2"/>
+                </a:solidFill>
+                <a:latin typeface="Arial" panose="020B0604020202020204" pitchFamily="34" charset="0"/>
+                <a:cs typeface="Arial" panose="020B0604020202020204" pitchFamily="34" charset="0"/>
+              </a:rPr>
+              <a:t>personas</a:t>
+            </a:r>
+            <a:r>
+              <a:rPr lang="es-CO" sz="1400" dirty="0" smtClean="0">
+                <a:solidFill>
+                  <a:schemeClr val="tx2"/>
+                </a:solidFill>
+                <a:latin typeface="Arial" panose="020B0604020202020204" pitchFamily="34" charset="0"/>
+                <a:cs typeface="Arial" panose="020B0604020202020204" pitchFamily="34" charset="0"/>
+              </a:rPr>
+              <a:t>, las</a:t>
+            </a:r>
+            <a:r>
+              <a:rPr lang="es-CO" sz="1400" dirty="0">
+                <a:solidFill>
+                  <a:schemeClr val="tx2"/>
+                </a:solidFill>
+                <a:latin typeface="Arial" panose="020B0604020202020204" pitchFamily="34" charset="0"/>
+                <a:cs typeface="Arial" panose="020B0604020202020204" pitchFamily="34" charset="0"/>
+              </a:rPr>
+              <a:t> </a:t>
+            </a:r>
+            <a:r>
+              <a:rPr lang="es-CO" sz="1400" b="1" dirty="0">
+                <a:solidFill>
+                  <a:schemeClr val="tx2"/>
+                </a:solidFill>
+                <a:latin typeface="Arial" panose="020B0604020202020204" pitchFamily="34" charset="0"/>
+                <a:cs typeface="Arial" panose="020B0604020202020204" pitchFamily="34" charset="0"/>
+              </a:rPr>
+              <a:t>instalaciones</a:t>
+            </a:r>
+            <a:r>
+              <a:rPr lang="es-CO" sz="1400" dirty="0" smtClean="0">
+                <a:solidFill>
+                  <a:schemeClr val="tx2"/>
+                </a:solidFill>
+                <a:latin typeface="Arial" panose="020B0604020202020204" pitchFamily="34" charset="0"/>
+                <a:cs typeface="Arial" panose="020B0604020202020204" pitchFamily="34" charset="0"/>
+              </a:rPr>
+              <a:t>, los </a:t>
+            </a:r>
+            <a:r>
+              <a:rPr lang="es-CO" sz="1400" b="1" dirty="0" smtClean="0">
+                <a:solidFill>
+                  <a:schemeClr val="tx2"/>
+                </a:solidFill>
+                <a:latin typeface="Arial" panose="020B0604020202020204" pitchFamily="34" charset="0"/>
+                <a:cs typeface="Arial" panose="020B0604020202020204" pitchFamily="34" charset="0"/>
+              </a:rPr>
+              <a:t>bienes </a:t>
+            </a:r>
+            <a:r>
+              <a:rPr lang="es-CO" sz="1400" b="1" dirty="0">
+                <a:solidFill>
+                  <a:schemeClr val="tx2"/>
+                </a:solidFill>
+                <a:latin typeface="Arial" panose="020B0604020202020204" pitchFamily="34" charset="0"/>
+                <a:cs typeface="Arial" panose="020B0604020202020204" pitchFamily="34" charset="0"/>
+              </a:rPr>
+              <a:t>y </a:t>
+            </a:r>
+            <a:r>
+              <a:rPr lang="es-CO" sz="1400" b="1" dirty="0" smtClean="0">
+                <a:solidFill>
+                  <a:schemeClr val="tx2"/>
+                </a:solidFill>
+                <a:latin typeface="Arial" panose="020B0604020202020204" pitchFamily="34" charset="0"/>
+                <a:cs typeface="Arial" panose="020B0604020202020204" pitchFamily="34" charset="0"/>
+              </a:rPr>
+              <a:t>procesos</a:t>
+            </a:r>
+            <a:r>
+              <a:rPr lang="es-CO" sz="1400" dirty="0" smtClean="0">
+                <a:solidFill>
+                  <a:schemeClr val="tx2"/>
+                </a:solidFill>
+                <a:latin typeface="Arial" panose="020B0604020202020204" pitchFamily="34" charset="0"/>
+                <a:cs typeface="Arial" panose="020B0604020202020204" pitchFamily="34" charset="0"/>
+              </a:rPr>
+              <a:t>, con el </a:t>
+            </a:r>
+            <a:r>
+              <a:rPr lang="es-CO" sz="1400" dirty="0">
+                <a:solidFill>
+                  <a:schemeClr val="tx2"/>
+                </a:solidFill>
+                <a:latin typeface="Arial" panose="020B0604020202020204" pitchFamily="34" charset="0"/>
+                <a:cs typeface="Arial" panose="020B0604020202020204" pitchFamily="34" charset="0"/>
+              </a:rPr>
+              <a:t>fin de implementar planes y sistemas tendientes a prevenir, </a:t>
+            </a:r>
+            <a:r>
+              <a:rPr lang="es-CO" sz="1400" dirty="0" smtClean="0">
+                <a:solidFill>
+                  <a:schemeClr val="tx2"/>
+                </a:solidFill>
+                <a:latin typeface="Arial" panose="020B0604020202020204" pitchFamily="34" charset="0"/>
+                <a:cs typeface="Arial" panose="020B0604020202020204" pitchFamily="34" charset="0"/>
+              </a:rPr>
+              <a:t>dificultar, retardar </a:t>
+            </a:r>
+            <a:r>
+              <a:rPr lang="es-CO" sz="1400" dirty="0">
+                <a:solidFill>
+                  <a:schemeClr val="tx2"/>
+                </a:solidFill>
+                <a:latin typeface="Arial" panose="020B0604020202020204" pitchFamily="34" charset="0"/>
+                <a:cs typeface="Arial" panose="020B0604020202020204" pitchFamily="34" charset="0"/>
+              </a:rPr>
+              <a:t>o limitar los resultados de las posibles acciones dañinas contra la </a:t>
+            </a:r>
+            <a:r>
+              <a:rPr lang="es-CO" sz="1400" b="1" dirty="0">
+                <a:solidFill>
+                  <a:schemeClr val="tx2"/>
+                </a:solidFill>
+                <a:latin typeface="Arial" panose="020B0604020202020204" pitchFamily="34" charset="0"/>
+                <a:cs typeface="Arial" panose="020B0604020202020204" pitchFamily="34" charset="0"/>
+              </a:rPr>
+              <a:t>seguridad</a:t>
+            </a:r>
+            <a:r>
+              <a:rPr lang="es-CO" sz="1400" dirty="0">
+                <a:solidFill>
+                  <a:schemeClr val="tx2"/>
+                </a:solidFill>
+                <a:latin typeface="Arial" panose="020B0604020202020204" pitchFamily="34" charset="0"/>
+                <a:cs typeface="Arial" panose="020B0604020202020204" pitchFamily="34" charset="0"/>
+              </a:rPr>
+              <a:t> </a:t>
+            </a:r>
+            <a:r>
+              <a:rPr lang="es-CO" sz="1400" dirty="0" smtClean="0">
+                <a:solidFill>
+                  <a:schemeClr val="tx2"/>
+                </a:solidFill>
+                <a:latin typeface="Arial" panose="020B0604020202020204" pitchFamily="34" charset="0"/>
+                <a:cs typeface="Arial" panose="020B0604020202020204" pitchFamily="34" charset="0"/>
+              </a:rPr>
+              <a:t>del Banco.</a:t>
+            </a:r>
+            <a:r>
+              <a:rPr lang="es-CO" sz="1400" dirty="0">
+                <a:solidFill>
+                  <a:schemeClr val="tx2"/>
+                </a:solidFill>
+              </a:rPr>
+              <a:t> </a:t>
+            </a:r>
+            <a:endParaRPr lang="es-CO" sz="1400" dirty="0" smtClean="0">
+              <a:solidFill>
+                <a:schemeClr val="tx2"/>
+              </a:solidFill>
+            </a:endParaRPr>
+          </a:p>
+          <a:p>
+            <a:pPr lvl="1" algn="just">
+              <a:lnSpc>
+                <a:spcPts val="1350"/>
+              </a:lnSpc>
+              <a:spcBef>
+                <a:spcPts val="675"/>
+              </a:spcBef>
+              <a:spcAft>
+                <a:spcPts val="675"/>
+              </a:spcAft>
+            </a:pPr>
+            <a:r>
+              <a:rPr lang="es-CO" sz="1400" b="1" dirty="0" smtClean="0">
+                <a:solidFill>
+                  <a:schemeClr val="tx2"/>
+                </a:solidFill>
+                <a:latin typeface="Arial" panose="020B0604020202020204" pitchFamily="34" charset="0"/>
+                <a:cs typeface="Arial" panose="020B0604020202020204" pitchFamily="34" charset="0"/>
+              </a:rPr>
+              <a:t>Esquema de Seguridad Física.</a:t>
+            </a:r>
+            <a:endParaRPr lang="es-CO" sz="1400" b="1" dirty="0">
               <a:solidFill>
                 <a:schemeClr val="tx2"/>
               </a:solidFill>
@@ -12845,203 +12095,131 @@
             </a:endParaRPr>
           </a:p>
           <a:p>
-            <a:pPr marL="0" lvl="1" algn="just">
+            <a:pPr lvl="1" algn="just">
               <a:lnSpc>
-                <a:spcPct val="80000"/>
+                <a:spcPts val="1350"/>
               </a:lnSpc>
               <a:spcBef>
-                <a:spcPct val="0"/>
+                <a:spcPts val="675"/>
               </a:spcBef>
               <a:spcAft>
                 <a:spcPts val="675"/>
               </a:spcAft>
             </a:pPr>
             <a:r>
-              <a:rPr lang="es-CO" sz="2000" dirty="0" smtClean="0">
+              <a:rPr lang="es-CO" sz="1400" dirty="0" smtClean="0">
+                <a:solidFill>
+                  <a:schemeClr val="tx2"/>
+                </a:solidFill>
+                <a:latin typeface="Arial" panose="020B0604020202020204" pitchFamily="34" charset="0"/>
+                <a:ea typeface="Times New Roman"/>
+                <a:cs typeface="Arial" panose="020B0604020202020204" pitchFamily="34" charset="0"/>
+              </a:rPr>
+              <a:t>Conformado por las </a:t>
+            </a:r>
+            <a:r>
+              <a:rPr lang="es-CO" sz="1400" b="1" dirty="0" smtClean="0">
+                <a:solidFill>
+                  <a:schemeClr val="tx2"/>
+                </a:solidFill>
+                <a:latin typeface="Arial" panose="020B0604020202020204" pitchFamily="34" charset="0"/>
+                <a:ea typeface="Times New Roman"/>
+                <a:cs typeface="Arial" panose="020B0604020202020204" pitchFamily="34" charset="0"/>
+              </a:rPr>
+              <a:t>políticas, protocolos </a:t>
+            </a:r>
+            <a:r>
+              <a:rPr lang="es-CO" sz="1400" dirty="0" smtClean="0">
+                <a:solidFill>
+                  <a:schemeClr val="tx2"/>
+                </a:solidFill>
+                <a:latin typeface="Arial" panose="020B0604020202020204" pitchFamily="34" charset="0"/>
+                <a:ea typeface="Times New Roman"/>
+                <a:cs typeface="Arial" panose="020B0604020202020204" pitchFamily="34" charset="0"/>
+              </a:rPr>
+              <a:t>de seguridad, </a:t>
+            </a:r>
+            <a:r>
+              <a:rPr lang="es-CO" sz="1400" b="1" dirty="0" smtClean="0">
+                <a:solidFill>
+                  <a:schemeClr val="tx2"/>
+                </a:solidFill>
+                <a:latin typeface="Arial" panose="020B0604020202020204" pitchFamily="34" charset="0"/>
+                <a:ea typeface="Times New Roman"/>
+                <a:cs typeface="Arial" panose="020B0604020202020204" pitchFamily="34" charset="0"/>
+              </a:rPr>
+              <a:t>medios de protección activos </a:t>
+            </a:r>
+            <a:r>
+              <a:rPr lang="es-CO" sz="1400" dirty="0" smtClean="0">
+                <a:solidFill>
+                  <a:schemeClr val="tx2"/>
+                </a:solidFill>
+                <a:latin typeface="Arial" panose="020B0604020202020204" pitchFamily="34" charset="0"/>
+                <a:ea typeface="Times New Roman"/>
+                <a:cs typeface="Arial" panose="020B0604020202020204" pitchFamily="34" charset="0"/>
+              </a:rPr>
+              <a:t>y los </a:t>
+            </a:r>
+            <a:r>
+              <a:rPr lang="es-CO" sz="1400" b="1" dirty="0" smtClean="0">
+                <a:solidFill>
+                  <a:schemeClr val="tx2"/>
+                </a:solidFill>
+                <a:latin typeface="Arial" panose="020B0604020202020204" pitchFamily="34" charset="0"/>
+                <a:ea typeface="Times New Roman"/>
+                <a:cs typeface="Arial" panose="020B0604020202020204" pitchFamily="34" charset="0"/>
+              </a:rPr>
+              <a:t>medios de protección pasivos, </a:t>
+            </a:r>
+            <a:r>
+              <a:rPr lang="es-CO" sz="1400" dirty="0" smtClean="0">
+                <a:solidFill>
+                  <a:schemeClr val="tx2"/>
+                </a:solidFill>
+                <a:latin typeface="Arial" panose="020B0604020202020204" pitchFamily="34" charset="0"/>
+                <a:ea typeface="Times New Roman"/>
+                <a:cs typeface="Arial" panose="020B0604020202020204" pitchFamily="34" charset="0"/>
+              </a:rPr>
+              <a:t>para </a:t>
+            </a:r>
+            <a:r>
+              <a:rPr lang="es-CO" sz="1400" dirty="0">
                 <a:solidFill>
                   <a:schemeClr val="tx2"/>
                 </a:solidFill>
                 <a:latin typeface="Arial" panose="020B0604020202020204" pitchFamily="34" charset="0"/>
                 <a:cs typeface="Arial" panose="020B0604020202020204" pitchFamily="34" charset="0"/>
               </a:rPr>
-              <a:t>Es </a:t>
-            </a:r>
-            <a:r>
-              <a:rPr lang="es-CO" sz="2000" dirty="0">
+              <a:t>prevenir, dificultar o limitar los resultados de las posibles acciones </a:t>
+            </a:r>
+            <a:r>
+              <a:rPr lang="es-CO" sz="1400" dirty="0" smtClean="0">
                 <a:solidFill>
                   <a:schemeClr val="tx2"/>
                 </a:solidFill>
                 <a:latin typeface="Arial" panose="020B0604020202020204" pitchFamily="34" charset="0"/>
                 <a:cs typeface="Arial" panose="020B0604020202020204" pitchFamily="34" charset="0"/>
               </a:rPr>
-              <a:t>la sensación de confianza, la ausencia de peligro, daño o </a:t>
-            </a:r>
-            <a:r>
-              <a:rPr lang="es-CO" sz="2000" dirty="0" smtClean="0">
+              <a:t>dañinas</a:t>
+            </a:r>
+            <a:r>
+              <a:rPr lang="es-CO" sz="1400" dirty="0">
                 <a:solidFill>
                   <a:schemeClr val="tx2"/>
                 </a:solidFill>
                 <a:latin typeface="Arial" panose="020B0604020202020204" pitchFamily="34" charset="0"/>
                 <a:cs typeface="Arial" panose="020B0604020202020204" pitchFamily="34" charset="0"/>
               </a:rPr>
-              <a:t>riesgo </a:t>
-            </a:r>
-            <a:r>
-              <a:rPr lang="es-CO" sz="2000" dirty="0">
-                <a:solidFill>
-                  <a:schemeClr val="tx2"/>
-                </a:solidFill>
-                <a:latin typeface="Arial" panose="020B0604020202020204" pitchFamily="34" charset="0"/>
-                <a:cs typeface="Arial" panose="020B0604020202020204" pitchFamily="34" charset="0"/>
-              </a:rPr>
-              <a:t>ante cualquier circunstancia. (seguridad informática, </a:t>
-            </a:r>
-            <a:r>
-              <a:rPr lang="es-CO" sz="2000" dirty="0" smtClean="0">
-                <a:solidFill>
-                  <a:schemeClr val="tx2"/>
-                </a:solidFill>
-                <a:latin typeface="Arial" panose="020B0604020202020204" pitchFamily="34" charset="0"/>
-                <a:cs typeface="Arial" panose="020B0604020202020204" pitchFamily="34" charset="0"/>
-              </a:rPr>
-              <a:t>seguridad </a:t>
-            </a:r>
-            <a:r>
-              <a:rPr lang="es-CO" sz="2000" dirty="0">
-                <a:solidFill>
-                  <a:schemeClr val="tx2"/>
-                </a:solidFill>
-                <a:latin typeface="Arial" panose="020B0604020202020204" pitchFamily="34" charset="0"/>
-                <a:cs typeface="Arial" panose="020B0604020202020204" pitchFamily="34" charset="0"/>
-              </a:rPr>
-              <a:t>jurídica, seguridad industrial, seguridad Operativa, </a:t>
-            </a:r>
-            <a:r>
-              <a:rPr lang="es-CO" sz="2000" dirty="0" smtClean="0">
-                <a:solidFill>
-                  <a:schemeClr val="tx2"/>
-                </a:solidFill>
-                <a:latin typeface="Arial" panose="020B0604020202020204" pitchFamily="34" charset="0"/>
-                <a:cs typeface="Arial" panose="020B0604020202020204" pitchFamily="34" charset="0"/>
-              </a:rPr>
-              <a:t>seguridad </a:t>
-            </a:r>
-            <a:r>
-              <a:rPr lang="es-CO" sz="2000" dirty="0">
-                <a:solidFill>
-                  <a:schemeClr val="tx2"/>
-                </a:solidFill>
-                <a:latin typeface="Arial" panose="020B0604020202020204" pitchFamily="34" charset="0"/>
-                <a:cs typeface="Arial" panose="020B0604020202020204" pitchFamily="34" charset="0"/>
-              </a:rPr>
-              <a:t>física).</a:t>
-            </a:r>
-          </a:p>
-          <a:p>
-            <a:pPr marL="342900" lvl="1" indent="-342900" algn="just">
-              <a:lnSpc>
-                <a:spcPct val="80000"/>
-              </a:lnSpc>
-              <a:spcBef>
-                <a:spcPct val="0"/>
-              </a:spcBef>
-              <a:spcAft>
-                <a:spcPts val="675"/>
-              </a:spcAft>
-              <a:buFont typeface="Wingdings" panose="05000000000000000000" pitchFamily="2" charset="2"/>
-              <a:buChar char="Ø"/>
-            </a:pPr>
-            <a:r>
-              <a:rPr lang="es-CO" sz="2000" dirty="0">
-                <a:solidFill>
-                  <a:schemeClr val="tx2"/>
-                </a:solidFill>
-                <a:latin typeface="Arial" panose="020B0604020202020204" pitchFamily="34" charset="0"/>
-                <a:cs typeface="Arial" panose="020B0604020202020204" pitchFamily="34" charset="0"/>
-              </a:rPr>
-              <a:t>Seguridad Física.</a:t>
-            </a:r>
-          </a:p>
-          <a:p>
-            <a:pPr marL="0" lvl="1" algn="just">
-              <a:lnSpc>
-                <a:spcPct val="80000"/>
-              </a:lnSpc>
-              <a:spcBef>
-                <a:spcPct val="0"/>
-              </a:spcBef>
-              <a:spcAft>
-                <a:spcPts val="675"/>
-              </a:spcAft>
-            </a:pPr>
-            <a:r>
-              <a:rPr lang="es-CO" sz="2000" dirty="0" smtClean="0">
-                <a:solidFill>
-                  <a:schemeClr val="tx2"/>
-                </a:solidFill>
-                <a:latin typeface="Arial" panose="020B0604020202020204" pitchFamily="34" charset="0"/>
-                <a:cs typeface="Arial" panose="020B0604020202020204" pitchFamily="34" charset="0"/>
-              </a:rPr>
-              <a:t> Es </a:t>
-            </a:r>
-            <a:r>
-              <a:rPr lang="es-CO" sz="2000" dirty="0">
-                <a:solidFill>
-                  <a:schemeClr val="tx2"/>
-                </a:solidFill>
-                <a:latin typeface="Arial" panose="020B0604020202020204" pitchFamily="34" charset="0"/>
-                <a:cs typeface="Arial" panose="020B0604020202020204" pitchFamily="34" charset="0"/>
-              </a:rPr>
-              <a:t>la identificación, análisis de las amenazas y riesgos que enfrentan o puedan llegar a enfrentar las personas, las instalaciones, los bienes y procesos, con el fin de implementar planes y sistemas tendientes a prevenir, dificultar, retardar o limitar los resultados de las posibles acciones dañinas contra la seguridad del Banco. </a:t>
-            </a:r>
-          </a:p>
-          <a:p>
-            <a:pPr marL="342900" lvl="1" indent="-342900" algn="just">
-              <a:lnSpc>
-                <a:spcPct val="80000"/>
-              </a:lnSpc>
-              <a:spcBef>
-                <a:spcPct val="0"/>
-              </a:spcBef>
-              <a:spcAft>
-                <a:spcPts val="675"/>
-              </a:spcAft>
-              <a:buFont typeface="Wingdings" panose="05000000000000000000" pitchFamily="2" charset="2"/>
-              <a:buChar char="Ø"/>
-            </a:pPr>
-            <a:r>
-              <a:rPr lang="es-CO" sz="2000" dirty="0">
-                <a:solidFill>
-                  <a:schemeClr val="tx2"/>
-                </a:solidFill>
-                <a:latin typeface="Arial" panose="020B0604020202020204" pitchFamily="34" charset="0"/>
-                <a:cs typeface="Arial" panose="020B0604020202020204" pitchFamily="34" charset="0"/>
-              </a:rPr>
-              <a:t>Esquema de Seguridad Física.</a:t>
-            </a:r>
-          </a:p>
-          <a:p>
-            <a:pPr marL="0" lvl="1" algn="just">
-              <a:lnSpc>
-                <a:spcPct val="80000"/>
-              </a:lnSpc>
-              <a:spcBef>
-                <a:spcPct val="0"/>
-              </a:spcBef>
-              <a:spcAft>
-                <a:spcPts val="675"/>
-              </a:spcAft>
-            </a:pPr>
-            <a:r>
-              <a:rPr lang="es-CO" sz="2000" dirty="0">
-                <a:solidFill>
-                  <a:schemeClr val="tx2"/>
-                </a:solidFill>
-                <a:latin typeface="Arial" panose="020B0604020202020204" pitchFamily="34" charset="0"/>
-                <a:cs typeface="Arial" panose="020B0604020202020204" pitchFamily="34" charset="0"/>
-              </a:rPr>
-              <a:t>Conformado por las políticas, protocolos de seguridad, medios de protección activos y los medios de protección pasivos, para prevenir, dificultar o limitar los resultados de las posibles acciones dañinas.</a:t>
-            </a:r>
+              <a:t>.</a:t>
+            </a:r>
+            <a:endParaRPr lang="es-CO" sz="1400" dirty="0" smtClean="0">
+              <a:solidFill>
+                <a:schemeClr val="tx2"/>
+              </a:solidFill>
+              <a:latin typeface="Arial"/>
+              <a:ea typeface="Times New Roman"/>
+            </a:endParaRPr>
           </a:p>
           <a:p>
             <a:pPr marL="190500" algn="just">
@@ -13112,8 +12290,8 @@
         </p:blipFill>
         <p:spPr bwMode="auto">
           <a:xfrm>
-            <a:off x="1979712" y="5517232"/>
-            <a:ext cx="2088232" cy="839477"/>
+            <a:off x="673204" y="4996916"/>
+            <a:ext cx="1359793" cy="1359793"/>
           </a:xfrm>
           <a:prstGeom prst="rect">
             <a:avLst/>
@@ -13166,8 +12344,8 @@
         </p:blipFill>
         <p:spPr bwMode="auto">
           <a:xfrm>
-            <a:off x="5263546" y="5301208"/>
-            <a:ext cx="3124878" cy="1255478"/>
+            <a:off x="2411760" y="4653136"/>
+            <a:ext cx="3124878" cy="1928804"/>
           </a:xfrm>
           <a:prstGeom prst="rect">
             <a:avLst/>
@@ -13197,6 +12375,67 @@
           </a:extLst>
         </p:spPr>
       </p:pic>
+      <p:pic>
+        <p:nvPicPr>
+          <p:cNvPr id="3077" name="Picture 5"/>
+          <p:cNvPicPr>
+            <a:picLocks noChangeAspect="1" noChangeArrowheads="1"/>
+          </p:cNvPicPr>
+          <p:nvPr/>
+        </p:nvPicPr>
+        <p:blipFill rotWithShape="1">
+          <a:blip r:embed="rId6" cstate="print">
+            <a:extLst>
+              <a:ext uri="{BEBA8EAE-BF5A-486C-A8C5-ECC9F3942E4B}">
+                <a14:imgProps xmlns:a14="http://schemas.microsoft.com/office/drawing/2010/main">
+                  <a14:imgLayer r:embed="rId7">
+                    <a14:imgEffect>
+                      <a14:brightnessContrast bright="-8000" contrast="33000"/>
+                    </a14:imgEffect>
+                  </a14:imgLayer>
+                </a14:imgProps>
+              </a:ext>
+              <a:ext uri="{28A0092B-C50C-407E-A947-70E740481C1C}">
+                <a14:useLocalDpi xmlns:a14="http://schemas.microsoft.com/office/drawing/2010/main" val="0"/>
+              </a:ext>
+            </a:extLst>
+          </a:blip>
+          <a:srcRect l="-1125" t="6186" r="1125" b="6186"/>
+          <a:stretch/>
+        </p:blipFill>
+        <p:spPr bwMode="auto">
+          <a:xfrm>
+            <a:off x="6012160" y="4827861"/>
+            <a:ext cx="2520280" cy="1528848"/>
+          </a:xfrm>
+          <a:prstGeom prst="rect">
+            <a:avLst/>
+          </a:prstGeom>
+          <a:noFill/>
+          <a:ln>
+            <a:noFill/>
+          </a:ln>
+          <a:extLst>
+            <a:ext uri="{909E8E84-426E-40DD-AFC4-6F175D3DCCD1}">
+              <a14:hiddenFill xmlns:a14="http://schemas.microsoft.com/office/drawing/2010/main">
+                <a:solidFill>
+                  <a:schemeClr val="accent1"/>
+                </a:solidFill>
+              </a14:hiddenFill>
+            </a:ext>
+            <a:ext uri="{91240B29-F687-4F45-9708-019B960494DF}">
+              <a14:hiddenLine xmlns:a14="http://schemas.microsoft.com/office/drawing/2010/main" w="9525">
+                <a:solidFill>
+                  <a:schemeClr val="tx1"/>
+                </a:solidFill>
+                <a:miter lim="800000"/>
+                <a:headEnd/>
+                <a:tailEnd/>
+              </a14:hiddenLine>
+            </a:ext>
+          </a:extLst>
+        </p:spPr>
+      </p:pic>
       <p:sp>
         <p:nvSpPr>
           <p:cNvPr id="4" name="3 CuadroTexto"/>
@@ -13204,9 +12443,9 @@
           <p:nvPr/>
         </p:nvSpPr>
         <p:spPr>
-          <a:xfrm flipH="1">
-            <a:off x="4932040" y="4926958"/>
-            <a:ext cx="3384373" cy="432747"/>
+          <a:xfrm>
+            <a:off x="2041938" y="4701255"/>
+            <a:ext cx="4038285" cy="253211"/>
           </a:xfrm>
           <a:prstGeom prst="rect">
             <a:avLst/>
@@ -13214,12 +12453,12 @@
           <a:noFill/>
         </p:spPr>
         <p:txBody>
-          <a:bodyPr wrap="square" rtlCol="0">
+          <a:bodyPr wrap="none" rtlCol="0">
             <a:spAutoFit/>
           </a:bodyPr>
           <a:lstStyle/>
           <a:p>
-            <a:pPr marL="190500" lvl="0" algn="ctr">
+            <a:pPr marL="190500" lvl="0" algn="just">
               <a:lnSpc>
                 <a:spcPts val="1350"/>
               </a:lnSpc>
@@ -13251,8 +12490,8 @@
         </p:nvSpPr>
         <p:spPr>
           <a:xfrm>
-            <a:off x="1907704" y="5022854"/>
-            <a:ext cx="2088232" cy="451406"/>
+            <a:off x="258327" y="4467801"/>
+            <a:ext cx="1882572" cy="451406"/>
           </a:xfrm>
           <a:prstGeom prst="rect">
             <a:avLst/>
@@ -13333,6 +12572,46 @@
                 <a:ea typeface="Times New Roman"/>
               </a:rPr>
               <a:t>MN 007</a:t>
+            </a:r>
+          </a:p>
+        </p:txBody>
+      </p:sp>
+      <p:sp>
+        <p:nvSpPr>
+          <p:cNvPr id="6" name="5 CuadroTexto"/>
+          <p:cNvSpPr txBox="1"/>
+          <p:nvPr/>
+        </p:nvSpPr>
+        <p:spPr>
+          <a:xfrm>
+            <a:off x="6427357" y="4525056"/>
+            <a:ext cx="1689886" cy="256160"/>
+          </a:xfrm>
+          <a:prstGeom prst="rect">
+            <a:avLst/>
+          </a:prstGeom>
+          <a:noFill/>
+        </p:spPr>
+        <p:txBody>
+          <a:bodyPr wrap="none" rtlCol="0">
+            <a:spAutoFit/>
+          </a:bodyPr>
+          <a:lstStyle/>
+          <a:p>
+            <a:pPr marL="190500" lvl="0" algn="just">
+              <a:lnSpc>
+                <a:spcPts val="1350"/>
+              </a:lnSpc>
+            </a:pPr>
+            <a:r>
+              <a:rPr lang="es-CO" sz="1000" b="1" dirty="0">
+                <a:solidFill>
+                  <a:srgbClr val="1F497D"/>
+                </a:solidFill>
+                <a:latin typeface="Arial"/>
+                <a:ea typeface="Times New Roman"/>
+              </a:rPr>
+              <a:t>Protección perimetral</a:t>
             </a:r>
           </a:p>
         </p:txBody>
@@ -13943,8 +13222,8 @@
         </p:nvSpPr>
         <p:spPr>
           <a:xfrm>
-            <a:off x="287085" y="305134"/>
-            <a:ext cx="2638864" cy="400110"/>
+            <a:off x="323528" y="299541"/>
+            <a:ext cx="3169457" cy="400110"/>
           </a:xfrm>
           <a:prstGeom prst="rect">
             <a:avLst/>
@@ -13965,7 +13244,7 @@
                 <a:latin typeface="Arial" panose="020B0604020202020204" pitchFamily="34" charset="0"/>
                 <a:cs typeface="Arial" panose="020B0604020202020204" pitchFamily="34" charset="0"/>
               </a:rPr>
-              <a:t>SEGURIDAD FISICA</a:t>
+              <a:t>SEGURIDAD BANCARIA</a:t>
             </a:r>
             <a:endParaRPr lang="es-MX" sz="2000" b="1" dirty="0">
               <a:solidFill>
@@ -13977,199 +13256,9 @@
           </a:p>
         </p:txBody>
       </p:sp>
-      <p:sp>
-        <p:nvSpPr>
-          <p:cNvPr id="3" name="2 Rectángulo"/>
-          <p:cNvSpPr/>
-          <p:nvPr/>
-        </p:nvSpPr>
-        <p:spPr>
-          <a:xfrm>
-            <a:off x="179512" y="836712"/>
-            <a:ext cx="8568952" cy="990015"/>
-          </a:xfrm>
-          <a:prstGeom prst="rect">
-            <a:avLst/>
-          </a:prstGeom>
-        </p:spPr>
-        <p:txBody>
-          <a:bodyPr wrap="square">
-            <a:spAutoFit/>
-          </a:bodyPr>
-          <a:lstStyle/>
-          <a:p>
-            <a:pPr lvl="1" algn="just">
-              <a:lnSpc>
-                <a:spcPts val="1350"/>
-              </a:lnSpc>
-              <a:spcAft>
-                <a:spcPts val="0"/>
-              </a:spcAft>
-            </a:pPr>
-            <a:r>
-              <a:rPr lang="es-CO" sz="1400" b="1" dirty="0">
-                <a:solidFill>
-                  <a:schemeClr val="tx2"/>
-                </a:solidFill>
-                <a:latin typeface="Arial" panose="020B0604020202020204" pitchFamily="34" charset="0"/>
-                <a:ea typeface="Times New Roman"/>
-                <a:cs typeface="Arial" panose="020B0604020202020204" pitchFamily="34" charset="0"/>
-              </a:rPr>
-              <a:t>Protección </a:t>
-            </a:r>
-            <a:r>
-              <a:rPr lang="es-CO" sz="1400" b="1" dirty="0" smtClean="0">
-                <a:solidFill>
-                  <a:schemeClr val="tx2"/>
-                </a:solidFill>
-                <a:latin typeface="Arial" panose="020B0604020202020204" pitchFamily="34" charset="0"/>
-                <a:ea typeface="Times New Roman"/>
-                <a:cs typeface="Arial" panose="020B0604020202020204" pitchFamily="34" charset="0"/>
-              </a:rPr>
-              <a:t>periférica</a:t>
-            </a:r>
-          </a:p>
-          <a:p>
-            <a:pPr lvl="1" algn="just">
-              <a:lnSpc>
-                <a:spcPts val="1350"/>
-              </a:lnSpc>
-              <a:spcAft>
-                <a:spcPts val="0"/>
-              </a:spcAft>
-            </a:pPr>
-            <a:endParaRPr lang="es-MX" sz="1400" dirty="0">
-              <a:solidFill>
-                <a:schemeClr val="tx2"/>
-              </a:solidFill>
-              <a:latin typeface="Arial" panose="020B0604020202020204" pitchFamily="34" charset="0"/>
-              <a:ea typeface="Times New Roman"/>
-              <a:cs typeface="Arial" panose="020B0604020202020204" pitchFamily="34" charset="0"/>
-            </a:endParaRPr>
-          </a:p>
-          <a:p>
-            <a:pPr marL="190500" algn="just">
-              <a:lnSpc>
-                <a:spcPts val="1350"/>
-              </a:lnSpc>
-              <a:spcAft>
-                <a:spcPts val="0"/>
-              </a:spcAft>
-            </a:pPr>
-            <a:r>
-              <a:rPr lang="es-CO" sz="1400" dirty="0">
-                <a:solidFill>
-                  <a:schemeClr val="tx2"/>
-                </a:solidFill>
-                <a:latin typeface="Arial" panose="020B0604020202020204" pitchFamily="34" charset="0"/>
-                <a:ea typeface="Times New Roman"/>
-                <a:cs typeface="Arial" panose="020B0604020202020204" pitchFamily="34" charset="0"/>
-              </a:rPr>
-              <a:t>Otros elementos también estáticos </a:t>
-            </a:r>
-            <a:r>
-              <a:rPr lang="es-CO" sz="1400" dirty="0" smtClean="0">
-                <a:solidFill>
-                  <a:schemeClr val="tx2"/>
-                </a:solidFill>
-                <a:latin typeface="Arial" panose="020B0604020202020204" pitchFamily="34" charset="0"/>
-                <a:ea typeface="Times New Roman"/>
-                <a:cs typeface="Arial" panose="020B0604020202020204" pitchFamily="34" charset="0"/>
-              </a:rPr>
-              <a:t>(</a:t>
-            </a:r>
-            <a:r>
-              <a:rPr lang="es-CO" sz="1400" b="1" dirty="0" smtClean="0">
-                <a:solidFill>
-                  <a:schemeClr val="tx2"/>
-                </a:solidFill>
-                <a:latin typeface="Arial" panose="020B0604020202020204" pitchFamily="34" charset="0"/>
-                <a:ea typeface="Times New Roman"/>
-                <a:cs typeface="Arial" panose="020B0604020202020204" pitchFamily="34" charset="0"/>
-              </a:rPr>
-              <a:t>puertas</a:t>
-            </a:r>
-            <a:r>
-              <a:rPr lang="es-CO" sz="1400" b="1" dirty="0">
-                <a:solidFill>
-                  <a:schemeClr val="tx2"/>
-                </a:solidFill>
-                <a:latin typeface="Arial" panose="020B0604020202020204" pitchFamily="34" charset="0"/>
-                <a:ea typeface="Times New Roman"/>
-                <a:cs typeface="Arial" panose="020B0604020202020204" pitchFamily="34" charset="0"/>
-              </a:rPr>
-              <a:t>, rejas, ventanas, rejillas, emparrillados etc</a:t>
-            </a:r>
-            <a:r>
-              <a:rPr lang="es-CO" sz="1400" dirty="0">
-                <a:solidFill>
-                  <a:schemeClr val="tx2"/>
-                </a:solidFill>
-                <a:latin typeface="Arial" panose="020B0604020202020204" pitchFamily="34" charset="0"/>
-                <a:ea typeface="Times New Roman"/>
-                <a:cs typeface="Arial" panose="020B0604020202020204" pitchFamily="34" charset="0"/>
-              </a:rPr>
-              <a:t>.), que impiden el acceso </a:t>
-            </a:r>
-            <a:r>
-              <a:rPr lang="es-CO" sz="1400" dirty="0" smtClean="0">
-                <a:solidFill>
-                  <a:schemeClr val="tx2"/>
-                </a:solidFill>
-                <a:latin typeface="Arial" panose="020B0604020202020204" pitchFamily="34" charset="0"/>
-                <a:ea typeface="Times New Roman"/>
-                <a:cs typeface="Arial" panose="020B0604020202020204" pitchFamily="34" charset="0"/>
-              </a:rPr>
-              <a:t>por áreas abiertas, </a:t>
-            </a:r>
-            <a:r>
-              <a:rPr lang="es-CO" sz="1400" dirty="0">
-                <a:solidFill>
-                  <a:schemeClr val="tx2"/>
-                </a:solidFill>
-                <a:latin typeface="Arial" panose="020B0604020202020204" pitchFamily="34" charset="0"/>
-                <a:ea typeface="Times New Roman"/>
-                <a:cs typeface="Arial" panose="020B0604020202020204" pitchFamily="34" charset="0"/>
-              </a:rPr>
-              <a:t>agujeros de ventilación, entradas de luz, ductos de aire y cableados eléctricos, al propio local, formando lo que se denomina </a:t>
-            </a:r>
-            <a:r>
-              <a:rPr lang="es-CO" sz="1400" b="1" dirty="0">
-                <a:solidFill>
-                  <a:schemeClr val="tx2"/>
-                </a:solidFill>
-                <a:latin typeface="Arial" panose="020B0604020202020204" pitchFamily="34" charset="0"/>
-                <a:ea typeface="Times New Roman"/>
-                <a:cs typeface="Arial" panose="020B0604020202020204" pitchFamily="34" charset="0"/>
-              </a:rPr>
-              <a:t>protección periférica</a:t>
-            </a:r>
-            <a:r>
-              <a:rPr lang="es-CO" sz="1400" dirty="0">
-                <a:solidFill>
-                  <a:schemeClr val="tx2"/>
-                </a:solidFill>
-                <a:latin typeface="Arial" panose="020B0604020202020204" pitchFamily="34" charset="0"/>
-                <a:ea typeface="Times New Roman"/>
-                <a:cs typeface="Arial" panose="020B0604020202020204" pitchFamily="34" charset="0"/>
-              </a:rPr>
-              <a:t>.</a:t>
-            </a:r>
-            <a:endParaRPr lang="es-MX" sz="1400" dirty="0">
-              <a:solidFill>
-                <a:schemeClr val="tx2"/>
-              </a:solidFill>
-              <a:effectLst/>
-              <a:latin typeface="Arial" panose="020B0604020202020204" pitchFamily="34" charset="0"/>
-              <a:ea typeface="Times New Roman"/>
-              <a:cs typeface="Arial" panose="020B0604020202020204" pitchFamily="34" charset="0"/>
-            </a:endParaRPr>
-          </a:p>
-        </p:txBody>
-      </p:sp>
       <p:pic>
         <p:nvPicPr>
-          <p:cNvPr id="2050" name="Picture 2"/>
+          <p:cNvPr id="4099" name="Picture 3"/>
           <p:cNvPicPr>
             <a:picLocks noChangeAspect="1" noChangeArrowheads="1"/>
           </p:cNvPicPr>
@@ -14190,8 +13279,8 @@
         </p:blipFill>
         <p:spPr bwMode="auto">
           <a:xfrm>
-            <a:off x="323528" y="2060848"/>
-            <a:ext cx="3888432" cy="3528391"/>
+            <a:off x="179513" y="908720"/>
+            <a:ext cx="8784976" cy="5616624"/>
           </a:xfrm>
           <a:prstGeom prst="rect">
             <a:avLst/>
@@ -14231,412 +13320,10 @@
           </a:extLst>
         </p:spPr>
       </p:pic>
-      <p:pic>
-        <p:nvPicPr>
-          <p:cNvPr id="6" name="1 Imagen" descr="212.jpg"/>
-          <p:cNvPicPr/>
-          <p:nvPr/>
-        </p:nvPicPr>
-        <p:blipFill>
-          <a:blip r:embed="rId3" cstate="print">
-            <a:lum/>
-          </a:blip>
-          <a:stretch>
-            <a:fillRect/>
-          </a:stretch>
-        </p:blipFill>
-        <p:spPr>
-          <a:xfrm>
-            <a:off x="4885963" y="2060849"/>
-            <a:ext cx="4036695" cy="3554288"/>
-          </a:xfrm>
-          <a:prstGeom prst="rect">
-            <a:avLst/>
-          </a:prstGeom>
-          <a:noFill/>
-          <a:ln>
-            <a:noFill/>
-          </a:ln>
-        </p:spPr>
-      </p:pic>
-      <p:sp>
-        <p:nvSpPr>
-          <p:cNvPr id="4" name="3 CuadroTexto"/>
-          <p:cNvSpPr txBox="1"/>
-          <p:nvPr/>
-        </p:nvSpPr>
-        <p:spPr>
-          <a:xfrm>
-            <a:off x="6950387" y="2220476"/>
-            <a:ext cx="1972271" cy="369332"/>
-          </a:xfrm>
-          <a:prstGeom prst="rect">
-            <a:avLst/>
-          </a:prstGeom>
-          <a:noFill/>
-        </p:spPr>
-        <p:txBody>
-          <a:bodyPr wrap="none" rtlCol="0">
-            <a:spAutoFit/>
-          </a:bodyPr>
-          <a:lstStyle/>
-          <a:p>
-            <a:r>
-              <a:rPr lang="es-MX" dirty="0" smtClean="0">
-                <a:solidFill>
-                  <a:srgbClr val="FF0000"/>
-                </a:solidFill>
-              </a:rPr>
-              <a:t>Tejas fibrocemento</a:t>
-            </a:r>
-            <a:endParaRPr lang="es-MX" dirty="0">
-              <a:solidFill>
-                <a:srgbClr val="FF0000"/>
-              </a:solidFill>
-            </a:endParaRPr>
-          </a:p>
-        </p:txBody>
-      </p:sp>
-      <p:sp>
-        <p:nvSpPr>
-          <p:cNvPr id="7" name="6 CuadroTexto"/>
-          <p:cNvSpPr txBox="1"/>
-          <p:nvPr/>
-        </p:nvSpPr>
-        <p:spPr>
-          <a:xfrm>
-            <a:off x="5220072" y="4153457"/>
-            <a:ext cx="2467214" cy="369332"/>
-          </a:xfrm>
-          <a:prstGeom prst="rect">
-            <a:avLst/>
-          </a:prstGeom>
-          <a:noFill/>
-        </p:spPr>
-        <p:txBody>
-          <a:bodyPr wrap="none" rtlCol="0">
-            <a:spAutoFit/>
-          </a:bodyPr>
-          <a:lstStyle/>
-          <a:p>
-            <a:r>
-              <a:rPr lang="es-MX" b="1" dirty="0" smtClean="0">
-                <a:solidFill>
-                  <a:srgbClr val="FF0000"/>
-                </a:solidFill>
-              </a:rPr>
-              <a:t>Parrilla o reja varilla 5/8</a:t>
-            </a:r>
-            <a:endParaRPr lang="es-MX" b="1" dirty="0">
-              <a:solidFill>
-                <a:srgbClr val="FF0000"/>
-              </a:solidFill>
-            </a:endParaRPr>
-          </a:p>
-        </p:txBody>
-      </p:sp>
-      <p:cxnSp>
-        <p:nvCxnSpPr>
-          <p:cNvPr id="10" name="9 Conector recto de flecha"/>
-          <p:cNvCxnSpPr/>
-          <p:nvPr/>
-        </p:nvCxnSpPr>
-        <p:spPr>
-          <a:xfrm>
-            <a:off x="8519864" y="2589808"/>
-            <a:ext cx="228600" cy="220351"/>
-          </a:xfrm>
-          <a:prstGeom prst="straightConnector1">
-            <a:avLst/>
-          </a:prstGeom>
-          <a:ln>
-            <a:solidFill>
-              <a:srgbClr val="FF0000"/>
-            </a:solidFill>
-            <a:tailEnd type="arrow"/>
-          </a:ln>
-        </p:spPr>
-        <p:style>
-          <a:lnRef idx="1">
-            <a:schemeClr val="accent1"/>
-          </a:lnRef>
-          <a:fillRef idx="0">
-            <a:schemeClr val="accent1"/>
-          </a:fillRef>
-          <a:effectRef idx="0">
-            <a:schemeClr val="accent1"/>
-          </a:effectRef>
-          <a:fontRef idx="minor">
-            <a:schemeClr val="tx1"/>
-          </a:fontRef>
-        </p:style>
-      </p:cxnSp>
-      <p:cxnSp>
-        <p:nvCxnSpPr>
-          <p:cNvPr id="16" name="15 Conector recto de flecha"/>
-          <p:cNvCxnSpPr>
-            <a:stCxn id="7" idx="3"/>
-          </p:cNvCxnSpPr>
-          <p:nvPr/>
-        </p:nvCxnSpPr>
-        <p:spPr>
-          <a:xfrm>
-            <a:off x="7687286" y="4338123"/>
-            <a:ext cx="413106" cy="184666"/>
-          </a:xfrm>
-          <a:prstGeom prst="straightConnector1">
-            <a:avLst/>
-          </a:prstGeom>
-          <a:ln>
-            <a:solidFill>
-              <a:srgbClr val="FF0000"/>
-            </a:solidFill>
-            <a:tailEnd type="arrow"/>
-          </a:ln>
-        </p:spPr>
-        <p:style>
-          <a:lnRef idx="1">
-            <a:schemeClr val="accent1"/>
-          </a:lnRef>
-          <a:fillRef idx="0">
-            <a:schemeClr val="accent1"/>
-          </a:fillRef>
-          <a:effectRef idx="0">
-            <a:schemeClr val="accent1"/>
-          </a:effectRef>
-          <a:fontRef idx="minor">
-            <a:schemeClr val="tx1"/>
-          </a:fontRef>
-        </p:style>
-      </p:cxnSp>
-      <p:cxnSp>
-        <p:nvCxnSpPr>
-          <p:cNvPr id="20" name="19 Conector recto de flecha"/>
-          <p:cNvCxnSpPr/>
-          <p:nvPr/>
-        </p:nvCxnSpPr>
-        <p:spPr>
-          <a:xfrm flipH="1">
-            <a:off x="6300192" y="2405142"/>
-            <a:ext cx="792088" cy="184666"/>
-          </a:xfrm>
-          <a:prstGeom prst="straightConnector1">
-            <a:avLst/>
-          </a:prstGeom>
-          <a:ln>
-            <a:solidFill>
-              <a:srgbClr val="FF0000"/>
-            </a:solidFill>
-            <a:tailEnd type="arrow"/>
-          </a:ln>
-        </p:spPr>
-        <p:style>
-          <a:lnRef idx="1">
-            <a:schemeClr val="accent1"/>
-          </a:lnRef>
-          <a:fillRef idx="0">
-            <a:schemeClr val="accent1"/>
-          </a:fillRef>
-          <a:effectRef idx="0">
-            <a:schemeClr val="accent1"/>
-          </a:effectRef>
-          <a:fontRef idx="minor">
-            <a:schemeClr val="tx1"/>
-          </a:fontRef>
-        </p:style>
-      </p:cxnSp>
-      <p:sp>
-        <p:nvSpPr>
-          <p:cNvPr id="22" name="21 CuadroTexto"/>
-          <p:cNvSpPr txBox="1"/>
-          <p:nvPr/>
-        </p:nvSpPr>
-        <p:spPr>
-          <a:xfrm>
-            <a:off x="6834874" y="5245805"/>
-            <a:ext cx="1115755" cy="369332"/>
-          </a:xfrm>
-          <a:prstGeom prst="rect">
-            <a:avLst/>
-          </a:prstGeom>
-          <a:noFill/>
-        </p:spPr>
-        <p:txBody>
-          <a:bodyPr wrap="none" rtlCol="0">
-            <a:spAutoFit/>
-          </a:bodyPr>
-          <a:lstStyle/>
-          <a:p>
-            <a:r>
-              <a:rPr lang="es-MX" b="1" dirty="0" smtClean="0">
-                <a:solidFill>
-                  <a:srgbClr val="FF0000"/>
-                </a:solidFill>
-              </a:rPr>
-              <a:t>Cielo raso</a:t>
-            </a:r>
-            <a:endParaRPr lang="es-MX" b="1" dirty="0">
-              <a:solidFill>
-                <a:srgbClr val="FF0000"/>
-              </a:solidFill>
-            </a:endParaRPr>
-          </a:p>
-        </p:txBody>
-      </p:sp>
-      <p:sp>
-        <p:nvSpPr>
-          <p:cNvPr id="23" name="22 CuadroTexto"/>
-          <p:cNvSpPr txBox="1"/>
-          <p:nvPr/>
-        </p:nvSpPr>
-        <p:spPr>
-          <a:xfrm>
-            <a:off x="2773133" y="1834865"/>
-            <a:ext cx="3107004" cy="307777"/>
-          </a:xfrm>
-          <a:prstGeom prst="rect">
-            <a:avLst/>
-          </a:prstGeom>
-          <a:noFill/>
-        </p:spPr>
-        <p:txBody>
-          <a:bodyPr wrap="none" rtlCol="0">
-            <a:spAutoFit/>
-          </a:bodyPr>
-          <a:lstStyle/>
-          <a:p>
-            <a:r>
-              <a:rPr lang="es-MX" sz="1400" b="1" dirty="0" smtClean="0">
-                <a:solidFill>
-                  <a:schemeClr val="tx2"/>
-                </a:solidFill>
-              </a:rPr>
-              <a:t>EMPARRILLADOS O REJAS DE CUBIERTA</a:t>
-            </a:r>
-            <a:endParaRPr lang="es-MX" sz="1400" b="1" dirty="0">
-              <a:solidFill>
-                <a:schemeClr val="tx2"/>
-              </a:solidFill>
-            </a:endParaRPr>
-          </a:p>
-        </p:txBody>
-      </p:sp>
-      <p:sp>
-        <p:nvSpPr>
-          <p:cNvPr id="5" name="4 CuadroTexto"/>
-          <p:cNvSpPr txBox="1"/>
-          <p:nvPr/>
-        </p:nvSpPr>
-        <p:spPr>
-          <a:xfrm>
-            <a:off x="899592" y="2699983"/>
-            <a:ext cx="1699761" cy="307777"/>
-          </a:xfrm>
-          <a:prstGeom prst="rect">
-            <a:avLst/>
-          </a:prstGeom>
-          <a:noFill/>
-        </p:spPr>
-        <p:txBody>
-          <a:bodyPr wrap="none" rtlCol="0">
-            <a:spAutoFit/>
-          </a:bodyPr>
-          <a:lstStyle/>
-          <a:p>
-            <a:r>
-              <a:rPr lang="es-MX" sz="1400" b="1" dirty="0" smtClean="0">
-                <a:solidFill>
-                  <a:srgbClr val="FF0000"/>
-                </a:solidFill>
-              </a:rPr>
-              <a:t>ENREJADO DE PATIO</a:t>
-            </a:r>
-            <a:endParaRPr lang="es-MX" sz="1400" b="1" dirty="0">
-              <a:solidFill>
-                <a:srgbClr val="FF0000"/>
-              </a:solidFill>
-            </a:endParaRPr>
-          </a:p>
-        </p:txBody>
-      </p:sp>
-      <p:sp>
-        <p:nvSpPr>
-          <p:cNvPr id="8" name="7 CuadroTexto"/>
-          <p:cNvSpPr txBox="1"/>
-          <p:nvPr/>
-        </p:nvSpPr>
-        <p:spPr>
-          <a:xfrm>
-            <a:off x="2347835" y="3694936"/>
-            <a:ext cx="1164229" cy="307777"/>
-          </a:xfrm>
-          <a:prstGeom prst="rect">
-            <a:avLst/>
-          </a:prstGeom>
-          <a:noFill/>
-        </p:spPr>
-        <p:txBody>
-          <a:bodyPr wrap="none" rtlCol="0">
-            <a:spAutoFit/>
-          </a:bodyPr>
-          <a:lstStyle/>
-          <a:p>
-            <a:r>
-              <a:rPr lang="es-MX" sz="1400" b="1" dirty="0" smtClean="0">
-                <a:solidFill>
-                  <a:srgbClr val="FF0000"/>
-                </a:solidFill>
-              </a:rPr>
-              <a:t>CONCERTINA</a:t>
-            </a:r>
-            <a:endParaRPr lang="es-MX" sz="1400" b="1" dirty="0">
-              <a:solidFill>
-                <a:srgbClr val="FF0000"/>
-              </a:solidFill>
-            </a:endParaRPr>
-          </a:p>
-        </p:txBody>
-      </p:sp>
-      <p:cxnSp>
-        <p:nvCxnSpPr>
-          <p:cNvPr id="15" name="14 Conector recto de flecha"/>
-          <p:cNvCxnSpPr/>
-          <p:nvPr/>
-        </p:nvCxnSpPr>
-        <p:spPr>
-          <a:xfrm>
-            <a:off x="3419872" y="3890136"/>
-            <a:ext cx="320792" cy="55088"/>
-          </a:xfrm>
-          <a:prstGeom prst="straightConnector1">
-            <a:avLst/>
-          </a:prstGeom>
-          <a:ln w="28575">
-            <a:solidFill>
-              <a:srgbClr val="FF0000"/>
-            </a:solidFill>
-            <a:tailEnd type="arrow"/>
-          </a:ln>
-        </p:spPr>
-        <p:style>
-          <a:lnRef idx="1">
-            <a:schemeClr val="accent1"/>
-          </a:lnRef>
-          <a:fillRef idx="0">
-            <a:schemeClr val="accent1"/>
-          </a:fillRef>
-          <a:effectRef idx="0">
-            <a:schemeClr val="accent1"/>
-          </a:effectRef>
-          <a:fontRef idx="minor">
-            <a:schemeClr val="tx1"/>
-          </a:fontRef>
-        </p:style>
-      </p:cxnSp>
     </p:spTree>
     <p:extLst>
       <p:ext uri="{BB962C8B-B14F-4D97-AF65-F5344CB8AC3E}">
-        <p14:creationId xmlns:p14="http://schemas.microsoft.com/office/powerpoint/2010/main" val="3921577948"/>
+        <p14:creationId xmlns:p14="http://schemas.microsoft.com/office/powerpoint/2010/main" val="139719149"/>
       </p:ext>
     </p:extLst>
   </p:cSld>
